--- a/pics/pics.pptx
+++ b/pics/pics.pptx
@@ -243,7 +243,7 @@
           <a:p>
             <a:fld id="{E65E778F-C4EB-6749-96E0-A0E7AA333788}" type="datetimeFigureOut">
               <a:rPr lang="en-US" smtClean="0"/>
-              <a:t>2/22/18</a:t>
+              <a:t>8/27/18</a:t>
             </a:fld>
             <a:endParaRPr lang="en-US"/>
           </a:p>
@@ -413,7 +413,7 @@
           <a:p>
             <a:fld id="{E65E778F-C4EB-6749-96E0-A0E7AA333788}" type="datetimeFigureOut">
               <a:rPr lang="en-US" smtClean="0"/>
-              <a:t>2/22/18</a:t>
+              <a:t>8/27/18</a:t>
             </a:fld>
             <a:endParaRPr lang="en-US"/>
           </a:p>
@@ -593,7 +593,7 @@
           <a:p>
             <a:fld id="{E65E778F-C4EB-6749-96E0-A0E7AA333788}" type="datetimeFigureOut">
               <a:rPr lang="en-US" smtClean="0"/>
-              <a:t>2/22/18</a:t>
+              <a:t>8/27/18</a:t>
             </a:fld>
             <a:endParaRPr lang="en-US"/>
           </a:p>
@@ -763,7 +763,7 @@
           <a:p>
             <a:fld id="{E65E778F-C4EB-6749-96E0-A0E7AA333788}" type="datetimeFigureOut">
               <a:rPr lang="en-US" smtClean="0"/>
-              <a:t>2/22/18</a:t>
+              <a:t>8/27/18</a:t>
             </a:fld>
             <a:endParaRPr lang="en-US"/>
           </a:p>
@@ -1009,7 +1009,7 @@
           <a:p>
             <a:fld id="{E65E778F-C4EB-6749-96E0-A0E7AA333788}" type="datetimeFigureOut">
               <a:rPr lang="en-US" smtClean="0"/>
-              <a:t>2/22/18</a:t>
+              <a:t>8/27/18</a:t>
             </a:fld>
             <a:endParaRPr lang="en-US"/>
           </a:p>
@@ -1241,7 +1241,7 @@
           <a:p>
             <a:fld id="{E65E778F-C4EB-6749-96E0-A0E7AA333788}" type="datetimeFigureOut">
               <a:rPr lang="en-US" smtClean="0"/>
-              <a:t>2/22/18</a:t>
+              <a:t>8/27/18</a:t>
             </a:fld>
             <a:endParaRPr lang="en-US"/>
           </a:p>
@@ -1608,7 +1608,7 @@
           <a:p>
             <a:fld id="{E65E778F-C4EB-6749-96E0-A0E7AA333788}" type="datetimeFigureOut">
               <a:rPr lang="en-US" smtClean="0"/>
-              <a:t>2/22/18</a:t>
+              <a:t>8/27/18</a:t>
             </a:fld>
             <a:endParaRPr lang="en-US"/>
           </a:p>
@@ -1726,7 +1726,7 @@
           <a:p>
             <a:fld id="{E65E778F-C4EB-6749-96E0-A0E7AA333788}" type="datetimeFigureOut">
               <a:rPr lang="en-US" smtClean="0"/>
-              <a:t>2/22/18</a:t>
+              <a:t>8/27/18</a:t>
             </a:fld>
             <a:endParaRPr lang="en-US"/>
           </a:p>
@@ -1821,7 +1821,7 @@
           <a:p>
             <a:fld id="{E65E778F-C4EB-6749-96E0-A0E7AA333788}" type="datetimeFigureOut">
               <a:rPr lang="en-US" smtClean="0"/>
-              <a:t>2/22/18</a:t>
+              <a:t>8/27/18</a:t>
             </a:fld>
             <a:endParaRPr lang="en-US"/>
           </a:p>
@@ -2098,7 +2098,7 @@
           <a:p>
             <a:fld id="{E65E778F-C4EB-6749-96E0-A0E7AA333788}" type="datetimeFigureOut">
               <a:rPr lang="en-US" smtClean="0"/>
-              <a:t>2/22/18</a:t>
+              <a:t>8/27/18</a:t>
             </a:fld>
             <a:endParaRPr lang="en-US"/>
           </a:p>
@@ -2351,7 +2351,7 @@
           <a:p>
             <a:fld id="{E65E778F-C4EB-6749-96E0-A0E7AA333788}" type="datetimeFigureOut">
               <a:rPr lang="en-US" smtClean="0"/>
-              <a:t>2/22/18</a:t>
+              <a:t>8/27/18</a:t>
             </a:fld>
             <a:endParaRPr lang="en-US"/>
           </a:p>
@@ -2564,7 +2564,7 @@
           <a:p>
             <a:fld id="{E65E778F-C4EB-6749-96E0-A0E7AA333788}" type="datetimeFigureOut">
               <a:rPr lang="en-US" smtClean="0"/>
-              <a:t>2/22/18</a:t>
+              <a:t>8/27/18</a:t>
             </a:fld>
             <a:endParaRPr lang="en-US"/>
           </a:p>
@@ -3111,6 +3111,153 @@
           </a:p>
         </p:txBody>
       </p:sp>
+      <p:sp>
+        <p:nvSpPr>
+          <p:cNvPr id="3" name="Frame 2"/>
+          <p:cNvSpPr/>
+          <p:nvPr/>
+        </p:nvSpPr>
+        <p:spPr>
+          <a:xfrm>
+            <a:off x="990600" y="795867"/>
+            <a:ext cx="575733" cy="575733"/>
+          </a:xfrm>
+          <a:prstGeom prst="frame">
+            <a:avLst>
+              <a:gd name="adj1" fmla="val 8064"/>
+            </a:avLst>
+          </a:prstGeom>
+          <a:ln>
+            <a:solidFill>
+              <a:schemeClr val="accent1"/>
+            </a:solidFill>
+          </a:ln>
+        </p:spPr>
+        <p:style>
+          <a:lnRef idx="2">
+            <a:schemeClr val="accent1">
+              <a:shade val="50000"/>
+            </a:schemeClr>
+          </a:lnRef>
+          <a:fillRef idx="1">
+            <a:schemeClr val="accent1"/>
+          </a:fillRef>
+          <a:effectRef idx="0">
+            <a:schemeClr val="accent1"/>
+          </a:effectRef>
+          <a:fontRef idx="minor">
+            <a:schemeClr val="lt1"/>
+          </a:fontRef>
+        </p:style>
+        <p:txBody>
+          <a:bodyPr rtlCol="0" anchor="ctr"/>
+          <a:lstStyle/>
+          <a:p>
+            <a:pPr algn="ctr"/>
+            <a:endParaRPr lang="en-US">
+              <a:solidFill>
+                <a:schemeClr val="tx1"/>
+              </a:solidFill>
+            </a:endParaRPr>
+          </a:p>
+        </p:txBody>
+      </p:sp>
+      <p:sp>
+        <p:nvSpPr>
+          <p:cNvPr id="5" name="L-Shape 4"/>
+          <p:cNvSpPr/>
+          <p:nvPr/>
+        </p:nvSpPr>
+        <p:spPr>
+          <a:xfrm rot="18967446">
+            <a:off x="1127747" y="946664"/>
+            <a:ext cx="314011" cy="200115"/>
+          </a:xfrm>
+          <a:prstGeom prst="corner">
+            <a:avLst>
+              <a:gd name="adj1" fmla="val 26264"/>
+              <a:gd name="adj2" fmla="val 23892"/>
+            </a:avLst>
+          </a:prstGeom>
+          <a:ln>
+            <a:solidFill>
+              <a:schemeClr val="accent1"/>
+            </a:solidFill>
+          </a:ln>
+        </p:spPr>
+        <p:style>
+          <a:lnRef idx="2">
+            <a:schemeClr val="accent1">
+              <a:shade val="50000"/>
+            </a:schemeClr>
+          </a:lnRef>
+          <a:fillRef idx="1">
+            <a:schemeClr val="accent1"/>
+          </a:fillRef>
+          <a:effectRef idx="0">
+            <a:schemeClr val="accent1"/>
+          </a:effectRef>
+          <a:fontRef idx="minor">
+            <a:schemeClr val="lt1"/>
+          </a:fontRef>
+        </p:style>
+        <p:txBody>
+          <a:bodyPr rtlCol="0" anchor="ctr"/>
+          <a:lstStyle/>
+          <a:p>
+            <a:pPr algn="ctr"/>
+            <a:endParaRPr lang="en-US"/>
+          </a:p>
+        </p:txBody>
+      </p:sp>
+      <p:sp>
+        <p:nvSpPr>
+          <p:cNvPr id="7" name="Cross 6"/>
+          <p:cNvSpPr/>
+          <p:nvPr/>
+        </p:nvSpPr>
+        <p:spPr>
+          <a:xfrm rot="2700000">
+            <a:off x="1834547" y="723733"/>
+            <a:ext cx="720000" cy="720000"/>
+          </a:xfrm>
+          <a:prstGeom prst="plus">
+            <a:avLst>
+              <a:gd name="adj" fmla="val 45282"/>
+            </a:avLst>
+          </a:prstGeom>
+          <a:solidFill>
+            <a:schemeClr val="accent1"/>
+          </a:solidFill>
+          <a:ln>
+            <a:noFill/>
+          </a:ln>
+        </p:spPr>
+        <p:style>
+          <a:lnRef idx="2">
+            <a:schemeClr val="accent1">
+              <a:shade val="50000"/>
+            </a:schemeClr>
+          </a:lnRef>
+          <a:fillRef idx="1">
+            <a:schemeClr val="accent1"/>
+          </a:fillRef>
+          <a:effectRef idx="0">
+            <a:schemeClr val="accent1"/>
+          </a:effectRef>
+          <a:fontRef idx="minor">
+            <a:schemeClr val="lt1"/>
+          </a:fontRef>
+        </p:style>
+        <p:txBody>
+          <a:bodyPr rtlCol="0" anchor="ctr"/>
+          <a:lstStyle/>
+          <a:p>
+            <a:pPr algn="ctr"/>
+            <a:endParaRPr lang="en-US"/>
+          </a:p>
+        </p:txBody>
+      </p:sp>
     </p:spTree>
     <p:extLst>
       <p:ext uri="{BB962C8B-B14F-4D97-AF65-F5344CB8AC3E}">

--- a/pics/pics.pptx
+++ b/pics/pics.pptx
@@ -3227,7 +3227,7 @@
             </a:avLst>
           </a:prstGeom>
           <a:solidFill>
-            <a:schemeClr val="accent1"/>
+            <a:srgbClr val="C0C0C0"/>
           </a:solidFill>
           <a:ln>
             <a:noFill/>

--- a/pics/pics.pptx
+++ b/pics/pics.pptx
@@ -243,7 +243,7 @@
           <a:p>
             <a:fld id="{E65E778F-C4EB-6749-96E0-A0E7AA333788}" type="datetimeFigureOut">
               <a:rPr lang="en-US" smtClean="0"/>
-              <a:t>8/27/18</a:t>
+              <a:t>9/2/18</a:t>
             </a:fld>
             <a:endParaRPr lang="en-US"/>
           </a:p>
@@ -413,7 +413,7 @@
           <a:p>
             <a:fld id="{E65E778F-C4EB-6749-96E0-A0E7AA333788}" type="datetimeFigureOut">
               <a:rPr lang="en-US" smtClean="0"/>
-              <a:t>8/27/18</a:t>
+              <a:t>9/2/18</a:t>
             </a:fld>
             <a:endParaRPr lang="en-US"/>
           </a:p>
@@ -593,7 +593,7 @@
           <a:p>
             <a:fld id="{E65E778F-C4EB-6749-96E0-A0E7AA333788}" type="datetimeFigureOut">
               <a:rPr lang="en-US" smtClean="0"/>
-              <a:t>8/27/18</a:t>
+              <a:t>9/2/18</a:t>
             </a:fld>
             <a:endParaRPr lang="en-US"/>
           </a:p>
@@ -763,7 +763,7 @@
           <a:p>
             <a:fld id="{E65E778F-C4EB-6749-96E0-A0E7AA333788}" type="datetimeFigureOut">
               <a:rPr lang="en-US" smtClean="0"/>
-              <a:t>8/27/18</a:t>
+              <a:t>9/2/18</a:t>
             </a:fld>
             <a:endParaRPr lang="en-US"/>
           </a:p>
@@ -1009,7 +1009,7 @@
           <a:p>
             <a:fld id="{E65E778F-C4EB-6749-96E0-A0E7AA333788}" type="datetimeFigureOut">
               <a:rPr lang="en-US" smtClean="0"/>
-              <a:t>8/27/18</a:t>
+              <a:t>9/2/18</a:t>
             </a:fld>
             <a:endParaRPr lang="en-US"/>
           </a:p>
@@ -1241,7 +1241,7 @@
           <a:p>
             <a:fld id="{E65E778F-C4EB-6749-96E0-A0E7AA333788}" type="datetimeFigureOut">
               <a:rPr lang="en-US" smtClean="0"/>
-              <a:t>8/27/18</a:t>
+              <a:t>9/2/18</a:t>
             </a:fld>
             <a:endParaRPr lang="en-US"/>
           </a:p>
@@ -1608,7 +1608,7 @@
           <a:p>
             <a:fld id="{E65E778F-C4EB-6749-96E0-A0E7AA333788}" type="datetimeFigureOut">
               <a:rPr lang="en-US" smtClean="0"/>
-              <a:t>8/27/18</a:t>
+              <a:t>9/2/18</a:t>
             </a:fld>
             <a:endParaRPr lang="en-US"/>
           </a:p>
@@ -1726,7 +1726,7 @@
           <a:p>
             <a:fld id="{E65E778F-C4EB-6749-96E0-A0E7AA333788}" type="datetimeFigureOut">
               <a:rPr lang="en-US" smtClean="0"/>
-              <a:t>8/27/18</a:t>
+              <a:t>9/2/18</a:t>
             </a:fld>
             <a:endParaRPr lang="en-US"/>
           </a:p>
@@ -1821,7 +1821,7 @@
           <a:p>
             <a:fld id="{E65E778F-C4EB-6749-96E0-A0E7AA333788}" type="datetimeFigureOut">
               <a:rPr lang="en-US" smtClean="0"/>
-              <a:t>8/27/18</a:t>
+              <a:t>9/2/18</a:t>
             </a:fld>
             <a:endParaRPr lang="en-US"/>
           </a:p>
@@ -2098,7 +2098,7 @@
           <a:p>
             <a:fld id="{E65E778F-C4EB-6749-96E0-A0E7AA333788}" type="datetimeFigureOut">
               <a:rPr lang="en-US" smtClean="0"/>
-              <a:t>8/27/18</a:t>
+              <a:t>9/2/18</a:t>
             </a:fld>
             <a:endParaRPr lang="en-US"/>
           </a:p>
@@ -2351,7 +2351,7 @@
           <a:p>
             <a:fld id="{E65E778F-C4EB-6749-96E0-A0E7AA333788}" type="datetimeFigureOut">
               <a:rPr lang="en-US" smtClean="0"/>
-              <a:t>8/27/18</a:t>
+              <a:t>9/2/18</a:t>
             </a:fld>
             <a:endParaRPr lang="en-US"/>
           </a:p>
@@ -2564,7 +2564,7 @@
           <a:p>
             <a:fld id="{E65E778F-C4EB-6749-96E0-A0E7AA333788}" type="datetimeFigureOut">
               <a:rPr lang="en-US" smtClean="0"/>
-              <a:t>8/27/18</a:t>
+              <a:t>9/2/18</a:t>
             </a:fld>
             <a:endParaRPr lang="en-US"/>
           </a:p>
@@ -3258,6 +3258,1443 @@
           </a:p>
         </p:txBody>
       </p:sp>
+      <p:sp>
+        <p:nvSpPr>
+          <p:cNvPr id="8" name="Frame 7"/>
+          <p:cNvSpPr/>
+          <p:nvPr/>
+        </p:nvSpPr>
+        <p:spPr>
+          <a:xfrm>
+            <a:off x="4634162" y="3528811"/>
+            <a:ext cx="720000" cy="720000"/>
+          </a:xfrm>
+          <a:prstGeom prst="frame">
+            <a:avLst>
+              <a:gd name="adj1" fmla="val 21923"/>
+            </a:avLst>
+          </a:prstGeom>
+          <a:ln>
+            <a:noFill/>
+          </a:ln>
+        </p:spPr>
+        <p:style>
+          <a:lnRef idx="2">
+            <a:schemeClr val="accent1">
+              <a:shade val="50000"/>
+            </a:schemeClr>
+          </a:lnRef>
+          <a:fillRef idx="1">
+            <a:schemeClr val="accent1"/>
+          </a:fillRef>
+          <a:effectRef idx="0">
+            <a:schemeClr val="accent1"/>
+          </a:effectRef>
+          <a:fontRef idx="minor">
+            <a:schemeClr val="lt1"/>
+          </a:fontRef>
+        </p:style>
+        <p:txBody>
+          <a:bodyPr rtlCol="0" anchor="ctr"/>
+          <a:lstStyle/>
+          <a:p>
+            <a:pPr algn="ctr"/>
+            <a:endParaRPr lang="en-US">
+              <a:solidFill>
+                <a:schemeClr val="tx1"/>
+              </a:solidFill>
+            </a:endParaRPr>
+          </a:p>
+        </p:txBody>
+      </p:sp>
+      <p:sp>
+        <p:nvSpPr>
+          <p:cNvPr id="9" name="Rectangle 8"/>
+          <p:cNvSpPr/>
+          <p:nvPr/>
+        </p:nvSpPr>
+        <p:spPr>
+          <a:xfrm>
+            <a:off x="4904162" y="3798811"/>
+            <a:ext cx="180000" cy="180000"/>
+          </a:xfrm>
+          <a:prstGeom prst="rect">
+            <a:avLst/>
+          </a:prstGeom>
+          <a:ln>
+            <a:noFill/>
+          </a:ln>
+        </p:spPr>
+        <p:style>
+          <a:lnRef idx="2">
+            <a:schemeClr val="accent1">
+              <a:shade val="50000"/>
+            </a:schemeClr>
+          </a:lnRef>
+          <a:fillRef idx="1">
+            <a:schemeClr val="accent1"/>
+          </a:fillRef>
+          <a:effectRef idx="0">
+            <a:schemeClr val="accent1"/>
+          </a:effectRef>
+          <a:fontRef idx="minor">
+            <a:schemeClr val="lt1"/>
+          </a:fontRef>
+        </p:style>
+        <p:txBody>
+          <a:bodyPr rtlCol="0" anchor="ctr"/>
+          <a:lstStyle/>
+          <a:p>
+            <a:pPr algn="ctr"/>
+            <a:endParaRPr lang="en-US"/>
+          </a:p>
+        </p:txBody>
+      </p:sp>
+      <p:sp>
+        <p:nvSpPr>
+          <p:cNvPr id="11" name="Rectangle 10"/>
+          <p:cNvSpPr/>
+          <p:nvPr/>
+        </p:nvSpPr>
+        <p:spPr>
+          <a:xfrm>
+            <a:off x="4922267" y="5058811"/>
+            <a:ext cx="180000" cy="180000"/>
+          </a:xfrm>
+          <a:prstGeom prst="rect">
+            <a:avLst/>
+          </a:prstGeom>
+          <a:ln>
+            <a:noFill/>
+          </a:ln>
+        </p:spPr>
+        <p:style>
+          <a:lnRef idx="2">
+            <a:schemeClr val="accent1">
+              <a:shade val="50000"/>
+            </a:schemeClr>
+          </a:lnRef>
+          <a:fillRef idx="1">
+            <a:schemeClr val="accent1"/>
+          </a:fillRef>
+          <a:effectRef idx="0">
+            <a:schemeClr val="accent1"/>
+          </a:effectRef>
+          <a:fontRef idx="minor">
+            <a:schemeClr val="lt1"/>
+          </a:fontRef>
+        </p:style>
+        <p:txBody>
+          <a:bodyPr rtlCol="0" anchor="ctr"/>
+          <a:lstStyle/>
+          <a:p>
+            <a:pPr algn="ctr"/>
+            <a:endParaRPr lang="en-US"/>
+          </a:p>
+        </p:txBody>
+      </p:sp>
+      <p:sp>
+        <p:nvSpPr>
+          <p:cNvPr id="16" name="Rectangle 15"/>
+          <p:cNvSpPr/>
+          <p:nvPr/>
+        </p:nvSpPr>
+        <p:spPr>
+          <a:xfrm>
+            <a:off x="5534162" y="4068811"/>
+            <a:ext cx="180000" cy="180000"/>
+          </a:xfrm>
+          <a:prstGeom prst="rect">
+            <a:avLst/>
+          </a:prstGeom>
+          <a:ln>
+            <a:noFill/>
+          </a:ln>
+        </p:spPr>
+        <p:style>
+          <a:lnRef idx="2">
+            <a:schemeClr val="accent1">
+              <a:shade val="50000"/>
+            </a:schemeClr>
+          </a:lnRef>
+          <a:fillRef idx="1">
+            <a:schemeClr val="accent1"/>
+          </a:fillRef>
+          <a:effectRef idx="0">
+            <a:schemeClr val="accent1"/>
+          </a:effectRef>
+          <a:fontRef idx="minor">
+            <a:schemeClr val="lt1"/>
+          </a:fontRef>
+        </p:style>
+        <p:txBody>
+          <a:bodyPr rtlCol="0" anchor="ctr"/>
+          <a:lstStyle/>
+          <a:p>
+            <a:pPr algn="ctr"/>
+            <a:endParaRPr lang="en-US"/>
+          </a:p>
+        </p:txBody>
+      </p:sp>
+      <p:sp>
+        <p:nvSpPr>
+          <p:cNvPr id="18" name="Rectangle 17"/>
+          <p:cNvSpPr/>
+          <p:nvPr/>
+        </p:nvSpPr>
+        <p:spPr>
+          <a:xfrm>
+            <a:off x="6164162" y="3798811"/>
+            <a:ext cx="180000" cy="180000"/>
+          </a:xfrm>
+          <a:prstGeom prst="rect">
+            <a:avLst/>
+          </a:prstGeom>
+          <a:ln>
+            <a:noFill/>
+          </a:ln>
+        </p:spPr>
+        <p:style>
+          <a:lnRef idx="2">
+            <a:schemeClr val="accent1">
+              <a:shade val="50000"/>
+            </a:schemeClr>
+          </a:lnRef>
+          <a:fillRef idx="1">
+            <a:schemeClr val="accent1"/>
+          </a:fillRef>
+          <a:effectRef idx="0">
+            <a:schemeClr val="accent1"/>
+          </a:effectRef>
+          <a:fontRef idx="minor">
+            <a:schemeClr val="lt1"/>
+          </a:fontRef>
+        </p:style>
+        <p:txBody>
+          <a:bodyPr rtlCol="0" anchor="ctr"/>
+          <a:lstStyle/>
+          <a:p>
+            <a:pPr algn="ctr"/>
+            <a:endParaRPr lang="en-US"/>
+          </a:p>
+        </p:txBody>
+      </p:sp>
+      <p:sp>
+        <p:nvSpPr>
+          <p:cNvPr id="19" name="Rectangle 18"/>
+          <p:cNvSpPr/>
+          <p:nvPr/>
+        </p:nvSpPr>
+        <p:spPr>
+          <a:xfrm>
+            <a:off x="5534162" y="4428811"/>
+            <a:ext cx="180000" cy="180000"/>
+          </a:xfrm>
+          <a:prstGeom prst="rect">
+            <a:avLst/>
+          </a:prstGeom>
+          <a:ln>
+            <a:noFill/>
+          </a:ln>
+        </p:spPr>
+        <p:style>
+          <a:lnRef idx="2">
+            <a:schemeClr val="accent1">
+              <a:shade val="50000"/>
+            </a:schemeClr>
+          </a:lnRef>
+          <a:fillRef idx="1">
+            <a:schemeClr val="accent1"/>
+          </a:fillRef>
+          <a:effectRef idx="0">
+            <a:schemeClr val="accent1"/>
+          </a:effectRef>
+          <a:fontRef idx="minor">
+            <a:schemeClr val="lt1"/>
+          </a:fontRef>
+        </p:style>
+        <p:txBody>
+          <a:bodyPr rtlCol="0" anchor="ctr"/>
+          <a:lstStyle/>
+          <a:p>
+            <a:pPr algn="ctr"/>
+            <a:endParaRPr lang="en-US"/>
+          </a:p>
+        </p:txBody>
+      </p:sp>
+      <p:sp>
+        <p:nvSpPr>
+          <p:cNvPr id="20" name="Rectangle 19"/>
+          <p:cNvSpPr/>
+          <p:nvPr/>
+        </p:nvSpPr>
+        <p:spPr>
+          <a:xfrm>
+            <a:off x="5714162" y="4608811"/>
+            <a:ext cx="180000" cy="180000"/>
+          </a:xfrm>
+          <a:prstGeom prst="rect">
+            <a:avLst/>
+          </a:prstGeom>
+          <a:ln>
+            <a:noFill/>
+          </a:ln>
+        </p:spPr>
+        <p:style>
+          <a:lnRef idx="2">
+            <a:schemeClr val="accent1">
+              <a:shade val="50000"/>
+            </a:schemeClr>
+          </a:lnRef>
+          <a:fillRef idx="1">
+            <a:schemeClr val="accent1"/>
+          </a:fillRef>
+          <a:effectRef idx="0">
+            <a:schemeClr val="accent1"/>
+          </a:effectRef>
+          <a:fontRef idx="minor">
+            <a:schemeClr val="lt1"/>
+          </a:fontRef>
+        </p:style>
+        <p:txBody>
+          <a:bodyPr rtlCol="0" anchor="ctr"/>
+          <a:lstStyle/>
+          <a:p>
+            <a:pPr algn="ctr"/>
+            <a:endParaRPr lang="en-US"/>
+          </a:p>
+        </p:txBody>
+      </p:sp>
+      <p:sp>
+        <p:nvSpPr>
+          <p:cNvPr id="21" name="Rectangle 20"/>
+          <p:cNvSpPr/>
+          <p:nvPr/>
+        </p:nvSpPr>
+        <p:spPr>
+          <a:xfrm>
+            <a:off x="5894162" y="4428811"/>
+            <a:ext cx="180000" cy="180000"/>
+          </a:xfrm>
+          <a:prstGeom prst="rect">
+            <a:avLst/>
+          </a:prstGeom>
+          <a:ln>
+            <a:noFill/>
+          </a:ln>
+        </p:spPr>
+        <p:style>
+          <a:lnRef idx="2">
+            <a:schemeClr val="accent1">
+              <a:shade val="50000"/>
+            </a:schemeClr>
+          </a:lnRef>
+          <a:fillRef idx="1">
+            <a:schemeClr val="accent1"/>
+          </a:fillRef>
+          <a:effectRef idx="0">
+            <a:schemeClr val="accent1"/>
+          </a:effectRef>
+          <a:fontRef idx="minor">
+            <a:schemeClr val="lt1"/>
+          </a:fontRef>
+        </p:style>
+        <p:txBody>
+          <a:bodyPr rtlCol="0" anchor="ctr"/>
+          <a:lstStyle/>
+          <a:p>
+            <a:pPr algn="ctr"/>
+            <a:endParaRPr lang="en-US"/>
+          </a:p>
+        </p:txBody>
+      </p:sp>
+      <p:sp>
+        <p:nvSpPr>
+          <p:cNvPr id="22" name="Rectangle 21"/>
+          <p:cNvSpPr/>
+          <p:nvPr/>
+        </p:nvSpPr>
+        <p:spPr>
+          <a:xfrm>
+            <a:off x="6074162" y="4608811"/>
+            <a:ext cx="180000" cy="180000"/>
+          </a:xfrm>
+          <a:prstGeom prst="rect">
+            <a:avLst/>
+          </a:prstGeom>
+          <a:ln>
+            <a:noFill/>
+          </a:ln>
+        </p:spPr>
+        <p:style>
+          <a:lnRef idx="2">
+            <a:schemeClr val="accent1">
+              <a:shade val="50000"/>
+            </a:schemeClr>
+          </a:lnRef>
+          <a:fillRef idx="1">
+            <a:schemeClr val="accent1"/>
+          </a:fillRef>
+          <a:effectRef idx="0">
+            <a:schemeClr val="accent1"/>
+          </a:effectRef>
+          <a:fontRef idx="minor">
+            <a:schemeClr val="lt1"/>
+          </a:fontRef>
+        </p:style>
+        <p:txBody>
+          <a:bodyPr rtlCol="0" anchor="ctr"/>
+          <a:lstStyle/>
+          <a:p>
+            <a:pPr algn="ctr"/>
+            <a:endParaRPr lang="en-US"/>
+          </a:p>
+        </p:txBody>
+      </p:sp>
+      <p:sp>
+        <p:nvSpPr>
+          <p:cNvPr id="23" name="Rectangle 22"/>
+          <p:cNvSpPr/>
+          <p:nvPr/>
+        </p:nvSpPr>
+        <p:spPr>
+          <a:xfrm>
+            <a:off x="6254162" y="4428811"/>
+            <a:ext cx="180000" cy="180000"/>
+          </a:xfrm>
+          <a:prstGeom prst="rect">
+            <a:avLst/>
+          </a:prstGeom>
+          <a:ln>
+            <a:noFill/>
+          </a:ln>
+        </p:spPr>
+        <p:style>
+          <a:lnRef idx="2">
+            <a:schemeClr val="accent1">
+              <a:shade val="50000"/>
+            </a:schemeClr>
+          </a:lnRef>
+          <a:fillRef idx="1">
+            <a:schemeClr val="accent1"/>
+          </a:fillRef>
+          <a:effectRef idx="0">
+            <a:schemeClr val="accent1"/>
+          </a:effectRef>
+          <a:fontRef idx="minor">
+            <a:schemeClr val="lt1"/>
+          </a:fontRef>
+        </p:style>
+        <p:txBody>
+          <a:bodyPr rtlCol="0" anchor="ctr"/>
+          <a:lstStyle/>
+          <a:p>
+            <a:pPr algn="ctr"/>
+            <a:endParaRPr lang="en-US"/>
+          </a:p>
+        </p:txBody>
+      </p:sp>
+      <p:sp>
+        <p:nvSpPr>
+          <p:cNvPr id="24" name="Rectangle 23"/>
+          <p:cNvSpPr/>
+          <p:nvPr/>
+        </p:nvSpPr>
+        <p:spPr>
+          <a:xfrm>
+            <a:off x="6434162" y="4608811"/>
+            <a:ext cx="180000" cy="180000"/>
+          </a:xfrm>
+          <a:prstGeom prst="rect">
+            <a:avLst/>
+          </a:prstGeom>
+          <a:ln>
+            <a:noFill/>
+          </a:ln>
+        </p:spPr>
+        <p:style>
+          <a:lnRef idx="2">
+            <a:schemeClr val="accent1">
+              <a:shade val="50000"/>
+            </a:schemeClr>
+          </a:lnRef>
+          <a:fillRef idx="1">
+            <a:schemeClr val="accent1"/>
+          </a:fillRef>
+          <a:effectRef idx="0">
+            <a:schemeClr val="accent1"/>
+          </a:effectRef>
+          <a:fontRef idx="minor">
+            <a:schemeClr val="lt1"/>
+          </a:fontRef>
+        </p:style>
+        <p:txBody>
+          <a:bodyPr rtlCol="0" anchor="ctr"/>
+          <a:lstStyle/>
+          <a:p>
+            <a:pPr algn="ctr"/>
+            <a:endParaRPr lang="en-US"/>
+          </a:p>
+        </p:txBody>
+      </p:sp>
+      <p:sp>
+        <p:nvSpPr>
+          <p:cNvPr id="25" name="Rectangle 24"/>
+          <p:cNvSpPr/>
+          <p:nvPr/>
+        </p:nvSpPr>
+        <p:spPr>
+          <a:xfrm>
+            <a:off x="5534162" y="4788811"/>
+            <a:ext cx="180000" cy="180000"/>
+          </a:xfrm>
+          <a:prstGeom prst="rect">
+            <a:avLst/>
+          </a:prstGeom>
+          <a:ln>
+            <a:noFill/>
+          </a:ln>
+        </p:spPr>
+        <p:style>
+          <a:lnRef idx="2">
+            <a:schemeClr val="accent1">
+              <a:shade val="50000"/>
+            </a:schemeClr>
+          </a:lnRef>
+          <a:fillRef idx="1">
+            <a:schemeClr val="accent1"/>
+          </a:fillRef>
+          <a:effectRef idx="0">
+            <a:schemeClr val="accent1"/>
+          </a:effectRef>
+          <a:fontRef idx="minor">
+            <a:schemeClr val="lt1"/>
+          </a:fontRef>
+        </p:style>
+        <p:txBody>
+          <a:bodyPr rtlCol="0" anchor="ctr"/>
+          <a:lstStyle/>
+          <a:p>
+            <a:pPr algn="ctr"/>
+            <a:endParaRPr lang="en-US"/>
+          </a:p>
+        </p:txBody>
+      </p:sp>
+      <p:sp>
+        <p:nvSpPr>
+          <p:cNvPr id="26" name="Rectangle 25"/>
+          <p:cNvSpPr/>
+          <p:nvPr/>
+        </p:nvSpPr>
+        <p:spPr>
+          <a:xfrm>
+            <a:off x="5894162" y="4788811"/>
+            <a:ext cx="180000" cy="180000"/>
+          </a:xfrm>
+          <a:prstGeom prst="rect">
+            <a:avLst/>
+          </a:prstGeom>
+          <a:ln>
+            <a:noFill/>
+          </a:ln>
+        </p:spPr>
+        <p:style>
+          <a:lnRef idx="2">
+            <a:schemeClr val="accent1">
+              <a:shade val="50000"/>
+            </a:schemeClr>
+          </a:lnRef>
+          <a:fillRef idx="1">
+            <a:schemeClr val="accent1"/>
+          </a:fillRef>
+          <a:effectRef idx="0">
+            <a:schemeClr val="accent1"/>
+          </a:effectRef>
+          <a:fontRef idx="minor">
+            <a:schemeClr val="lt1"/>
+          </a:fontRef>
+        </p:style>
+        <p:txBody>
+          <a:bodyPr rtlCol="0" anchor="ctr"/>
+          <a:lstStyle/>
+          <a:p>
+            <a:pPr algn="ctr"/>
+            <a:endParaRPr lang="en-US"/>
+          </a:p>
+        </p:txBody>
+      </p:sp>
+      <p:sp>
+        <p:nvSpPr>
+          <p:cNvPr id="27" name="Rectangle 26"/>
+          <p:cNvSpPr/>
+          <p:nvPr/>
+        </p:nvSpPr>
+        <p:spPr>
+          <a:xfrm>
+            <a:off x="6254162" y="4788811"/>
+            <a:ext cx="180000" cy="180000"/>
+          </a:xfrm>
+          <a:prstGeom prst="rect">
+            <a:avLst/>
+          </a:prstGeom>
+          <a:ln>
+            <a:noFill/>
+          </a:ln>
+        </p:spPr>
+        <p:style>
+          <a:lnRef idx="2">
+            <a:schemeClr val="accent1">
+              <a:shade val="50000"/>
+            </a:schemeClr>
+          </a:lnRef>
+          <a:fillRef idx="1">
+            <a:schemeClr val="accent1"/>
+          </a:fillRef>
+          <a:effectRef idx="0">
+            <a:schemeClr val="accent1"/>
+          </a:effectRef>
+          <a:fontRef idx="minor">
+            <a:schemeClr val="lt1"/>
+          </a:fontRef>
+        </p:style>
+        <p:txBody>
+          <a:bodyPr rtlCol="0" anchor="ctr"/>
+          <a:lstStyle/>
+          <a:p>
+            <a:pPr algn="ctr"/>
+            <a:endParaRPr lang="en-US"/>
+          </a:p>
+        </p:txBody>
+      </p:sp>
+      <p:sp>
+        <p:nvSpPr>
+          <p:cNvPr id="28" name="Rectangle 27"/>
+          <p:cNvSpPr/>
+          <p:nvPr/>
+        </p:nvSpPr>
+        <p:spPr>
+          <a:xfrm>
+            <a:off x="6434162" y="4968811"/>
+            <a:ext cx="180000" cy="180000"/>
+          </a:xfrm>
+          <a:prstGeom prst="rect">
+            <a:avLst/>
+          </a:prstGeom>
+          <a:ln>
+            <a:noFill/>
+          </a:ln>
+        </p:spPr>
+        <p:style>
+          <a:lnRef idx="2">
+            <a:schemeClr val="accent1">
+              <a:shade val="50000"/>
+            </a:schemeClr>
+          </a:lnRef>
+          <a:fillRef idx="1">
+            <a:schemeClr val="accent1"/>
+          </a:fillRef>
+          <a:effectRef idx="0">
+            <a:schemeClr val="accent1"/>
+          </a:effectRef>
+          <a:fontRef idx="minor">
+            <a:schemeClr val="lt1"/>
+          </a:fontRef>
+        </p:style>
+        <p:txBody>
+          <a:bodyPr rtlCol="0" anchor="ctr"/>
+          <a:lstStyle/>
+          <a:p>
+            <a:pPr algn="ctr"/>
+            <a:endParaRPr lang="en-US"/>
+          </a:p>
+        </p:txBody>
+      </p:sp>
+      <p:sp>
+        <p:nvSpPr>
+          <p:cNvPr id="29" name="Rectangle 28"/>
+          <p:cNvSpPr/>
+          <p:nvPr/>
+        </p:nvSpPr>
+        <p:spPr>
+          <a:xfrm>
+            <a:off x="6074162" y="4968811"/>
+            <a:ext cx="180000" cy="180000"/>
+          </a:xfrm>
+          <a:prstGeom prst="rect">
+            <a:avLst/>
+          </a:prstGeom>
+          <a:ln>
+            <a:noFill/>
+          </a:ln>
+        </p:spPr>
+        <p:style>
+          <a:lnRef idx="2">
+            <a:schemeClr val="accent1">
+              <a:shade val="50000"/>
+            </a:schemeClr>
+          </a:lnRef>
+          <a:fillRef idx="1">
+            <a:schemeClr val="accent1"/>
+          </a:fillRef>
+          <a:effectRef idx="0">
+            <a:schemeClr val="accent1"/>
+          </a:effectRef>
+          <a:fontRef idx="minor">
+            <a:schemeClr val="lt1"/>
+          </a:fontRef>
+        </p:style>
+        <p:txBody>
+          <a:bodyPr rtlCol="0" anchor="ctr"/>
+          <a:lstStyle/>
+          <a:p>
+            <a:pPr algn="ctr"/>
+            <a:endParaRPr lang="en-US"/>
+          </a:p>
+        </p:txBody>
+      </p:sp>
+      <p:sp>
+        <p:nvSpPr>
+          <p:cNvPr id="30" name="Rectangle 29"/>
+          <p:cNvSpPr/>
+          <p:nvPr/>
+        </p:nvSpPr>
+        <p:spPr>
+          <a:xfrm>
+            <a:off x="5714162" y="4968811"/>
+            <a:ext cx="180000" cy="180000"/>
+          </a:xfrm>
+          <a:prstGeom prst="rect">
+            <a:avLst/>
+          </a:prstGeom>
+          <a:ln>
+            <a:noFill/>
+          </a:ln>
+        </p:spPr>
+        <p:style>
+          <a:lnRef idx="2">
+            <a:schemeClr val="accent1">
+              <a:shade val="50000"/>
+            </a:schemeClr>
+          </a:lnRef>
+          <a:fillRef idx="1">
+            <a:schemeClr val="accent1"/>
+          </a:fillRef>
+          <a:effectRef idx="0">
+            <a:schemeClr val="accent1"/>
+          </a:effectRef>
+          <a:fontRef idx="minor">
+            <a:schemeClr val="lt1"/>
+          </a:fontRef>
+        </p:style>
+        <p:txBody>
+          <a:bodyPr rtlCol="0" anchor="ctr"/>
+          <a:lstStyle/>
+          <a:p>
+            <a:pPr algn="ctr"/>
+            <a:endParaRPr lang="en-US"/>
+          </a:p>
+        </p:txBody>
+      </p:sp>
+      <p:sp>
+        <p:nvSpPr>
+          <p:cNvPr id="31" name="Rectangle 30"/>
+          <p:cNvSpPr/>
+          <p:nvPr/>
+        </p:nvSpPr>
+        <p:spPr>
+          <a:xfrm>
+            <a:off x="5534162" y="5148811"/>
+            <a:ext cx="180000" cy="180000"/>
+          </a:xfrm>
+          <a:prstGeom prst="rect">
+            <a:avLst/>
+          </a:prstGeom>
+          <a:ln>
+            <a:noFill/>
+          </a:ln>
+        </p:spPr>
+        <p:style>
+          <a:lnRef idx="2">
+            <a:schemeClr val="accent1">
+              <a:shade val="50000"/>
+            </a:schemeClr>
+          </a:lnRef>
+          <a:fillRef idx="1">
+            <a:schemeClr val="accent1"/>
+          </a:fillRef>
+          <a:effectRef idx="0">
+            <a:schemeClr val="accent1"/>
+          </a:effectRef>
+          <a:fontRef idx="minor">
+            <a:schemeClr val="lt1"/>
+          </a:fontRef>
+        </p:style>
+        <p:txBody>
+          <a:bodyPr rtlCol="0" anchor="ctr"/>
+          <a:lstStyle/>
+          <a:p>
+            <a:pPr algn="ctr"/>
+            <a:endParaRPr lang="en-US"/>
+          </a:p>
+        </p:txBody>
+      </p:sp>
+      <p:sp>
+        <p:nvSpPr>
+          <p:cNvPr id="32" name="Rectangle 31"/>
+          <p:cNvSpPr/>
+          <p:nvPr/>
+        </p:nvSpPr>
+        <p:spPr>
+          <a:xfrm>
+            <a:off x="5894162" y="5148811"/>
+            <a:ext cx="180000" cy="180000"/>
+          </a:xfrm>
+          <a:prstGeom prst="rect">
+            <a:avLst/>
+          </a:prstGeom>
+          <a:ln>
+            <a:noFill/>
+          </a:ln>
+        </p:spPr>
+        <p:style>
+          <a:lnRef idx="2">
+            <a:schemeClr val="accent1">
+              <a:shade val="50000"/>
+            </a:schemeClr>
+          </a:lnRef>
+          <a:fillRef idx="1">
+            <a:schemeClr val="accent1"/>
+          </a:fillRef>
+          <a:effectRef idx="0">
+            <a:schemeClr val="accent1"/>
+          </a:effectRef>
+          <a:fontRef idx="minor">
+            <a:schemeClr val="lt1"/>
+          </a:fontRef>
+        </p:style>
+        <p:txBody>
+          <a:bodyPr rtlCol="0" anchor="ctr"/>
+          <a:lstStyle/>
+          <a:p>
+            <a:pPr algn="ctr"/>
+            <a:endParaRPr lang="en-US"/>
+          </a:p>
+        </p:txBody>
+      </p:sp>
+      <p:sp>
+        <p:nvSpPr>
+          <p:cNvPr id="33" name="Rectangle 32"/>
+          <p:cNvSpPr/>
+          <p:nvPr/>
+        </p:nvSpPr>
+        <p:spPr>
+          <a:xfrm>
+            <a:off x="6254162" y="5148811"/>
+            <a:ext cx="180000" cy="180000"/>
+          </a:xfrm>
+          <a:prstGeom prst="rect">
+            <a:avLst/>
+          </a:prstGeom>
+          <a:ln>
+            <a:noFill/>
+          </a:ln>
+        </p:spPr>
+        <p:style>
+          <a:lnRef idx="2">
+            <a:schemeClr val="accent1">
+              <a:shade val="50000"/>
+            </a:schemeClr>
+          </a:lnRef>
+          <a:fillRef idx="1">
+            <a:schemeClr val="accent1"/>
+          </a:fillRef>
+          <a:effectRef idx="0">
+            <a:schemeClr val="accent1"/>
+          </a:effectRef>
+          <a:fontRef idx="minor">
+            <a:schemeClr val="lt1"/>
+          </a:fontRef>
+        </p:style>
+        <p:txBody>
+          <a:bodyPr rtlCol="0" anchor="ctr"/>
+          <a:lstStyle/>
+          <a:p>
+            <a:pPr algn="ctr"/>
+            <a:endParaRPr lang="en-US"/>
+          </a:p>
+        </p:txBody>
+      </p:sp>
+      <p:sp>
+        <p:nvSpPr>
+          <p:cNvPr id="34" name="Rectangle 33"/>
+          <p:cNvSpPr/>
+          <p:nvPr/>
+        </p:nvSpPr>
+        <p:spPr>
+          <a:xfrm>
+            <a:off x="5714162" y="5328811"/>
+            <a:ext cx="180000" cy="180000"/>
+          </a:xfrm>
+          <a:prstGeom prst="rect">
+            <a:avLst/>
+          </a:prstGeom>
+          <a:ln>
+            <a:noFill/>
+          </a:ln>
+        </p:spPr>
+        <p:style>
+          <a:lnRef idx="2">
+            <a:schemeClr val="accent1">
+              <a:shade val="50000"/>
+            </a:schemeClr>
+          </a:lnRef>
+          <a:fillRef idx="1">
+            <a:schemeClr val="accent1"/>
+          </a:fillRef>
+          <a:effectRef idx="0">
+            <a:schemeClr val="accent1"/>
+          </a:effectRef>
+          <a:fontRef idx="minor">
+            <a:schemeClr val="lt1"/>
+          </a:fontRef>
+        </p:style>
+        <p:txBody>
+          <a:bodyPr rtlCol="0" anchor="ctr"/>
+          <a:lstStyle/>
+          <a:p>
+            <a:pPr algn="ctr"/>
+            <a:endParaRPr lang="en-US"/>
+          </a:p>
+        </p:txBody>
+      </p:sp>
+      <p:sp>
+        <p:nvSpPr>
+          <p:cNvPr id="35" name="Rectangle 34"/>
+          <p:cNvSpPr/>
+          <p:nvPr/>
+        </p:nvSpPr>
+        <p:spPr>
+          <a:xfrm>
+            <a:off x="6074162" y="5328811"/>
+            <a:ext cx="180000" cy="180000"/>
+          </a:xfrm>
+          <a:prstGeom prst="rect">
+            <a:avLst/>
+          </a:prstGeom>
+          <a:ln>
+            <a:noFill/>
+          </a:ln>
+        </p:spPr>
+        <p:style>
+          <a:lnRef idx="2">
+            <a:schemeClr val="accent1">
+              <a:shade val="50000"/>
+            </a:schemeClr>
+          </a:lnRef>
+          <a:fillRef idx="1">
+            <a:schemeClr val="accent1"/>
+          </a:fillRef>
+          <a:effectRef idx="0">
+            <a:schemeClr val="accent1"/>
+          </a:effectRef>
+          <a:fontRef idx="minor">
+            <a:schemeClr val="lt1"/>
+          </a:fontRef>
+        </p:style>
+        <p:txBody>
+          <a:bodyPr rtlCol="0" anchor="ctr"/>
+          <a:lstStyle/>
+          <a:p>
+            <a:pPr algn="ctr"/>
+            <a:endParaRPr lang="en-US"/>
+          </a:p>
+        </p:txBody>
+      </p:sp>
+      <p:sp>
+        <p:nvSpPr>
+          <p:cNvPr id="38" name="Rectangle 37"/>
+          <p:cNvSpPr/>
+          <p:nvPr/>
+        </p:nvSpPr>
+        <p:spPr>
+          <a:xfrm>
+            <a:off x="5534162" y="3708811"/>
+            <a:ext cx="180000" cy="180000"/>
+          </a:xfrm>
+          <a:prstGeom prst="rect">
+            <a:avLst/>
+          </a:prstGeom>
+          <a:ln>
+            <a:noFill/>
+          </a:ln>
+        </p:spPr>
+        <p:style>
+          <a:lnRef idx="2">
+            <a:schemeClr val="accent1">
+              <a:shade val="50000"/>
+            </a:schemeClr>
+          </a:lnRef>
+          <a:fillRef idx="1">
+            <a:schemeClr val="accent1"/>
+          </a:fillRef>
+          <a:effectRef idx="0">
+            <a:schemeClr val="accent1"/>
+          </a:effectRef>
+          <a:fontRef idx="minor">
+            <a:schemeClr val="lt1"/>
+          </a:fontRef>
+        </p:style>
+        <p:txBody>
+          <a:bodyPr rtlCol="0" anchor="ctr"/>
+          <a:lstStyle/>
+          <a:p>
+            <a:pPr algn="ctr"/>
+            <a:endParaRPr lang="en-US"/>
+          </a:p>
+        </p:txBody>
+      </p:sp>
+      <p:sp>
+        <p:nvSpPr>
+          <p:cNvPr id="39" name="Rectangle 38"/>
+          <p:cNvSpPr/>
+          <p:nvPr/>
+        </p:nvSpPr>
+        <p:spPr>
+          <a:xfrm>
+            <a:off x="5174162" y="4428811"/>
+            <a:ext cx="180000" cy="180000"/>
+          </a:xfrm>
+          <a:prstGeom prst="rect">
+            <a:avLst/>
+          </a:prstGeom>
+          <a:ln>
+            <a:noFill/>
+          </a:ln>
+        </p:spPr>
+        <p:style>
+          <a:lnRef idx="2">
+            <a:schemeClr val="accent1">
+              <a:shade val="50000"/>
+            </a:schemeClr>
+          </a:lnRef>
+          <a:fillRef idx="1">
+            <a:schemeClr val="accent1"/>
+          </a:fillRef>
+          <a:effectRef idx="0">
+            <a:schemeClr val="accent1"/>
+          </a:effectRef>
+          <a:fontRef idx="minor">
+            <a:schemeClr val="lt1"/>
+          </a:fontRef>
+        </p:style>
+        <p:txBody>
+          <a:bodyPr rtlCol="0" anchor="ctr"/>
+          <a:lstStyle/>
+          <a:p>
+            <a:pPr algn="ctr"/>
+            <a:endParaRPr lang="en-US"/>
+          </a:p>
+        </p:txBody>
+      </p:sp>
+      <p:sp>
+        <p:nvSpPr>
+          <p:cNvPr id="40" name="Rectangle 39"/>
+          <p:cNvSpPr/>
+          <p:nvPr/>
+        </p:nvSpPr>
+        <p:spPr>
+          <a:xfrm>
+            <a:off x="4814162" y="4428811"/>
+            <a:ext cx="180000" cy="180000"/>
+          </a:xfrm>
+          <a:prstGeom prst="rect">
+            <a:avLst/>
+          </a:prstGeom>
+          <a:ln>
+            <a:noFill/>
+          </a:ln>
+        </p:spPr>
+        <p:style>
+          <a:lnRef idx="2">
+            <a:schemeClr val="accent1">
+              <a:shade val="50000"/>
+            </a:schemeClr>
+          </a:lnRef>
+          <a:fillRef idx="1">
+            <a:schemeClr val="accent1"/>
+          </a:fillRef>
+          <a:effectRef idx="0">
+            <a:schemeClr val="accent1"/>
+          </a:effectRef>
+          <a:fontRef idx="minor">
+            <a:schemeClr val="lt1"/>
+          </a:fontRef>
+        </p:style>
+        <p:txBody>
+          <a:bodyPr rtlCol="0" anchor="ctr"/>
+          <a:lstStyle/>
+          <a:p>
+            <a:pPr algn="ctr"/>
+            <a:endParaRPr lang="en-US"/>
+          </a:p>
+        </p:txBody>
+      </p:sp>
+      <p:sp>
+        <p:nvSpPr>
+          <p:cNvPr id="42" name="Frame 41"/>
+          <p:cNvSpPr/>
+          <p:nvPr/>
+        </p:nvSpPr>
+        <p:spPr>
+          <a:xfrm>
+            <a:off x="5894162" y="3528811"/>
+            <a:ext cx="720000" cy="720000"/>
+          </a:xfrm>
+          <a:prstGeom prst="frame">
+            <a:avLst>
+              <a:gd name="adj1" fmla="val 21923"/>
+            </a:avLst>
+          </a:prstGeom>
+          <a:ln>
+            <a:noFill/>
+          </a:ln>
+        </p:spPr>
+        <p:style>
+          <a:lnRef idx="2">
+            <a:schemeClr val="accent1">
+              <a:shade val="50000"/>
+            </a:schemeClr>
+          </a:lnRef>
+          <a:fillRef idx="1">
+            <a:schemeClr val="accent1"/>
+          </a:fillRef>
+          <a:effectRef idx="0">
+            <a:schemeClr val="accent1"/>
+          </a:effectRef>
+          <a:fontRef idx="minor">
+            <a:schemeClr val="lt1"/>
+          </a:fontRef>
+        </p:style>
+        <p:txBody>
+          <a:bodyPr rtlCol="0" anchor="ctr"/>
+          <a:lstStyle/>
+          <a:p>
+            <a:pPr algn="ctr"/>
+            <a:endParaRPr lang="en-US">
+              <a:solidFill>
+                <a:schemeClr val="tx1"/>
+              </a:solidFill>
+            </a:endParaRPr>
+          </a:p>
+        </p:txBody>
+      </p:sp>
+      <p:sp>
+        <p:nvSpPr>
+          <p:cNvPr id="43" name="Frame 42"/>
+          <p:cNvSpPr/>
+          <p:nvPr/>
+        </p:nvSpPr>
+        <p:spPr>
+          <a:xfrm>
+            <a:off x="4652267" y="4788811"/>
+            <a:ext cx="720000" cy="720000"/>
+          </a:xfrm>
+          <a:prstGeom prst="frame">
+            <a:avLst>
+              <a:gd name="adj1" fmla="val 21923"/>
+            </a:avLst>
+          </a:prstGeom>
+          <a:ln>
+            <a:noFill/>
+          </a:ln>
+        </p:spPr>
+        <p:style>
+          <a:lnRef idx="2">
+            <a:schemeClr val="accent1">
+              <a:shade val="50000"/>
+            </a:schemeClr>
+          </a:lnRef>
+          <a:fillRef idx="1">
+            <a:schemeClr val="accent1"/>
+          </a:fillRef>
+          <a:effectRef idx="0">
+            <a:schemeClr val="accent1"/>
+          </a:effectRef>
+          <a:fontRef idx="minor">
+            <a:schemeClr val="lt1"/>
+          </a:fontRef>
+        </p:style>
+        <p:txBody>
+          <a:bodyPr rtlCol="0" anchor="ctr"/>
+          <a:lstStyle/>
+          <a:p>
+            <a:pPr algn="ctr"/>
+            <a:endParaRPr lang="en-US">
+              <a:solidFill>
+                <a:schemeClr val="tx1"/>
+              </a:solidFill>
+            </a:endParaRPr>
+          </a:p>
+        </p:txBody>
+      </p:sp>
+      <p:sp>
+        <p:nvSpPr>
+          <p:cNvPr id="14" name="Rectangle 13"/>
+          <p:cNvSpPr/>
+          <p:nvPr/>
+        </p:nvSpPr>
+        <p:spPr>
+          <a:xfrm>
+            <a:off x="7237927" y="1371600"/>
+            <a:ext cx="360000" cy="360000"/>
+          </a:xfrm>
+          <a:prstGeom prst="rect">
+            <a:avLst/>
+          </a:prstGeom>
+          <a:ln>
+            <a:noFill/>
+          </a:ln>
+        </p:spPr>
+        <p:style>
+          <a:lnRef idx="2">
+            <a:schemeClr val="accent1">
+              <a:shade val="50000"/>
+            </a:schemeClr>
+          </a:lnRef>
+          <a:fillRef idx="1">
+            <a:schemeClr val="accent1"/>
+          </a:fillRef>
+          <a:effectRef idx="0">
+            <a:schemeClr val="accent1"/>
+          </a:effectRef>
+          <a:fontRef idx="minor">
+            <a:schemeClr val="lt1"/>
+          </a:fontRef>
+        </p:style>
+        <p:txBody>
+          <a:bodyPr rtlCol="0" anchor="ctr"/>
+          <a:lstStyle/>
+          <a:p>
+            <a:pPr algn="ctr"/>
+            <a:endParaRPr lang="en-US"/>
+          </a:p>
+        </p:txBody>
+      </p:sp>
+      <p:sp>
+        <p:nvSpPr>
+          <p:cNvPr id="44" name="Rectangle 43"/>
+          <p:cNvSpPr/>
+          <p:nvPr/>
+        </p:nvSpPr>
+        <p:spPr>
+          <a:xfrm>
+            <a:off x="7250198" y="2091600"/>
+            <a:ext cx="360000" cy="360000"/>
+          </a:xfrm>
+          <a:prstGeom prst="rect">
+            <a:avLst/>
+          </a:prstGeom>
+          <a:ln>
+            <a:noFill/>
+          </a:ln>
+        </p:spPr>
+        <p:style>
+          <a:lnRef idx="2">
+            <a:schemeClr val="accent1">
+              <a:shade val="50000"/>
+            </a:schemeClr>
+          </a:lnRef>
+          <a:fillRef idx="1">
+            <a:schemeClr val="accent1"/>
+          </a:fillRef>
+          <a:effectRef idx="0">
+            <a:schemeClr val="accent1"/>
+          </a:effectRef>
+          <a:fontRef idx="minor">
+            <a:schemeClr val="lt1"/>
+          </a:fontRef>
+        </p:style>
+        <p:txBody>
+          <a:bodyPr rtlCol="0" anchor="ctr"/>
+          <a:lstStyle/>
+          <a:p>
+            <a:pPr algn="ctr"/>
+            <a:endParaRPr lang="en-US"/>
+          </a:p>
+        </p:txBody>
+      </p:sp>
+      <p:sp>
+        <p:nvSpPr>
+          <p:cNvPr id="45" name="Rectangle 44"/>
+          <p:cNvSpPr/>
+          <p:nvPr/>
+        </p:nvSpPr>
+        <p:spPr>
+          <a:xfrm>
+            <a:off x="7250198" y="2811600"/>
+            <a:ext cx="360000" cy="360000"/>
+          </a:xfrm>
+          <a:prstGeom prst="rect">
+            <a:avLst/>
+          </a:prstGeom>
+          <a:ln>
+            <a:noFill/>
+          </a:ln>
+        </p:spPr>
+        <p:style>
+          <a:lnRef idx="2">
+            <a:schemeClr val="accent1">
+              <a:shade val="50000"/>
+            </a:schemeClr>
+          </a:lnRef>
+          <a:fillRef idx="1">
+            <a:schemeClr val="accent1"/>
+          </a:fillRef>
+          <a:effectRef idx="0">
+            <a:schemeClr val="accent1"/>
+          </a:effectRef>
+          <a:fontRef idx="minor">
+            <a:schemeClr val="lt1"/>
+          </a:fontRef>
+        </p:style>
+        <p:txBody>
+          <a:bodyPr rtlCol="0" anchor="ctr"/>
+          <a:lstStyle/>
+          <a:p>
+            <a:pPr algn="ctr"/>
+            <a:endParaRPr lang="en-US"/>
+          </a:p>
+        </p:txBody>
+      </p:sp>
+      <p:sp>
+        <p:nvSpPr>
+          <p:cNvPr id="47" name="Rectangle 46"/>
+          <p:cNvSpPr/>
+          <p:nvPr/>
+        </p:nvSpPr>
+        <p:spPr>
+          <a:xfrm>
+            <a:off x="7777927" y="1407600"/>
+            <a:ext cx="1404710" cy="324000"/>
+          </a:xfrm>
+          <a:prstGeom prst="rect">
+            <a:avLst/>
+          </a:prstGeom>
+          <a:ln>
+            <a:noFill/>
+          </a:ln>
+        </p:spPr>
+        <p:style>
+          <a:lnRef idx="2">
+            <a:schemeClr val="accent1">
+              <a:shade val="50000"/>
+            </a:schemeClr>
+          </a:lnRef>
+          <a:fillRef idx="1">
+            <a:schemeClr val="accent1"/>
+          </a:fillRef>
+          <a:effectRef idx="0">
+            <a:schemeClr val="accent1"/>
+          </a:effectRef>
+          <a:fontRef idx="minor">
+            <a:schemeClr val="lt1"/>
+          </a:fontRef>
+        </p:style>
+        <p:txBody>
+          <a:bodyPr rtlCol="0" anchor="ctr"/>
+          <a:lstStyle/>
+          <a:p>
+            <a:pPr algn="ctr"/>
+            <a:endParaRPr lang="en-US"/>
+          </a:p>
+        </p:txBody>
+      </p:sp>
+      <p:sp>
+        <p:nvSpPr>
+          <p:cNvPr id="48" name="Rectangle 47"/>
+          <p:cNvSpPr/>
+          <p:nvPr/>
+        </p:nvSpPr>
+        <p:spPr>
+          <a:xfrm>
+            <a:off x="7777927" y="2127600"/>
+            <a:ext cx="1404710" cy="324000"/>
+          </a:xfrm>
+          <a:prstGeom prst="rect">
+            <a:avLst/>
+          </a:prstGeom>
+          <a:ln>
+            <a:noFill/>
+          </a:ln>
+        </p:spPr>
+        <p:style>
+          <a:lnRef idx="2">
+            <a:schemeClr val="accent1">
+              <a:shade val="50000"/>
+            </a:schemeClr>
+          </a:lnRef>
+          <a:fillRef idx="1">
+            <a:schemeClr val="accent1"/>
+          </a:fillRef>
+          <a:effectRef idx="0">
+            <a:schemeClr val="accent1"/>
+          </a:effectRef>
+          <a:fontRef idx="minor">
+            <a:schemeClr val="lt1"/>
+          </a:fontRef>
+        </p:style>
+        <p:txBody>
+          <a:bodyPr rtlCol="0" anchor="ctr"/>
+          <a:lstStyle/>
+          <a:p>
+            <a:pPr algn="ctr"/>
+            <a:endParaRPr lang="en-US"/>
+          </a:p>
+        </p:txBody>
+      </p:sp>
+      <p:sp>
+        <p:nvSpPr>
+          <p:cNvPr id="49" name="Rectangle 48"/>
+          <p:cNvSpPr/>
+          <p:nvPr/>
+        </p:nvSpPr>
+        <p:spPr>
+          <a:xfrm>
+            <a:off x="7777927" y="2847600"/>
+            <a:ext cx="1404710" cy="324000"/>
+          </a:xfrm>
+          <a:prstGeom prst="rect">
+            <a:avLst/>
+          </a:prstGeom>
+          <a:ln>
+            <a:noFill/>
+          </a:ln>
+        </p:spPr>
+        <p:style>
+          <a:lnRef idx="2">
+            <a:schemeClr val="accent1">
+              <a:shade val="50000"/>
+            </a:schemeClr>
+          </a:lnRef>
+          <a:fillRef idx="1">
+            <a:schemeClr val="accent1"/>
+          </a:fillRef>
+          <a:effectRef idx="0">
+            <a:schemeClr val="accent1"/>
+          </a:effectRef>
+          <a:fontRef idx="minor">
+            <a:schemeClr val="lt1"/>
+          </a:fontRef>
+        </p:style>
+        <p:txBody>
+          <a:bodyPr rtlCol="0" anchor="ctr"/>
+          <a:lstStyle/>
+          <a:p>
+            <a:pPr algn="ctr"/>
+            <a:endParaRPr lang="en-US"/>
+          </a:p>
+        </p:txBody>
+      </p:sp>
     </p:spTree>
     <p:extLst>
       <p:ext uri="{BB962C8B-B14F-4D97-AF65-F5344CB8AC3E}">

--- a/pics/pics.pptx
+++ b/pics/pics.pptx
@@ -243,7 +243,7 @@
           <a:p>
             <a:fld id="{E65E778F-C4EB-6749-96E0-A0E7AA333788}" type="datetimeFigureOut">
               <a:rPr lang="en-US" smtClean="0"/>
-              <a:t>9/2/18</a:t>
+              <a:t>9/25/18</a:t>
             </a:fld>
             <a:endParaRPr lang="en-US"/>
           </a:p>
@@ -413,7 +413,7 @@
           <a:p>
             <a:fld id="{E65E778F-C4EB-6749-96E0-A0E7AA333788}" type="datetimeFigureOut">
               <a:rPr lang="en-US" smtClean="0"/>
-              <a:t>9/2/18</a:t>
+              <a:t>9/25/18</a:t>
             </a:fld>
             <a:endParaRPr lang="en-US"/>
           </a:p>
@@ -593,7 +593,7 @@
           <a:p>
             <a:fld id="{E65E778F-C4EB-6749-96E0-A0E7AA333788}" type="datetimeFigureOut">
               <a:rPr lang="en-US" smtClean="0"/>
-              <a:t>9/2/18</a:t>
+              <a:t>9/25/18</a:t>
             </a:fld>
             <a:endParaRPr lang="en-US"/>
           </a:p>
@@ -763,7 +763,7 @@
           <a:p>
             <a:fld id="{E65E778F-C4EB-6749-96E0-A0E7AA333788}" type="datetimeFigureOut">
               <a:rPr lang="en-US" smtClean="0"/>
-              <a:t>9/2/18</a:t>
+              <a:t>9/25/18</a:t>
             </a:fld>
             <a:endParaRPr lang="en-US"/>
           </a:p>
@@ -1009,7 +1009,7 @@
           <a:p>
             <a:fld id="{E65E778F-C4EB-6749-96E0-A0E7AA333788}" type="datetimeFigureOut">
               <a:rPr lang="en-US" smtClean="0"/>
-              <a:t>9/2/18</a:t>
+              <a:t>9/25/18</a:t>
             </a:fld>
             <a:endParaRPr lang="en-US"/>
           </a:p>
@@ -1241,7 +1241,7 @@
           <a:p>
             <a:fld id="{E65E778F-C4EB-6749-96E0-A0E7AA333788}" type="datetimeFigureOut">
               <a:rPr lang="en-US" smtClean="0"/>
-              <a:t>9/2/18</a:t>
+              <a:t>9/25/18</a:t>
             </a:fld>
             <a:endParaRPr lang="en-US"/>
           </a:p>
@@ -1608,7 +1608,7 @@
           <a:p>
             <a:fld id="{E65E778F-C4EB-6749-96E0-A0E7AA333788}" type="datetimeFigureOut">
               <a:rPr lang="en-US" smtClean="0"/>
-              <a:t>9/2/18</a:t>
+              <a:t>9/25/18</a:t>
             </a:fld>
             <a:endParaRPr lang="en-US"/>
           </a:p>
@@ -1726,7 +1726,7 @@
           <a:p>
             <a:fld id="{E65E778F-C4EB-6749-96E0-A0E7AA333788}" type="datetimeFigureOut">
               <a:rPr lang="en-US" smtClean="0"/>
-              <a:t>9/2/18</a:t>
+              <a:t>9/25/18</a:t>
             </a:fld>
             <a:endParaRPr lang="en-US"/>
           </a:p>
@@ -1821,7 +1821,7 @@
           <a:p>
             <a:fld id="{E65E778F-C4EB-6749-96E0-A0E7AA333788}" type="datetimeFigureOut">
               <a:rPr lang="en-US" smtClean="0"/>
-              <a:t>9/2/18</a:t>
+              <a:t>9/25/18</a:t>
             </a:fld>
             <a:endParaRPr lang="en-US"/>
           </a:p>
@@ -2098,7 +2098,7 @@
           <a:p>
             <a:fld id="{E65E778F-C4EB-6749-96E0-A0E7AA333788}" type="datetimeFigureOut">
               <a:rPr lang="en-US" smtClean="0"/>
-              <a:t>9/2/18</a:t>
+              <a:t>9/25/18</a:t>
             </a:fld>
             <a:endParaRPr lang="en-US"/>
           </a:p>
@@ -2351,7 +2351,7 @@
           <a:p>
             <a:fld id="{E65E778F-C4EB-6749-96E0-A0E7AA333788}" type="datetimeFigureOut">
               <a:rPr lang="en-US" smtClean="0"/>
-              <a:t>9/2/18</a:t>
+              <a:t>9/25/18</a:t>
             </a:fld>
             <a:endParaRPr lang="en-US"/>
           </a:p>
@@ -2564,7 +2564,7 @@
           <a:p>
             <a:fld id="{E65E778F-C4EB-6749-96E0-A0E7AA333788}" type="datetimeFigureOut">
               <a:rPr lang="en-US" smtClean="0"/>
-              <a:t>9/2/18</a:t>
+              <a:t>9/25/18</a:t>
             </a:fld>
             <a:endParaRPr lang="en-US"/>
           </a:p>
@@ -3023,7 +3023,7 @@
         </p:nvSpPr>
         <p:spPr>
           <a:xfrm>
-            <a:off x="2361769" y="1947431"/>
+            <a:off x="8180281" y="3836991"/>
             <a:ext cx="720000" cy="720000"/>
           </a:xfrm>
           <a:prstGeom prst="plus">
@@ -3032,7 +3032,7 @@
             </a:avLst>
           </a:prstGeom>
           <a:solidFill>
-            <a:srgbClr val="475CB7"/>
+            <a:srgbClr val="5EBE9F"/>
           </a:solidFill>
           <a:ln>
             <a:noFill/>
@@ -4695,6 +4695,200 @@
           </a:p>
         </p:txBody>
       </p:sp>
+      <p:pic>
+        <p:nvPicPr>
+          <p:cNvPr id="10" name="Picture 9"/>
+          <p:cNvPicPr>
+            <a:picLocks noChangeAspect="1"/>
+          </p:cNvPicPr>
+          <p:nvPr/>
+        </p:nvPicPr>
+        <p:blipFill>
+          <a:blip r:embed="rId2">
+            <a:extLst>
+              <a:ext uri="{28A0092B-C50C-407E-A947-70E740481C1C}">
+                <a14:useLocalDpi xmlns:a14="http://schemas.microsoft.com/office/drawing/2010/main" val="0"/>
+              </a:ext>
+            </a:extLst>
+          </a:blip>
+          <a:stretch>
+            <a:fillRect/>
+          </a:stretch>
+        </p:blipFill>
+        <p:spPr>
+          <a:xfrm>
+            <a:off x="779228" y="3171600"/>
+            <a:ext cx="1300480" cy="1300480"/>
+          </a:xfrm>
+          <a:prstGeom prst="rect">
+            <a:avLst/>
+          </a:prstGeom>
+        </p:spPr>
+      </p:pic>
+      <p:pic>
+        <p:nvPicPr>
+          <p:cNvPr id="12" name="Picture 11"/>
+          <p:cNvPicPr>
+            <a:picLocks noChangeAspect="1"/>
+          </p:cNvPicPr>
+          <p:nvPr/>
+        </p:nvPicPr>
+        <p:blipFill>
+          <a:blip r:embed="rId3">
+            <a:duotone>
+              <a:schemeClr val="accent6">
+                <a:shade val="45000"/>
+                <a:satMod val="135000"/>
+              </a:schemeClr>
+              <a:prstClr val="white"/>
+            </a:duotone>
+            <a:alphaModFix amt="70000"/>
+            <a:extLst>
+              <a:ext uri="{28A0092B-C50C-407E-A947-70E740481C1C}">
+                <a14:useLocalDpi xmlns:a14="http://schemas.microsoft.com/office/drawing/2010/main" val="0"/>
+              </a:ext>
+            </a:extLst>
+          </a:blip>
+          <a:stretch>
+            <a:fillRect/>
+          </a:stretch>
+        </p:blipFill>
+        <p:spPr>
+          <a:xfrm>
+            <a:off x="1026333" y="5030163"/>
+            <a:ext cx="1080000" cy="1080000"/>
+          </a:xfrm>
+          <a:prstGeom prst="rect">
+            <a:avLst/>
+          </a:prstGeom>
+        </p:spPr>
+      </p:pic>
+      <p:sp>
+        <p:nvSpPr>
+          <p:cNvPr id="13" name="Rectangle 12"/>
+          <p:cNvSpPr/>
+          <p:nvPr/>
+        </p:nvSpPr>
+        <p:spPr>
+          <a:xfrm>
+            <a:off x="486333" y="4490163"/>
+            <a:ext cx="2160000" cy="2160000"/>
+          </a:xfrm>
+          <a:prstGeom prst="rect">
+            <a:avLst/>
+          </a:prstGeom>
+          <a:noFill/>
+          <a:ln>
+            <a:noFill/>
+          </a:ln>
+        </p:spPr>
+        <p:style>
+          <a:lnRef idx="2">
+            <a:schemeClr val="accent1">
+              <a:shade val="50000"/>
+            </a:schemeClr>
+          </a:lnRef>
+          <a:fillRef idx="1">
+            <a:schemeClr val="accent1"/>
+          </a:fillRef>
+          <a:effectRef idx="0">
+            <a:schemeClr val="accent1"/>
+          </a:effectRef>
+          <a:fontRef idx="minor">
+            <a:schemeClr val="lt1"/>
+          </a:fontRef>
+        </p:style>
+        <p:txBody>
+          <a:bodyPr rtlCol="0" anchor="ctr"/>
+          <a:lstStyle/>
+          <a:p>
+            <a:pPr algn="ctr"/>
+            <a:endParaRPr lang="en-US"/>
+          </a:p>
+        </p:txBody>
+      </p:sp>
+      <p:sp>
+        <p:nvSpPr>
+          <p:cNvPr id="17" name="Rectangle 16"/>
+          <p:cNvSpPr/>
+          <p:nvPr/>
+        </p:nvSpPr>
+        <p:spPr>
+          <a:xfrm>
+            <a:off x="7820281" y="3476991"/>
+            <a:ext cx="1440000" cy="1440000"/>
+          </a:xfrm>
+          <a:prstGeom prst="rect">
+            <a:avLst/>
+          </a:prstGeom>
+          <a:noFill/>
+          <a:ln>
+            <a:noFill/>
+          </a:ln>
+        </p:spPr>
+        <p:style>
+          <a:lnRef idx="2">
+            <a:schemeClr val="accent1">
+              <a:shade val="50000"/>
+            </a:schemeClr>
+          </a:lnRef>
+          <a:fillRef idx="1">
+            <a:schemeClr val="accent1"/>
+          </a:fillRef>
+          <a:effectRef idx="0">
+            <a:schemeClr val="accent1"/>
+          </a:effectRef>
+          <a:fontRef idx="minor">
+            <a:schemeClr val="lt1"/>
+          </a:fontRef>
+        </p:style>
+        <p:txBody>
+          <a:bodyPr rtlCol="0" anchor="ctr"/>
+          <a:lstStyle/>
+          <a:p>
+            <a:pPr algn="ctr"/>
+            <a:endParaRPr lang="en-US"/>
+          </a:p>
+        </p:txBody>
+      </p:sp>
+      <p:pic>
+        <p:nvPicPr>
+          <p:cNvPr id="46" name="Picture 45"/>
+          <p:cNvPicPr>
+            <a:picLocks noChangeAspect="1"/>
+          </p:cNvPicPr>
+          <p:nvPr/>
+        </p:nvPicPr>
+        <p:blipFill>
+          <a:blip r:embed="rId3">
+            <a:duotone>
+              <a:schemeClr val="accent6">
+                <a:shade val="45000"/>
+                <a:satMod val="135000"/>
+              </a:schemeClr>
+              <a:prstClr val="white"/>
+            </a:duotone>
+            <a:alphaModFix amt="70000"/>
+            <a:extLst>
+              <a:ext uri="{28A0092B-C50C-407E-A947-70E740481C1C}">
+                <a14:useLocalDpi xmlns:a14="http://schemas.microsoft.com/office/drawing/2010/main" val="0"/>
+              </a:ext>
+            </a:extLst>
+          </a:blip>
+          <a:stretch>
+            <a:fillRect/>
+          </a:stretch>
+        </p:blipFill>
+        <p:spPr>
+          <a:xfrm>
+            <a:off x="6974162" y="3708811"/>
+            <a:ext cx="1080000" cy="1080000"/>
+          </a:xfrm>
+          <a:prstGeom prst="rect">
+            <a:avLst/>
+          </a:prstGeom>
+        </p:spPr>
+      </p:pic>
     </p:spTree>
     <p:extLst>
       <p:ext uri="{BB962C8B-B14F-4D97-AF65-F5344CB8AC3E}">
@@ -4711,12 +4905,12 @@
 <file path=ppt/theme/theme1.xml><?xml version="1.0" encoding="utf-8"?>
 <a:theme xmlns:a="http://schemas.openxmlformats.org/drawingml/2006/main" name="Office Theme">
   <a:themeElements>
-    <a:clrScheme name="Office">
+    <a:clrScheme name="Custom 1">
       <a:dk1>
-        <a:sysClr val="windowText" lastClr="000000"/>
+        <a:srgbClr val="000000"/>
       </a:dk1>
       <a:lt1>
-        <a:sysClr val="window" lastClr="FFFFFF"/>
+        <a:srgbClr val="FFFFFF"/>
       </a:lt1>
       <a:dk2>
         <a:srgbClr val="44546A"/>
@@ -4740,7 +4934,7 @@
         <a:srgbClr val="4472C4"/>
       </a:accent5>
       <a:accent6>
-        <a:srgbClr val="70AD47"/>
+        <a:srgbClr val="5EBE9F"/>
       </a:accent6>
       <a:hlink>
         <a:srgbClr val="0563C1"/>

--- a/pics/pics.pptx
+++ b/pics/pics.pptx
@@ -3032,7 +3032,7 @@
             </a:avLst>
           </a:prstGeom>
           <a:solidFill>
-            <a:srgbClr val="5EBE9F"/>
+            <a:srgbClr val="73B09C"/>
           </a:solidFill>
           <a:ln>
             <a:noFill/>

--- a/pics/pics.pptx
+++ b/pics/pics.pptx
@@ -243,7 +243,7 @@
           <a:p>
             <a:fld id="{E65E778F-C4EB-6749-96E0-A0E7AA333788}" type="datetimeFigureOut">
               <a:rPr lang="en-US" smtClean="0"/>
-              <a:t>9/25/18</a:t>
+              <a:t>9/27/18</a:t>
             </a:fld>
             <a:endParaRPr lang="en-US"/>
           </a:p>
@@ -413,7 +413,7 @@
           <a:p>
             <a:fld id="{E65E778F-C4EB-6749-96E0-A0E7AA333788}" type="datetimeFigureOut">
               <a:rPr lang="en-US" smtClean="0"/>
-              <a:t>9/25/18</a:t>
+              <a:t>9/27/18</a:t>
             </a:fld>
             <a:endParaRPr lang="en-US"/>
           </a:p>
@@ -593,7 +593,7 @@
           <a:p>
             <a:fld id="{E65E778F-C4EB-6749-96E0-A0E7AA333788}" type="datetimeFigureOut">
               <a:rPr lang="en-US" smtClean="0"/>
-              <a:t>9/25/18</a:t>
+              <a:t>9/27/18</a:t>
             </a:fld>
             <a:endParaRPr lang="en-US"/>
           </a:p>
@@ -763,7 +763,7 @@
           <a:p>
             <a:fld id="{E65E778F-C4EB-6749-96E0-A0E7AA333788}" type="datetimeFigureOut">
               <a:rPr lang="en-US" smtClean="0"/>
-              <a:t>9/25/18</a:t>
+              <a:t>9/27/18</a:t>
             </a:fld>
             <a:endParaRPr lang="en-US"/>
           </a:p>
@@ -1009,7 +1009,7 @@
           <a:p>
             <a:fld id="{E65E778F-C4EB-6749-96E0-A0E7AA333788}" type="datetimeFigureOut">
               <a:rPr lang="en-US" smtClean="0"/>
-              <a:t>9/25/18</a:t>
+              <a:t>9/27/18</a:t>
             </a:fld>
             <a:endParaRPr lang="en-US"/>
           </a:p>
@@ -1241,7 +1241,7 @@
           <a:p>
             <a:fld id="{E65E778F-C4EB-6749-96E0-A0E7AA333788}" type="datetimeFigureOut">
               <a:rPr lang="en-US" smtClean="0"/>
-              <a:t>9/25/18</a:t>
+              <a:t>9/27/18</a:t>
             </a:fld>
             <a:endParaRPr lang="en-US"/>
           </a:p>
@@ -1608,7 +1608,7 @@
           <a:p>
             <a:fld id="{E65E778F-C4EB-6749-96E0-A0E7AA333788}" type="datetimeFigureOut">
               <a:rPr lang="en-US" smtClean="0"/>
-              <a:t>9/25/18</a:t>
+              <a:t>9/27/18</a:t>
             </a:fld>
             <a:endParaRPr lang="en-US"/>
           </a:p>
@@ -1726,7 +1726,7 @@
           <a:p>
             <a:fld id="{E65E778F-C4EB-6749-96E0-A0E7AA333788}" type="datetimeFigureOut">
               <a:rPr lang="en-US" smtClean="0"/>
-              <a:t>9/25/18</a:t>
+              <a:t>9/27/18</a:t>
             </a:fld>
             <a:endParaRPr lang="en-US"/>
           </a:p>
@@ -1821,7 +1821,7 @@
           <a:p>
             <a:fld id="{E65E778F-C4EB-6749-96E0-A0E7AA333788}" type="datetimeFigureOut">
               <a:rPr lang="en-US" smtClean="0"/>
-              <a:t>9/25/18</a:t>
+              <a:t>9/27/18</a:t>
             </a:fld>
             <a:endParaRPr lang="en-US"/>
           </a:p>
@@ -2098,7 +2098,7 @@
           <a:p>
             <a:fld id="{E65E778F-C4EB-6749-96E0-A0E7AA333788}" type="datetimeFigureOut">
               <a:rPr lang="en-US" smtClean="0"/>
-              <a:t>9/25/18</a:t>
+              <a:t>9/27/18</a:t>
             </a:fld>
             <a:endParaRPr lang="en-US"/>
           </a:p>
@@ -2351,7 +2351,7 @@
           <a:p>
             <a:fld id="{E65E778F-C4EB-6749-96E0-A0E7AA333788}" type="datetimeFigureOut">
               <a:rPr lang="en-US" smtClean="0"/>
-              <a:t>9/25/18</a:t>
+              <a:t>9/27/18</a:t>
             </a:fld>
             <a:endParaRPr lang="en-US"/>
           </a:p>
@@ -2564,7 +2564,7 @@
           <a:p>
             <a:fld id="{E65E778F-C4EB-6749-96E0-A0E7AA333788}" type="datetimeFigureOut">
               <a:rPr lang="en-US" smtClean="0"/>
-              <a:t>9/25/18</a:t>
+              <a:t>9/27/18</a:t>
             </a:fld>
             <a:endParaRPr lang="en-US"/>
           </a:p>
@@ -4815,8 +4815,8 @@
         </p:nvSpPr>
         <p:spPr>
           <a:xfrm>
-            <a:off x="7820281" y="3476991"/>
-            <a:ext cx="1440000" cy="1440000"/>
+            <a:off x="9699735" y="5013204"/>
+            <a:ext cx="1800000" cy="1800000"/>
           </a:xfrm>
           <a:prstGeom prst="rect">
             <a:avLst/>
@@ -4889,6 +4889,152 @@
           </a:prstGeom>
         </p:spPr>
       </p:pic>
+      <p:sp>
+        <p:nvSpPr>
+          <p:cNvPr id="15" name="Chevron 14"/>
+          <p:cNvSpPr/>
+          <p:nvPr/>
+        </p:nvSpPr>
+        <p:spPr>
+          <a:xfrm rot="5400000">
+            <a:off x="10419735" y="5705163"/>
+            <a:ext cx="360000" cy="450000"/>
+          </a:xfrm>
+          <a:prstGeom prst="chevron">
+            <a:avLst/>
+          </a:prstGeom>
+          <a:solidFill>
+            <a:srgbClr val="324379"/>
+          </a:solidFill>
+          <a:ln>
+            <a:noFill/>
+          </a:ln>
+        </p:spPr>
+        <p:style>
+          <a:lnRef idx="2">
+            <a:schemeClr val="accent1">
+              <a:shade val="50000"/>
+            </a:schemeClr>
+          </a:lnRef>
+          <a:fillRef idx="1">
+            <a:schemeClr val="accent1"/>
+          </a:fillRef>
+          <a:effectRef idx="0">
+            <a:schemeClr val="accent1"/>
+          </a:effectRef>
+          <a:fontRef idx="minor">
+            <a:schemeClr val="lt1"/>
+          </a:fontRef>
+        </p:style>
+        <p:txBody>
+          <a:bodyPr rtlCol="0" anchor="ctr"/>
+          <a:lstStyle/>
+          <a:p>
+            <a:pPr algn="ctr"/>
+            <a:endParaRPr lang="en-US">
+              <a:solidFill>
+                <a:schemeClr val="tx1"/>
+              </a:solidFill>
+            </a:endParaRPr>
+          </a:p>
+        </p:txBody>
+      </p:sp>
+      <p:sp>
+        <p:nvSpPr>
+          <p:cNvPr id="36" name="Donut 35"/>
+          <p:cNvSpPr/>
+          <p:nvPr/>
+        </p:nvSpPr>
+        <p:spPr>
+          <a:xfrm>
+            <a:off x="10149735" y="5463204"/>
+            <a:ext cx="900000" cy="900000"/>
+          </a:xfrm>
+          <a:prstGeom prst="donut">
+            <a:avLst>
+              <a:gd name="adj" fmla="val 9942"/>
+            </a:avLst>
+          </a:prstGeom>
+          <a:solidFill>
+            <a:srgbClr val="324379"/>
+          </a:solidFill>
+          <a:ln>
+            <a:noFill/>
+          </a:ln>
+        </p:spPr>
+        <p:style>
+          <a:lnRef idx="2">
+            <a:schemeClr val="accent1">
+              <a:shade val="50000"/>
+            </a:schemeClr>
+          </a:lnRef>
+          <a:fillRef idx="1">
+            <a:schemeClr val="accent1"/>
+          </a:fillRef>
+          <a:effectRef idx="0">
+            <a:schemeClr val="accent1"/>
+          </a:effectRef>
+          <a:fontRef idx="minor">
+            <a:schemeClr val="lt1"/>
+          </a:fontRef>
+        </p:style>
+        <p:txBody>
+          <a:bodyPr rtlCol="0" anchor="ctr"/>
+          <a:lstStyle/>
+          <a:p>
+            <a:pPr algn="ctr"/>
+            <a:endParaRPr lang="en-US">
+              <a:solidFill>
+                <a:schemeClr val="tx1"/>
+              </a:solidFill>
+            </a:endParaRPr>
+          </a:p>
+        </p:txBody>
+      </p:sp>
+      <p:sp>
+        <p:nvSpPr>
+          <p:cNvPr id="50" name="Rectangle 49"/>
+          <p:cNvSpPr/>
+          <p:nvPr/>
+        </p:nvSpPr>
+        <p:spPr>
+          <a:xfrm>
+            <a:off x="7972681" y="3629391"/>
+            <a:ext cx="1440000" cy="1440000"/>
+          </a:xfrm>
+          <a:prstGeom prst="rect">
+            <a:avLst/>
+          </a:prstGeom>
+          <a:noFill/>
+          <a:ln>
+            <a:noFill/>
+          </a:ln>
+        </p:spPr>
+        <p:style>
+          <a:lnRef idx="2">
+            <a:schemeClr val="accent1">
+              <a:shade val="50000"/>
+            </a:schemeClr>
+          </a:lnRef>
+          <a:fillRef idx="1">
+            <a:schemeClr val="accent1"/>
+          </a:fillRef>
+          <a:effectRef idx="0">
+            <a:schemeClr val="accent1"/>
+          </a:effectRef>
+          <a:fontRef idx="minor">
+            <a:schemeClr val="lt1"/>
+          </a:fontRef>
+        </p:style>
+        <p:txBody>
+          <a:bodyPr rtlCol="0" anchor="ctr"/>
+          <a:lstStyle/>
+          <a:p>
+            <a:pPr algn="ctr"/>
+            <a:endParaRPr lang="en-US"/>
+          </a:p>
+        </p:txBody>
+      </p:sp>
     </p:spTree>
     <p:extLst>
       <p:ext uri="{BB962C8B-B14F-4D97-AF65-F5344CB8AC3E}">

--- a/pics/pics.pptx
+++ b/pics/pics.pptx
@@ -6,6 +6,7 @@
   </p:sldMasterIdLst>
   <p:sldIdLst>
     <p:sldId id="256" r:id="rId2"/>
+    <p:sldId id="257" r:id="rId3"/>
   </p:sldIdLst>
   <p:sldSz cx="12192000" cy="6858000"/>
   <p:notesSz cx="6858000" cy="9144000"/>
@@ -243,7 +244,7 @@
           <a:p>
             <a:fld id="{E65E778F-C4EB-6749-96E0-A0E7AA333788}" type="datetimeFigureOut">
               <a:rPr lang="en-US" smtClean="0"/>
-              <a:t>9/27/18</a:t>
+              <a:t>10/5/18</a:t>
             </a:fld>
             <a:endParaRPr lang="en-US"/>
           </a:p>
@@ -413,7 +414,7 @@
           <a:p>
             <a:fld id="{E65E778F-C4EB-6749-96E0-A0E7AA333788}" type="datetimeFigureOut">
               <a:rPr lang="en-US" smtClean="0"/>
-              <a:t>9/27/18</a:t>
+              <a:t>10/5/18</a:t>
             </a:fld>
             <a:endParaRPr lang="en-US"/>
           </a:p>
@@ -593,7 +594,7 @@
           <a:p>
             <a:fld id="{E65E778F-C4EB-6749-96E0-A0E7AA333788}" type="datetimeFigureOut">
               <a:rPr lang="en-US" smtClean="0"/>
-              <a:t>9/27/18</a:t>
+              <a:t>10/5/18</a:t>
             </a:fld>
             <a:endParaRPr lang="en-US"/>
           </a:p>
@@ -763,7 +764,7 @@
           <a:p>
             <a:fld id="{E65E778F-C4EB-6749-96E0-A0E7AA333788}" type="datetimeFigureOut">
               <a:rPr lang="en-US" smtClean="0"/>
-              <a:t>9/27/18</a:t>
+              <a:t>10/5/18</a:t>
             </a:fld>
             <a:endParaRPr lang="en-US"/>
           </a:p>
@@ -1009,7 +1010,7 @@
           <a:p>
             <a:fld id="{E65E778F-C4EB-6749-96E0-A0E7AA333788}" type="datetimeFigureOut">
               <a:rPr lang="en-US" smtClean="0"/>
-              <a:t>9/27/18</a:t>
+              <a:t>10/5/18</a:t>
             </a:fld>
             <a:endParaRPr lang="en-US"/>
           </a:p>
@@ -1241,7 +1242,7 @@
           <a:p>
             <a:fld id="{E65E778F-C4EB-6749-96E0-A0E7AA333788}" type="datetimeFigureOut">
               <a:rPr lang="en-US" smtClean="0"/>
-              <a:t>9/27/18</a:t>
+              <a:t>10/5/18</a:t>
             </a:fld>
             <a:endParaRPr lang="en-US"/>
           </a:p>
@@ -1608,7 +1609,7 @@
           <a:p>
             <a:fld id="{E65E778F-C4EB-6749-96E0-A0E7AA333788}" type="datetimeFigureOut">
               <a:rPr lang="en-US" smtClean="0"/>
-              <a:t>9/27/18</a:t>
+              <a:t>10/5/18</a:t>
             </a:fld>
             <a:endParaRPr lang="en-US"/>
           </a:p>
@@ -1726,7 +1727,7 @@
           <a:p>
             <a:fld id="{E65E778F-C4EB-6749-96E0-A0E7AA333788}" type="datetimeFigureOut">
               <a:rPr lang="en-US" smtClean="0"/>
-              <a:t>9/27/18</a:t>
+              <a:t>10/5/18</a:t>
             </a:fld>
             <a:endParaRPr lang="en-US"/>
           </a:p>
@@ -1821,7 +1822,7 @@
           <a:p>
             <a:fld id="{E65E778F-C4EB-6749-96E0-A0E7AA333788}" type="datetimeFigureOut">
               <a:rPr lang="en-US" smtClean="0"/>
-              <a:t>9/27/18</a:t>
+              <a:t>10/5/18</a:t>
             </a:fld>
             <a:endParaRPr lang="en-US"/>
           </a:p>
@@ -2098,7 +2099,7 @@
           <a:p>
             <a:fld id="{E65E778F-C4EB-6749-96E0-A0E7AA333788}" type="datetimeFigureOut">
               <a:rPr lang="en-US" smtClean="0"/>
-              <a:t>9/27/18</a:t>
+              <a:t>10/5/18</a:t>
             </a:fld>
             <a:endParaRPr lang="en-US"/>
           </a:p>
@@ -2351,7 +2352,7 @@
           <a:p>
             <a:fld id="{E65E778F-C4EB-6749-96E0-A0E7AA333788}" type="datetimeFigureOut">
               <a:rPr lang="en-US" smtClean="0"/>
-              <a:t>9/27/18</a:t>
+              <a:t>10/5/18</a:t>
             </a:fld>
             <a:endParaRPr lang="en-US"/>
           </a:p>
@@ -2564,7 +2565,7 @@
           <a:p>
             <a:fld id="{E65E778F-C4EB-6749-96E0-A0E7AA333788}" type="datetimeFigureOut">
               <a:rPr lang="en-US" smtClean="0"/>
-              <a:t>9/27/18</a:t>
+              <a:t>10/5/18</a:t>
             </a:fld>
             <a:endParaRPr lang="en-US"/>
           </a:p>
@@ -2971,6 +2972,50 @@
       </p:grpSpPr>
       <p:sp>
         <p:nvSpPr>
+          <p:cNvPr id="37" name="Rectangle 36"/>
+          <p:cNvSpPr/>
+          <p:nvPr/>
+        </p:nvSpPr>
+        <p:spPr>
+          <a:xfrm>
+            <a:off x="3789599" y="2091600"/>
+            <a:ext cx="450000" cy="450000"/>
+          </a:xfrm>
+          <a:prstGeom prst="rect">
+            <a:avLst/>
+          </a:prstGeom>
+          <a:noFill/>
+          <a:ln>
+            <a:noFill/>
+          </a:ln>
+        </p:spPr>
+        <p:style>
+          <a:lnRef idx="2">
+            <a:schemeClr val="accent1">
+              <a:shade val="50000"/>
+            </a:schemeClr>
+          </a:lnRef>
+          <a:fillRef idx="1">
+            <a:schemeClr val="accent1"/>
+          </a:fillRef>
+          <a:effectRef idx="0">
+            <a:schemeClr val="accent1"/>
+          </a:effectRef>
+          <a:fontRef idx="minor">
+            <a:schemeClr val="lt1"/>
+          </a:fontRef>
+        </p:style>
+        <p:txBody>
+          <a:bodyPr rtlCol="0" anchor="ctr"/>
+          <a:lstStyle/>
+          <a:p>
+            <a:pPr algn="ctr"/>
+            <a:endParaRPr lang="en-US"/>
+          </a:p>
+        </p:txBody>
+      </p:sp>
+      <p:sp>
+        <p:nvSpPr>
           <p:cNvPr id="6" name="Oval 5"/>
           <p:cNvSpPr/>
           <p:nvPr/>
@@ -3271,7 +3316,7 @@
           </a:xfrm>
           <a:prstGeom prst="frame">
             <a:avLst>
-              <a:gd name="adj1" fmla="val 21923"/>
+              <a:gd name="adj1" fmla="val 13342"/>
             </a:avLst>
           </a:prstGeom>
           <a:ln>
@@ -3358,7 +3403,7 @@
         </p:nvSpPr>
         <p:spPr>
           <a:xfrm>
-            <a:off x="4922267" y="5058811"/>
+            <a:off x="4895643" y="5055483"/>
             <a:ext cx="180000" cy="180000"/>
           </a:xfrm>
           <a:prstGeom prst="rect">
@@ -4341,19 +4386,17 @@
       </p:sp>
       <p:sp>
         <p:nvSpPr>
-          <p:cNvPr id="42" name="Frame 41"/>
-          <p:cNvSpPr/>
-          <p:nvPr/>
-        </p:nvSpPr>
-        <p:spPr>
-          <a:xfrm>
-            <a:off x="5894162" y="3528811"/>
-            <a:ext cx="720000" cy="720000"/>
-          </a:xfrm>
-          <a:prstGeom prst="frame">
-            <a:avLst>
-              <a:gd name="adj1" fmla="val 21923"/>
-            </a:avLst>
+          <p:cNvPr id="14" name="Rectangle 13"/>
+          <p:cNvSpPr/>
+          <p:nvPr/>
+        </p:nvSpPr>
+        <p:spPr>
+          <a:xfrm>
+            <a:off x="7237927" y="1371600"/>
+            <a:ext cx="360000" cy="360000"/>
+          </a:xfrm>
+          <a:prstGeom prst="rect">
+            <a:avLst/>
           </a:prstGeom>
           <a:ln>
             <a:noFill/>
@@ -4380,29 +4423,23 @@
           <a:lstStyle/>
           <a:p>
             <a:pPr algn="ctr"/>
-            <a:endParaRPr lang="en-US">
-              <a:solidFill>
-                <a:schemeClr val="tx1"/>
-              </a:solidFill>
-            </a:endParaRPr>
-          </a:p>
-        </p:txBody>
-      </p:sp>
-      <p:sp>
-        <p:nvSpPr>
-          <p:cNvPr id="43" name="Frame 42"/>
-          <p:cNvSpPr/>
-          <p:nvPr/>
-        </p:nvSpPr>
-        <p:spPr>
-          <a:xfrm>
-            <a:off x="4652267" y="4788811"/>
-            <a:ext cx="720000" cy="720000"/>
-          </a:xfrm>
-          <a:prstGeom prst="frame">
-            <a:avLst>
-              <a:gd name="adj1" fmla="val 21923"/>
-            </a:avLst>
+            <a:endParaRPr lang="en-US"/>
+          </a:p>
+        </p:txBody>
+      </p:sp>
+      <p:sp>
+        <p:nvSpPr>
+          <p:cNvPr id="44" name="Rectangle 43"/>
+          <p:cNvSpPr/>
+          <p:nvPr/>
+        </p:nvSpPr>
+        <p:spPr>
+          <a:xfrm>
+            <a:off x="7237927" y="2088811"/>
+            <a:ext cx="360000" cy="360000"/>
+          </a:xfrm>
+          <a:prstGeom prst="rect">
+            <a:avLst/>
           </a:prstGeom>
           <a:ln>
             <a:noFill/>
@@ -4429,23 +4466,19 @@
           <a:lstStyle/>
           <a:p>
             <a:pPr algn="ctr"/>
-            <a:endParaRPr lang="en-US">
-              <a:solidFill>
-                <a:schemeClr val="tx1"/>
-              </a:solidFill>
-            </a:endParaRPr>
-          </a:p>
-        </p:txBody>
-      </p:sp>
-      <p:sp>
-        <p:nvSpPr>
-          <p:cNvPr id="14" name="Rectangle 13"/>
-          <p:cNvSpPr/>
-          <p:nvPr/>
-        </p:nvSpPr>
-        <p:spPr>
-          <a:xfrm>
-            <a:off x="7237927" y="1371600"/>
+            <a:endParaRPr lang="en-US"/>
+          </a:p>
+        </p:txBody>
+      </p:sp>
+      <p:sp>
+        <p:nvSpPr>
+          <p:cNvPr id="45" name="Rectangle 44"/>
+          <p:cNvSpPr/>
+          <p:nvPr/>
+        </p:nvSpPr>
+        <p:spPr>
+          <a:xfrm>
+            <a:off x="7237927" y="2811600"/>
             <a:ext cx="360000" cy="360000"/>
           </a:xfrm>
           <a:prstGeom prst="rect">
@@ -4482,14 +4515,14 @@
       </p:sp>
       <p:sp>
         <p:nvSpPr>
-          <p:cNvPr id="44" name="Rectangle 43"/>
-          <p:cNvSpPr/>
-          <p:nvPr/>
-        </p:nvSpPr>
-        <p:spPr>
-          <a:xfrm>
-            <a:off x="7250198" y="2091600"/>
-            <a:ext cx="360000" cy="360000"/>
+          <p:cNvPr id="47" name="Rectangle 46"/>
+          <p:cNvSpPr/>
+          <p:nvPr/>
+        </p:nvSpPr>
+        <p:spPr>
+          <a:xfrm>
+            <a:off x="7777927" y="1441318"/>
+            <a:ext cx="1404710" cy="216000"/>
           </a:xfrm>
           <a:prstGeom prst="rect">
             <a:avLst/>
@@ -4525,14 +4558,14 @@
       </p:sp>
       <p:sp>
         <p:nvSpPr>
-          <p:cNvPr id="45" name="Rectangle 44"/>
-          <p:cNvSpPr/>
-          <p:nvPr/>
-        </p:nvSpPr>
-        <p:spPr>
-          <a:xfrm>
-            <a:off x="7250198" y="2811600"/>
-            <a:ext cx="360000" cy="360000"/>
+          <p:cNvPr id="48" name="Rectangle 47"/>
+          <p:cNvSpPr/>
+          <p:nvPr/>
+        </p:nvSpPr>
+        <p:spPr>
+          <a:xfrm>
+            <a:off x="7777927" y="2163562"/>
+            <a:ext cx="1404710" cy="216000"/>
           </a:xfrm>
           <a:prstGeom prst="rect">
             <a:avLst/>
@@ -4568,100 +4601,14 @@
       </p:sp>
       <p:sp>
         <p:nvSpPr>
-          <p:cNvPr id="47" name="Rectangle 46"/>
-          <p:cNvSpPr/>
-          <p:nvPr/>
-        </p:nvSpPr>
-        <p:spPr>
-          <a:xfrm>
-            <a:off x="7777927" y="1407600"/>
-            <a:ext cx="1404710" cy="324000"/>
-          </a:xfrm>
-          <a:prstGeom prst="rect">
-            <a:avLst/>
-          </a:prstGeom>
-          <a:ln>
-            <a:noFill/>
-          </a:ln>
-        </p:spPr>
-        <p:style>
-          <a:lnRef idx="2">
-            <a:schemeClr val="accent1">
-              <a:shade val="50000"/>
-            </a:schemeClr>
-          </a:lnRef>
-          <a:fillRef idx="1">
-            <a:schemeClr val="accent1"/>
-          </a:fillRef>
-          <a:effectRef idx="0">
-            <a:schemeClr val="accent1"/>
-          </a:effectRef>
-          <a:fontRef idx="minor">
-            <a:schemeClr val="lt1"/>
-          </a:fontRef>
-        </p:style>
-        <p:txBody>
-          <a:bodyPr rtlCol="0" anchor="ctr"/>
-          <a:lstStyle/>
-          <a:p>
-            <a:pPr algn="ctr"/>
-            <a:endParaRPr lang="en-US"/>
-          </a:p>
-        </p:txBody>
-      </p:sp>
-      <p:sp>
-        <p:nvSpPr>
-          <p:cNvPr id="48" name="Rectangle 47"/>
-          <p:cNvSpPr/>
-          <p:nvPr/>
-        </p:nvSpPr>
-        <p:spPr>
-          <a:xfrm>
-            <a:off x="7777927" y="2127600"/>
-            <a:ext cx="1404710" cy="324000"/>
-          </a:xfrm>
-          <a:prstGeom prst="rect">
-            <a:avLst/>
-          </a:prstGeom>
-          <a:ln>
-            <a:noFill/>
-          </a:ln>
-        </p:spPr>
-        <p:style>
-          <a:lnRef idx="2">
-            <a:schemeClr val="accent1">
-              <a:shade val="50000"/>
-            </a:schemeClr>
-          </a:lnRef>
-          <a:fillRef idx="1">
-            <a:schemeClr val="accent1"/>
-          </a:fillRef>
-          <a:effectRef idx="0">
-            <a:schemeClr val="accent1"/>
-          </a:effectRef>
-          <a:fontRef idx="minor">
-            <a:schemeClr val="lt1"/>
-          </a:fontRef>
-        </p:style>
-        <p:txBody>
-          <a:bodyPr rtlCol="0" anchor="ctr"/>
-          <a:lstStyle/>
-          <a:p>
-            <a:pPr algn="ctr"/>
-            <a:endParaRPr lang="en-US"/>
-          </a:p>
-        </p:txBody>
-      </p:sp>
-      <p:sp>
-        <p:nvSpPr>
           <p:cNvPr id="49" name="Rectangle 48"/>
           <p:cNvSpPr/>
           <p:nvPr/>
         </p:nvSpPr>
         <p:spPr>
           <a:xfrm>
-            <a:off x="7777927" y="2847600"/>
-            <a:ext cx="1404710" cy="324000"/>
+            <a:off x="7777927" y="2878567"/>
+            <a:ext cx="1404710" cy="216000"/>
           </a:xfrm>
           <a:prstGeom prst="rect">
             <a:avLst/>
@@ -5035,10 +4982,1162 @@
           </a:p>
         </p:txBody>
       </p:sp>
+      <p:sp>
+        <p:nvSpPr>
+          <p:cNvPr id="51" name="Chevron 50"/>
+          <p:cNvSpPr/>
+          <p:nvPr/>
+        </p:nvSpPr>
+        <p:spPr>
+          <a:xfrm>
+            <a:off x="3912153" y="2091600"/>
+            <a:ext cx="274207" cy="450000"/>
+          </a:xfrm>
+          <a:prstGeom prst="chevron">
+            <a:avLst>
+              <a:gd name="adj" fmla="val 67047"/>
+            </a:avLst>
+          </a:prstGeom>
+          <a:solidFill>
+            <a:srgbClr val="C0C0C0"/>
+          </a:solidFill>
+          <a:ln>
+            <a:noFill/>
+          </a:ln>
+        </p:spPr>
+        <p:style>
+          <a:lnRef idx="2">
+            <a:schemeClr val="accent1">
+              <a:shade val="50000"/>
+            </a:schemeClr>
+          </a:lnRef>
+          <a:fillRef idx="1">
+            <a:schemeClr val="accent1"/>
+          </a:fillRef>
+          <a:effectRef idx="0">
+            <a:schemeClr val="accent1"/>
+          </a:effectRef>
+          <a:fontRef idx="minor">
+            <a:schemeClr val="lt1"/>
+          </a:fontRef>
+        </p:style>
+        <p:txBody>
+          <a:bodyPr rtlCol="0" anchor="ctr"/>
+          <a:lstStyle/>
+          <a:p>
+            <a:pPr algn="ctr"/>
+            <a:endParaRPr lang="en-US">
+              <a:solidFill>
+                <a:schemeClr val="tx1"/>
+              </a:solidFill>
+            </a:endParaRPr>
+          </a:p>
+        </p:txBody>
+      </p:sp>
+      <p:sp>
+        <p:nvSpPr>
+          <p:cNvPr id="52" name="Frame 51"/>
+          <p:cNvSpPr/>
+          <p:nvPr/>
+        </p:nvSpPr>
+        <p:spPr>
+          <a:xfrm>
+            <a:off x="4634162" y="4788811"/>
+            <a:ext cx="720000" cy="720000"/>
+          </a:xfrm>
+          <a:prstGeom prst="frame">
+            <a:avLst>
+              <a:gd name="adj1" fmla="val 13342"/>
+            </a:avLst>
+          </a:prstGeom>
+          <a:ln>
+            <a:noFill/>
+          </a:ln>
+        </p:spPr>
+        <p:style>
+          <a:lnRef idx="2">
+            <a:schemeClr val="accent1">
+              <a:shade val="50000"/>
+            </a:schemeClr>
+          </a:lnRef>
+          <a:fillRef idx="1">
+            <a:schemeClr val="accent1"/>
+          </a:fillRef>
+          <a:effectRef idx="0">
+            <a:schemeClr val="accent1"/>
+          </a:effectRef>
+          <a:fontRef idx="minor">
+            <a:schemeClr val="lt1"/>
+          </a:fontRef>
+        </p:style>
+        <p:txBody>
+          <a:bodyPr rtlCol="0" anchor="ctr"/>
+          <a:lstStyle/>
+          <a:p>
+            <a:pPr algn="ctr"/>
+            <a:endParaRPr lang="en-US">
+              <a:solidFill>
+                <a:schemeClr val="tx1"/>
+              </a:solidFill>
+            </a:endParaRPr>
+          </a:p>
+        </p:txBody>
+      </p:sp>
+      <p:sp>
+        <p:nvSpPr>
+          <p:cNvPr id="53" name="Frame 52"/>
+          <p:cNvSpPr/>
+          <p:nvPr/>
+        </p:nvSpPr>
+        <p:spPr>
+          <a:xfrm>
+            <a:off x="5894162" y="3528811"/>
+            <a:ext cx="720000" cy="720000"/>
+          </a:xfrm>
+          <a:prstGeom prst="frame">
+            <a:avLst>
+              <a:gd name="adj1" fmla="val 13342"/>
+            </a:avLst>
+          </a:prstGeom>
+          <a:ln>
+            <a:noFill/>
+          </a:ln>
+        </p:spPr>
+        <p:style>
+          <a:lnRef idx="2">
+            <a:schemeClr val="accent1">
+              <a:shade val="50000"/>
+            </a:schemeClr>
+          </a:lnRef>
+          <a:fillRef idx="1">
+            <a:schemeClr val="accent1"/>
+          </a:fillRef>
+          <a:effectRef idx="0">
+            <a:schemeClr val="accent1"/>
+          </a:effectRef>
+          <a:fontRef idx="minor">
+            <a:schemeClr val="lt1"/>
+          </a:fontRef>
+        </p:style>
+        <p:txBody>
+          <a:bodyPr rtlCol="0" anchor="ctr"/>
+          <a:lstStyle/>
+          <a:p>
+            <a:pPr algn="ctr"/>
+            <a:endParaRPr lang="en-US">
+              <a:solidFill>
+                <a:schemeClr val="tx1"/>
+              </a:solidFill>
+            </a:endParaRPr>
+          </a:p>
+        </p:txBody>
+      </p:sp>
     </p:spTree>
     <p:extLst>
       <p:ext uri="{BB962C8B-B14F-4D97-AF65-F5344CB8AC3E}">
         <p14:creationId xmlns:p14="http://schemas.microsoft.com/office/powerpoint/2010/main" val="1681692777"/>
+      </p:ext>
+    </p:extLst>
+  </p:cSld>
+  <p:clrMapOvr>
+    <a:masterClrMapping/>
+  </p:clrMapOvr>
+</p:sld>
+</file>
+
+<file path=ppt/slides/slide2.xml><?xml version="1.0" encoding="utf-8"?>
+<p:sld xmlns:a="http://schemas.openxmlformats.org/drawingml/2006/main" xmlns:r="http://schemas.openxmlformats.org/officeDocument/2006/relationships" xmlns:p="http://schemas.openxmlformats.org/presentationml/2006/main">
+  <p:cSld>
+    <p:spTree>
+      <p:nvGrpSpPr>
+        <p:cNvPr id="1" name=""/>
+        <p:cNvGrpSpPr/>
+        <p:nvPr/>
+      </p:nvGrpSpPr>
+      <p:grpSpPr>
+        <a:xfrm>
+          <a:off x="0" y="0"/>
+          <a:ext cx="0" cy="0"/>
+          <a:chOff x="0" y="0"/>
+          <a:chExt cx="0" cy="0"/>
+        </a:xfrm>
+      </p:grpSpPr>
+      <p:sp>
+        <p:nvSpPr>
+          <p:cNvPr id="5" name="Rectangle 4"/>
+          <p:cNvSpPr/>
+          <p:nvPr/>
+        </p:nvSpPr>
+        <p:spPr>
+          <a:xfrm>
+            <a:off x="2603715" y="3022169"/>
+            <a:ext cx="3952068" cy="836909"/>
+          </a:xfrm>
+          <a:prstGeom prst="rect">
+            <a:avLst/>
+          </a:prstGeom>
+        </p:spPr>
+        <p:style>
+          <a:lnRef idx="2">
+            <a:schemeClr val="accent1">
+              <a:shade val="50000"/>
+            </a:schemeClr>
+          </a:lnRef>
+          <a:fillRef idx="1">
+            <a:schemeClr val="accent1"/>
+          </a:fillRef>
+          <a:effectRef idx="0">
+            <a:schemeClr val="accent1"/>
+          </a:effectRef>
+          <a:fontRef idx="minor">
+            <a:schemeClr val="lt1"/>
+          </a:fontRef>
+        </p:style>
+        <p:txBody>
+          <a:bodyPr rtlCol="0" anchor="ctr"/>
+          <a:lstStyle/>
+          <a:p>
+            <a:pPr algn="ctr"/>
+            <a:endParaRPr lang="en-US"/>
+          </a:p>
+        </p:txBody>
+      </p:sp>
+      <p:pic>
+        <p:nvPicPr>
+          <p:cNvPr id="2" name="Picture 1"/>
+          <p:cNvPicPr>
+            <a:picLocks noChangeAspect="1"/>
+          </p:cNvPicPr>
+          <p:nvPr/>
+        </p:nvPicPr>
+        <p:blipFill>
+          <a:blip r:embed="rId2">
+            <a:biLevel thresh="25000"/>
+            <a:extLst>
+              <a:ext uri="{28A0092B-C50C-407E-A947-70E740481C1C}">
+                <a14:useLocalDpi xmlns:a14="http://schemas.microsoft.com/office/drawing/2010/main" val="0"/>
+              </a:ext>
+            </a:extLst>
+          </a:blip>
+          <a:stretch>
+            <a:fillRect/>
+          </a:stretch>
+        </p:blipFill>
+        <p:spPr>
+          <a:xfrm>
+            <a:off x="2990114" y="3200400"/>
+            <a:ext cx="349920" cy="324000"/>
+          </a:xfrm>
+          <a:prstGeom prst="rect">
+            <a:avLst/>
+          </a:prstGeom>
+        </p:spPr>
+      </p:pic>
+      <p:pic>
+        <p:nvPicPr>
+          <p:cNvPr id="3" name="Picture 2"/>
+          <p:cNvPicPr>
+            <a:picLocks noChangeAspect="1"/>
+          </p:cNvPicPr>
+          <p:nvPr/>
+        </p:nvPicPr>
+        <p:blipFill>
+          <a:blip r:embed="rId3">
+            <a:biLevel thresh="25000"/>
+            <a:extLst>
+              <a:ext uri="{28A0092B-C50C-407E-A947-70E740481C1C}">
+                <a14:useLocalDpi xmlns:a14="http://schemas.microsoft.com/office/drawing/2010/main" val="0"/>
+              </a:ext>
+            </a:extLst>
+          </a:blip>
+          <a:stretch>
+            <a:fillRect/>
+          </a:stretch>
+        </p:blipFill>
+        <p:spPr>
+          <a:xfrm>
+            <a:off x="4361184" y="3200400"/>
+            <a:ext cx="324000" cy="324000"/>
+          </a:xfrm>
+          <a:prstGeom prst="rect">
+            <a:avLst/>
+          </a:prstGeom>
+        </p:spPr>
+      </p:pic>
+      <p:pic>
+        <p:nvPicPr>
+          <p:cNvPr id="4" name="Picture 3"/>
+          <p:cNvPicPr>
+            <a:picLocks noChangeAspect="1"/>
+          </p:cNvPicPr>
+          <p:nvPr/>
+        </p:nvPicPr>
+        <p:blipFill>
+          <a:blip r:embed="rId4">
+            <a:lum bright="70000" contrast="-70000"/>
+            <a:extLst>
+              <a:ext uri="{28A0092B-C50C-407E-A947-70E740481C1C}">
+                <a14:useLocalDpi xmlns:a14="http://schemas.microsoft.com/office/drawing/2010/main" val="0"/>
+              </a:ext>
+            </a:extLst>
+          </a:blip>
+          <a:stretch>
+            <a:fillRect/>
+          </a:stretch>
+        </p:blipFill>
+        <p:spPr>
+          <a:xfrm>
+            <a:off x="5706334" y="3182400"/>
+            <a:ext cx="360000" cy="360000"/>
+          </a:xfrm>
+          <a:prstGeom prst="rect">
+            <a:avLst/>
+          </a:prstGeom>
+        </p:spPr>
+      </p:pic>
+      <p:sp>
+        <p:nvSpPr>
+          <p:cNvPr id="6" name="Frame 5"/>
+          <p:cNvSpPr/>
+          <p:nvPr/>
+        </p:nvSpPr>
+        <p:spPr>
+          <a:xfrm>
+            <a:off x="8177460" y="3524400"/>
+            <a:ext cx="792000" cy="792000"/>
+          </a:xfrm>
+          <a:prstGeom prst="frame">
+            <a:avLst>
+              <a:gd name="adj1" fmla="val 13342"/>
+            </a:avLst>
+          </a:prstGeom>
+          <a:ln>
+            <a:noFill/>
+          </a:ln>
+        </p:spPr>
+        <p:style>
+          <a:lnRef idx="2">
+            <a:schemeClr val="accent1">
+              <a:shade val="50000"/>
+            </a:schemeClr>
+          </a:lnRef>
+          <a:fillRef idx="1">
+            <a:schemeClr val="accent1"/>
+          </a:fillRef>
+          <a:effectRef idx="0">
+            <a:schemeClr val="accent1"/>
+          </a:effectRef>
+          <a:fontRef idx="minor">
+            <a:schemeClr val="lt1"/>
+          </a:fontRef>
+        </p:style>
+        <p:txBody>
+          <a:bodyPr rtlCol="0" anchor="ctr"/>
+          <a:lstStyle/>
+          <a:p>
+            <a:pPr algn="ctr"/>
+            <a:endParaRPr lang="en-US">
+              <a:solidFill>
+                <a:schemeClr val="tx1"/>
+              </a:solidFill>
+            </a:endParaRPr>
+          </a:p>
+        </p:txBody>
+      </p:sp>
+      <p:sp>
+        <p:nvSpPr>
+          <p:cNvPr id="7" name="Rectangle 6"/>
+          <p:cNvSpPr/>
+          <p:nvPr/>
+        </p:nvSpPr>
+        <p:spPr>
+          <a:xfrm>
+            <a:off x="8465460" y="3812400"/>
+            <a:ext cx="216000" cy="216000"/>
+          </a:xfrm>
+          <a:prstGeom prst="rect">
+            <a:avLst/>
+          </a:prstGeom>
+          <a:ln>
+            <a:noFill/>
+          </a:ln>
+        </p:spPr>
+        <p:style>
+          <a:lnRef idx="2">
+            <a:schemeClr val="accent1">
+              <a:shade val="50000"/>
+            </a:schemeClr>
+          </a:lnRef>
+          <a:fillRef idx="1">
+            <a:schemeClr val="accent1"/>
+          </a:fillRef>
+          <a:effectRef idx="0">
+            <a:schemeClr val="accent1"/>
+          </a:effectRef>
+          <a:fontRef idx="minor">
+            <a:schemeClr val="lt1"/>
+          </a:fontRef>
+        </p:style>
+        <p:txBody>
+          <a:bodyPr rtlCol="0" anchor="ctr"/>
+          <a:lstStyle/>
+          <a:p>
+            <a:pPr algn="ctr"/>
+            <a:endParaRPr lang="en-US"/>
+          </a:p>
+        </p:txBody>
+      </p:sp>
+      <p:sp>
+        <p:nvSpPr>
+          <p:cNvPr id="10" name="Rectangle 9"/>
+          <p:cNvSpPr/>
+          <p:nvPr/>
+        </p:nvSpPr>
+        <p:spPr>
+          <a:xfrm>
+            <a:off x="9437462" y="1523122"/>
+            <a:ext cx="180000" cy="180000"/>
+          </a:xfrm>
+          <a:prstGeom prst="rect">
+            <a:avLst/>
+          </a:prstGeom>
+          <a:ln>
+            <a:noFill/>
+          </a:ln>
+        </p:spPr>
+        <p:style>
+          <a:lnRef idx="2">
+            <a:schemeClr val="accent1">
+              <a:shade val="50000"/>
+            </a:schemeClr>
+          </a:lnRef>
+          <a:fillRef idx="1">
+            <a:schemeClr val="accent1"/>
+          </a:fillRef>
+          <a:effectRef idx="0">
+            <a:schemeClr val="accent1"/>
+          </a:effectRef>
+          <a:fontRef idx="minor">
+            <a:schemeClr val="lt1"/>
+          </a:fontRef>
+        </p:style>
+        <p:txBody>
+          <a:bodyPr rtlCol="0" anchor="ctr"/>
+          <a:lstStyle/>
+          <a:p>
+            <a:pPr algn="ctr"/>
+            <a:endParaRPr lang="en-US"/>
+          </a:p>
+        </p:txBody>
+      </p:sp>
+      <p:sp>
+        <p:nvSpPr>
+          <p:cNvPr id="32" name="Frame 31"/>
+          <p:cNvSpPr/>
+          <p:nvPr/>
+        </p:nvSpPr>
+        <p:spPr>
+          <a:xfrm>
+            <a:off x="9167462" y="1253122"/>
+            <a:ext cx="720000" cy="720000"/>
+          </a:xfrm>
+          <a:prstGeom prst="frame">
+            <a:avLst>
+              <a:gd name="adj1" fmla="val 13342"/>
+            </a:avLst>
+          </a:prstGeom>
+          <a:ln>
+            <a:noFill/>
+          </a:ln>
+        </p:spPr>
+        <p:style>
+          <a:lnRef idx="2">
+            <a:schemeClr val="accent1">
+              <a:shade val="50000"/>
+            </a:schemeClr>
+          </a:lnRef>
+          <a:fillRef idx="1">
+            <a:schemeClr val="accent1"/>
+          </a:fillRef>
+          <a:effectRef idx="0">
+            <a:schemeClr val="accent1"/>
+          </a:effectRef>
+          <a:fontRef idx="minor">
+            <a:schemeClr val="lt1"/>
+          </a:fontRef>
+        </p:style>
+        <p:txBody>
+          <a:bodyPr rtlCol="0" anchor="ctr"/>
+          <a:lstStyle/>
+          <a:p>
+            <a:pPr algn="ctr"/>
+            <a:endParaRPr lang="en-US">
+              <a:solidFill>
+                <a:schemeClr val="tx1"/>
+              </a:solidFill>
+            </a:endParaRPr>
+          </a:p>
+        </p:txBody>
+      </p:sp>
+      <p:sp>
+        <p:nvSpPr>
+          <p:cNvPr id="33" name="Rectangle 32"/>
+          <p:cNvSpPr/>
+          <p:nvPr/>
+        </p:nvSpPr>
+        <p:spPr>
+          <a:xfrm>
+            <a:off x="8177462" y="3524400"/>
+            <a:ext cx="1800000" cy="1800000"/>
+          </a:xfrm>
+          <a:prstGeom prst="rect">
+            <a:avLst/>
+          </a:prstGeom>
+          <a:noFill/>
+        </p:spPr>
+        <p:style>
+          <a:lnRef idx="2">
+            <a:schemeClr val="accent1">
+              <a:shade val="50000"/>
+            </a:schemeClr>
+          </a:lnRef>
+          <a:fillRef idx="1">
+            <a:schemeClr val="accent1"/>
+          </a:fillRef>
+          <a:effectRef idx="0">
+            <a:schemeClr val="accent1"/>
+          </a:effectRef>
+          <a:fontRef idx="minor">
+            <a:schemeClr val="lt1"/>
+          </a:fontRef>
+        </p:style>
+        <p:txBody>
+          <a:bodyPr rtlCol="0" anchor="ctr"/>
+          <a:lstStyle/>
+          <a:p>
+            <a:pPr algn="ctr"/>
+            <a:endParaRPr lang="en-US"/>
+          </a:p>
+        </p:txBody>
+      </p:sp>
+      <p:sp>
+        <p:nvSpPr>
+          <p:cNvPr id="36" name="Frame 35"/>
+          <p:cNvSpPr/>
+          <p:nvPr/>
+        </p:nvSpPr>
+        <p:spPr>
+          <a:xfrm>
+            <a:off x="8177460" y="4532400"/>
+            <a:ext cx="792000" cy="792000"/>
+          </a:xfrm>
+          <a:prstGeom prst="frame">
+            <a:avLst>
+              <a:gd name="adj1" fmla="val 13342"/>
+            </a:avLst>
+          </a:prstGeom>
+          <a:ln>
+            <a:noFill/>
+          </a:ln>
+        </p:spPr>
+        <p:style>
+          <a:lnRef idx="2">
+            <a:schemeClr val="accent1">
+              <a:shade val="50000"/>
+            </a:schemeClr>
+          </a:lnRef>
+          <a:fillRef idx="1">
+            <a:schemeClr val="accent1"/>
+          </a:fillRef>
+          <a:effectRef idx="0">
+            <a:schemeClr val="accent1"/>
+          </a:effectRef>
+          <a:fontRef idx="minor">
+            <a:schemeClr val="lt1"/>
+          </a:fontRef>
+        </p:style>
+        <p:txBody>
+          <a:bodyPr rtlCol="0" anchor="ctr"/>
+          <a:lstStyle/>
+          <a:p>
+            <a:pPr algn="ctr"/>
+            <a:endParaRPr lang="en-US">
+              <a:solidFill>
+                <a:schemeClr val="tx1"/>
+              </a:solidFill>
+            </a:endParaRPr>
+          </a:p>
+        </p:txBody>
+      </p:sp>
+      <p:sp>
+        <p:nvSpPr>
+          <p:cNvPr id="37" name="Rectangle 36"/>
+          <p:cNvSpPr/>
+          <p:nvPr/>
+        </p:nvSpPr>
+        <p:spPr>
+          <a:xfrm>
+            <a:off x="8465460" y="4820400"/>
+            <a:ext cx="216000" cy="216000"/>
+          </a:xfrm>
+          <a:prstGeom prst="rect">
+            <a:avLst/>
+          </a:prstGeom>
+          <a:ln>
+            <a:noFill/>
+          </a:ln>
+        </p:spPr>
+        <p:style>
+          <a:lnRef idx="2">
+            <a:schemeClr val="accent1">
+              <a:shade val="50000"/>
+            </a:schemeClr>
+          </a:lnRef>
+          <a:fillRef idx="1">
+            <a:schemeClr val="accent1"/>
+          </a:fillRef>
+          <a:effectRef idx="0">
+            <a:schemeClr val="accent1"/>
+          </a:effectRef>
+          <a:fontRef idx="minor">
+            <a:schemeClr val="lt1"/>
+          </a:fontRef>
+        </p:style>
+        <p:txBody>
+          <a:bodyPr rtlCol="0" anchor="ctr"/>
+          <a:lstStyle/>
+          <a:p>
+            <a:pPr algn="ctr"/>
+            <a:endParaRPr lang="en-US"/>
+          </a:p>
+        </p:txBody>
+      </p:sp>
+      <p:sp>
+        <p:nvSpPr>
+          <p:cNvPr id="38" name="Frame 37"/>
+          <p:cNvSpPr/>
+          <p:nvPr/>
+        </p:nvSpPr>
+        <p:spPr>
+          <a:xfrm>
+            <a:off x="9185462" y="3524400"/>
+            <a:ext cx="792000" cy="792000"/>
+          </a:xfrm>
+          <a:prstGeom prst="frame">
+            <a:avLst>
+              <a:gd name="adj1" fmla="val 13342"/>
+            </a:avLst>
+          </a:prstGeom>
+          <a:ln>
+            <a:noFill/>
+          </a:ln>
+        </p:spPr>
+        <p:style>
+          <a:lnRef idx="2">
+            <a:schemeClr val="accent1">
+              <a:shade val="50000"/>
+            </a:schemeClr>
+          </a:lnRef>
+          <a:fillRef idx="1">
+            <a:schemeClr val="accent1"/>
+          </a:fillRef>
+          <a:effectRef idx="0">
+            <a:schemeClr val="accent1"/>
+          </a:effectRef>
+          <a:fontRef idx="minor">
+            <a:schemeClr val="lt1"/>
+          </a:fontRef>
+        </p:style>
+        <p:txBody>
+          <a:bodyPr rtlCol="0" anchor="ctr"/>
+          <a:lstStyle/>
+          <a:p>
+            <a:pPr algn="ctr"/>
+            <a:endParaRPr lang="en-US">
+              <a:solidFill>
+                <a:schemeClr val="tx1"/>
+              </a:solidFill>
+            </a:endParaRPr>
+          </a:p>
+        </p:txBody>
+      </p:sp>
+      <p:sp>
+        <p:nvSpPr>
+          <p:cNvPr id="39" name="Rectangle 38"/>
+          <p:cNvSpPr/>
+          <p:nvPr/>
+        </p:nvSpPr>
+        <p:spPr>
+          <a:xfrm>
+            <a:off x="9473462" y="3812400"/>
+            <a:ext cx="216000" cy="216000"/>
+          </a:xfrm>
+          <a:prstGeom prst="rect">
+            <a:avLst/>
+          </a:prstGeom>
+          <a:ln>
+            <a:noFill/>
+          </a:ln>
+        </p:spPr>
+        <p:style>
+          <a:lnRef idx="2">
+            <a:schemeClr val="accent1">
+              <a:shade val="50000"/>
+            </a:schemeClr>
+          </a:lnRef>
+          <a:fillRef idx="1">
+            <a:schemeClr val="accent1"/>
+          </a:fillRef>
+          <a:effectRef idx="0">
+            <a:schemeClr val="accent1"/>
+          </a:effectRef>
+          <a:fontRef idx="minor">
+            <a:schemeClr val="lt1"/>
+          </a:fontRef>
+        </p:style>
+        <p:txBody>
+          <a:bodyPr rtlCol="0" anchor="ctr"/>
+          <a:lstStyle/>
+          <a:p>
+            <a:pPr algn="ctr"/>
+            <a:endParaRPr lang="en-US"/>
+          </a:p>
+        </p:txBody>
+      </p:sp>
+      <p:sp>
+        <p:nvSpPr>
+          <p:cNvPr id="40" name="Rectangle 39"/>
+          <p:cNvSpPr/>
+          <p:nvPr/>
+        </p:nvSpPr>
+        <p:spPr>
+          <a:xfrm>
+            <a:off x="9185462" y="4532400"/>
+            <a:ext cx="504000" cy="107021"/>
+          </a:xfrm>
+          <a:prstGeom prst="rect">
+            <a:avLst/>
+          </a:prstGeom>
+          <a:ln>
+            <a:noFill/>
+          </a:ln>
+        </p:spPr>
+        <p:style>
+          <a:lnRef idx="2">
+            <a:schemeClr val="accent1">
+              <a:shade val="50000"/>
+            </a:schemeClr>
+          </a:lnRef>
+          <a:fillRef idx="1">
+            <a:schemeClr val="accent1"/>
+          </a:fillRef>
+          <a:effectRef idx="0">
+            <a:schemeClr val="accent1"/>
+          </a:effectRef>
+          <a:fontRef idx="minor">
+            <a:schemeClr val="lt1"/>
+          </a:fontRef>
+        </p:style>
+        <p:txBody>
+          <a:bodyPr rtlCol="0" anchor="ctr"/>
+          <a:lstStyle/>
+          <a:p>
+            <a:pPr algn="ctr"/>
+            <a:endParaRPr lang="en-US"/>
+          </a:p>
+        </p:txBody>
+      </p:sp>
+      <p:sp>
+        <p:nvSpPr>
+          <p:cNvPr id="41" name="Rectangle 40"/>
+          <p:cNvSpPr/>
+          <p:nvPr/>
+        </p:nvSpPr>
+        <p:spPr>
+          <a:xfrm rot="5400000">
+            <a:off x="9049983" y="4696105"/>
+            <a:ext cx="377975" cy="107021"/>
+          </a:xfrm>
+          <a:prstGeom prst="rect">
+            <a:avLst/>
+          </a:prstGeom>
+          <a:ln>
+            <a:noFill/>
+          </a:ln>
+        </p:spPr>
+        <p:style>
+          <a:lnRef idx="2">
+            <a:schemeClr val="accent1">
+              <a:shade val="50000"/>
+            </a:schemeClr>
+          </a:lnRef>
+          <a:fillRef idx="1">
+            <a:schemeClr val="accent1"/>
+          </a:fillRef>
+          <a:effectRef idx="0">
+            <a:schemeClr val="accent1"/>
+          </a:effectRef>
+          <a:fontRef idx="minor">
+            <a:schemeClr val="lt1"/>
+          </a:fontRef>
+        </p:style>
+        <p:txBody>
+          <a:bodyPr rtlCol="0" anchor="ctr"/>
+          <a:lstStyle/>
+          <a:p>
+            <a:pPr algn="ctr"/>
+            <a:endParaRPr lang="en-US"/>
+          </a:p>
+        </p:txBody>
+      </p:sp>
+      <p:sp>
+        <p:nvSpPr>
+          <p:cNvPr id="42" name="Rectangle 41"/>
+          <p:cNvSpPr/>
+          <p:nvPr/>
+        </p:nvSpPr>
+        <p:spPr>
+          <a:xfrm rot="5400000">
+            <a:off x="9532460" y="4597411"/>
+            <a:ext cx="206983" cy="107021"/>
+          </a:xfrm>
+          <a:prstGeom prst="rect">
+            <a:avLst/>
+          </a:prstGeom>
+          <a:ln>
+            <a:noFill/>
+          </a:ln>
+        </p:spPr>
+        <p:style>
+          <a:lnRef idx="2">
+            <a:schemeClr val="accent1">
+              <a:shade val="50000"/>
+            </a:schemeClr>
+          </a:lnRef>
+          <a:fillRef idx="1">
+            <a:schemeClr val="accent1"/>
+          </a:fillRef>
+          <a:effectRef idx="0">
+            <a:schemeClr val="accent1"/>
+          </a:effectRef>
+          <a:fontRef idx="minor">
+            <a:schemeClr val="lt1"/>
+          </a:fontRef>
+        </p:style>
+        <p:txBody>
+          <a:bodyPr rtlCol="0" anchor="ctr"/>
+          <a:lstStyle/>
+          <a:p>
+            <a:pPr algn="ctr"/>
+            <a:endParaRPr lang="en-US"/>
+          </a:p>
+        </p:txBody>
+      </p:sp>
+      <p:sp>
+        <p:nvSpPr>
+          <p:cNvPr id="43" name="Rectangle 42"/>
+          <p:cNvSpPr/>
+          <p:nvPr/>
+        </p:nvSpPr>
+        <p:spPr>
+          <a:xfrm>
+            <a:off x="9402319" y="4843373"/>
+            <a:ext cx="571003" cy="107021"/>
+          </a:xfrm>
+          <a:prstGeom prst="rect">
+            <a:avLst/>
+          </a:prstGeom>
+          <a:ln>
+            <a:noFill/>
+          </a:ln>
+        </p:spPr>
+        <p:style>
+          <a:lnRef idx="2">
+            <a:schemeClr val="accent1">
+              <a:shade val="50000"/>
+            </a:schemeClr>
+          </a:lnRef>
+          <a:fillRef idx="1">
+            <a:schemeClr val="accent1"/>
+          </a:fillRef>
+          <a:effectRef idx="0">
+            <a:schemeClr val="accent1"/>
+          </a:effectRef>
+          <a:fontRef idx="minor">
+            <a:schemeClr val="lt1"/>
+          </a:fontRef>
+        </p:style>
+        <p:txBody>
+          <a:bodyPr rtlCol="0" anchor="ctr"/>
+          <a:lstStyle/>
+          <a:p>
+            <a:pPr algn="ctr"/>
+            <a:endParaRPr lang="en-US"/>
+          </a:p>
+        </p:txBody>
+      </p:sp>
+      <p:sp>
+        <p:nvSpPr>
+          <p:cNvPr id="44" name="Rectangle 43"/>
+          <p:cNvSpPr/>
+          <p:nvPr/>
+        </p:nvSpPr>
+        <p:spPr>
+          <a:xfrm rot="5400000">
+            <a:off x="9791639" y="4718221"/>
+            <a:ext cx="264621" cy="107021"/>
+          </a:xfrm>
+          <a:prstGeom prst="rect">
+            <a:avLst/>
+          </a:prstGeom>
+          <a:ln>
+            <a:noFill/>
+          </a:ln>
+        </p:spPr>
+        <p:style>
+          <a:lnRef idx="2">
+            <a:schemeClr val="accent1">
+              <a:shade val="50000"/>
+            </a:schemeClr>
+          </a:lnRef>
+          <a:fillRef idx="1">
+            <a:schemeClr val="accent1"/>
+          </a:fillRef>
+          <a:effectRef idx="0">
+            <a:schemeClr val="accent1"/>
+          </a:effectRef>
+          <a:fontRef idx="minor">
+            <a:schemeClr val="lt1"/>
+          </a:fontRef>
+        </p:style>
+        <p:txBody>
+          <a:bodyPr rtlCol="0" anchor="ctr"/>
+          <a:lstStyle/>
+          <a:p>
+            <a:pPr algn="ctr"/>
+            <a:endParaRPr lang="en-US"/>
+          </a:p>
+        </p:txBody>
+      </p:sp>
+      <p:sp>
+        <p:nvSpPr>
+          <p:cNvPr id="46" name="Rectangle 45"/>
+          <p:cNvSpPr/>
+          <p:nvPr/>
+        </p:nvSpPr>
+        <p:spPr>
+          <a:xfrm>
+            <a:off x="9185460" y="5215614"/>
+            <a:ext cx="396981" cy="107021"/>
+          </a:xfrm>
+          <a:prstGeom prst="rect">
+            <a:avLst/>
+          </a:prstGeom>
+          <a:ln>
+            <a:noFill/>
+          </a:ln>
+        </p:spPr>
+        <p:style>
+          <a:lnRef idx="2">
+            <a:schemeClr val="accent1">
+              <a:shade val="50000"/>
+            </a:schemeClr>
+          </a:lnRef>
+          <a:fillRef idx="1">
+            <a:schemeClr val="accent1"/>
+          </a:fillRef>
+          <a:effectRef idx="0">
+            <a:schemeClr val="accent1"/>
+          </a:effectRef>
+          <a:fontRef idx="minor">
+            <a:schemeClr val="lt1"/>
+          </a:fontRef>
+        </p:style>
+        <p:txBody>
+          <a:bodyPr rtlCol="0" anchor="ctr"/>
+          <a:lstStyle/>
+          <a:p>
+            <a:pPr algn="ctr"/>
+            <a:endParaRPr lang="en-US"/>
+          </a:p>
+        </p:txBody>
+      </p:sp>
+      <p:sp>
+        <p:nvSpPr>
+          <p:cNvPr id="47" name="Rectangle 46"/>
+          <p:cNvSpPr/>
+          <p:nvPr/>
+        </p:nvSpPr>
+        <p:spPr>
+          <a:xfrm rot="5400000">
+            <a:off x="9135479" y="5166042"/>
+            <a:ext cx="206983" cy="107021"/>
+          </a:xfrm>
+          <a:prstGeom prst="rect">
+            <a:avLst/>
+          </a:prstGeom>
+          <a:ln>
+            <a:noFill/>
+          </a:ln>
+        </p:spPr>
+        <p:style>
+          <a:lnRef idx="2">
+            <a:schemeClr val="accent1">
+              <a:shade val="50000"/>
+            </a:schemeClr>
+          </a:lnRef>
+          <a:fillRef idx="1">
+            <a:schemeClr val="accent1"/>
+          </a:fillRef>
+          <a:effectRef idx="0">
+            <a:schemeClr val="accent1"/>
+          </a:effectRef>
+          <a:fontRef idx="minor">
+            <a:schemeClr val="lt1"/>
+          </a:fontRef>
+        </p:style>
+        <p:txBody>
+          <a:bodyPr rtlCol="0" anchor="ctr"/>
+          <a:lstStyle/>
+          <a:p>
+            <a:pPr algn="ctr"/>
+            <a:endParaRPr lang="en-US"/>
+          </a:p>
+        </p:txBody>
+      </p:sp>
+      <p:sp>
+        <p:nvSpPr>
+          <p:cNvPr id="48" name="Rectangle 47"/>
+          <p:cNvSpPr/>
+          <p:nvPr/>
+        </p:nvSpPr>
+        <p:spPr>
+          <a:xfrm rot="5400000">
+            <a:off x="9385249" y="5124612"/>
+            <a:ext cx="283445" cy="107021"/>
+          </a:xfrm>
+          <a:prstGeom prst="rect">
+            <a:avLst/>
+          </a:prstGeom>
+          <a:ln>
+            <a:noFill/>
+          </a:ln>
+        </p:spPr>
+        <p:style>
+          <a:lnRef idx="2">
+            <a:schemeClr val="accent1">
+              <a:shade val="50000"/>
+            </a:schemeClr>
+          </a:lnRef>
+          <a:fillRef idx="1">
+            <a:schemeClr val="accent1"/>
+          </a:fillRef>
+          <a:effectRef idx="0">
+            <a:schemeClr val="accent1"/>
+          </a:effectRef>
+          <a:fontRef idx="minor">
+            <a:schemeClr val="lt1"/>
+          </a:fontRef>
+        </p:style>
+        <p:txBody>
+          <a:bodyPr rtlCol="0" anchor="ctr"/>
+          <a:lstStyle/>
+          <a:p>
+            <a:pPr algn="ctr"/>
+            <a:endParaRPr lang="en-US"/>
+          </a:p>
+        </p:txBody>
+      </p:sp>
+      <p:sp>
+        <p:nvSpPr>
+          <p:cNvPr id="49" name="Rectangle 48"/>
+          <p:cNvSpPr/>
+          <p:nvPr/>
+        </p:nvSpPr>
+        <p:spPr>
+          <a:xfrm>
+            <a:off x="9485281" y="5033613"/>
+            <a:ext cx="488042" cy="107021"/>
+          </a:xfrm>
+          <a:prstGeom prst="rect">
+            <a:avLst/>
+          </a:prstGeom>
+          <a:ln>
+            <a:noFill/>
+          </a:ln>
+        </p:spPr>
+        <p:style>
+          <a:lnRef idx="2">
+            <a:schemeClr val="accent1">
+              <a:shade val="50000"/>
+            </a:schemeClr>
+          </a:lnRef>
+          <a:fillRef idx="1">
+            <a:schemeClr val="accent1"/>
+          </a:fillRef>
+          <a:effectRef idx="0">
+            <a:schemeClr val="accent1"/>
+          </a:effectRef>
+          <a:fontRef idx="minor">
+            <a:schemeClr val="lt1"/>
+          </a:fontRef>
+        </p:style>
+        <p:txBody>
+          <a:bodyPr rtlCol="0" anchor="ctr"/>
+          <a:lstStyle/>
+          <a:p>
+            <a:pPr algn="ctr"/>
+            <a:endParaRPr lang="en-US"/>
+          </a:p>
+        </p:txBody>
+      </p:sp>
+      <p:sp>
+        <p:nvSpPr>
+          <p:cNvPr id="50" name="Rectangle 49"/>
+          <p:cNvSpPr/>
+          <p:nvPr/>
+        </p:nvSpPr>
+        <p:spPr>
+          <a:xfrm>
+            <a:off x="9764509" y="5215613"/>
+            <a:ext cx="211860" cy="107021"/>
+          </a:xfrm>
+          <a:prstGeom prst="rect">
+            <a:avLst/>
+          </a:prstGeom>
+          <a:ln>
+            <a:noFill/>
+          </a:ln>
+        </p:spPr>
+        <p:style>
+          <a:lnRef idx="2">
+            <a:schemeClr val="accent1">
+              <a:shade val="50000"/>
+            </a:schemeClr>
+          </a:lnRef>
+          <a:fillRef idx="1">
+            <a:schemeClr val="accent1"/>
+          </a:fillRef>
+          <a:effectRef idx="0">
+            <a:schemeClr val="accent1"/>
+          </a:effectRef>
+          <a:fontRef idx="minor">
+            <a:schemeClr val="lt1"/>
+          </a:fontRef>
+        </p:style>
+        <p:txBody>
+          <a:bodyPr rtlCol="0" anchor="ctr"/>
+          <a:lstStyle/>
+          <a:p>
+            <a:pPr algn="ctr"/>
+            <a:endParaRPr lang="en-US"/>
+          </a:p>
+        </p:txBody>
+      </p:sp>
+    </p:spTree>
+    <p:extLst>
+      <p:ext uri="{BB962C8B-B14F-4D97-AF65-F5344CB8AC3E}">
+        <p14:creationId xmlns:p14="http://schemas.microsoft.com/office/powerpoint/2010/main" val="749241873"/>
       </p:ext>
     </p:extLst>
   </p:cSld>

--- a/pics/pics.pptx
+++ b/pics/pics.pptx
@@ -6,6 +6,7 @@
   </p:sldMasterIdLst>
   <p:sldIdLst>
     <p:sldId id="256" r:id="rId2"/>
+    <p:sldId id="257" r:id="rId3"/>
   </p:sldIdLst>
   <p:sldSz cx="12192000" cy="6858000"/>
   <p:notesSz cx="6858000" cy="9144000"/>
@@ -243,7 +244,7 @@
           <a:p>
             <a:fld id="{E65E778F-C4EB-6749-96E0-A0E7AA333788}" type="datetimeFigureOut">
               <a:rPr lang="en-US" smtClean="0"/>
-              <a:t>9/27/18</a:t>
+              <a:t>10/5/18</a:t>
             </a:fld>
             <a:endParaRPr lang="en-US"/>
           </a:p>
@@ -413,7 +414,7 @@
           <a:p>
             <a:fld id="{E65E778F-C4EB-6749-96E0-A0E7AA333788}" type="datetimeFigureOut">
               <a:rPr lang="en-US" smtClean="0"/>
-              <a:t>9/27/18</a:t>
+              <a:t>10/5/18</a:t>
             </a:fld>
             <a:endParaRPr lang="en-US"/>
           </a:p>
@@ -593,7 +594,7 @@
           <a:p>
             <a:fld id="{E65E778F-C4EB-6749-96E0-A0E7AA333788}" type="datetimeFigureOut">
               <a:rPr lang="en-US" smtClean="0"/>
-              <a:t>9/27/18</a:t>
+              <a:t>10/5/18</a:t>
             </a:fld>
             <a:endParaRPr lang="en-US"/>
           </a:p>
@@ -763,7 +764,7 @@
           <a:p>
             <a:fld id="{E65E778F-C4EB-6749-96E0-A0E7AA333788}" type="datetimeFigureOut">
               <a:rPr lang="en-US" smtClean="0"/>
-              <a:t>9/27/18</a:t>
+              <a:t>10/5/18</a:t>
             </a:fld>
             <a:endParaRPr lang="en-US"/>
           </a:p>
@@ -1009,7 +1010,7 @@
           <a:p>
             <a:fld id="{E65E778F-C4EB-6749-96E0-A0E7AA333788}" type="datetimeFigureOut">
               <a:rPr lang="en-US" smtClean="0"/>
-              <a:t>9/27/18</a:t>
+              <a:t>10/5/18</a:t>
             </a:fld>
             <a:endParaRPr lang="en-US"/>
           </a:p>
@@ -1241,7 +1242,7 @@
           <a:p>
             <a:fld id="{E65E778F-C4EB-6749-96E0-A0E7AA333788}" type="datetimeFigureOut">
               <a:rPr lang="en-US" smtClean="0"/>
-              <a:t>9/27/18</a:t>
+              <a:t>10/5/18</a:t>
             </a:fld>
             <a:endParaRPr lang="en-US"/>
           </a:p>
@@ -1608,7 +1609,7 @@
           <a:p>
             <a:fld id="{E65E778F-C4EB-6749-96E0-A0E7AA333788}" type="datetimeFigureOut">
               <a:rPr lang="en-US" smtClean="0"/>
-              <a:t>9/27/18</a:t>
+              <a:t>10/5/18</a:t>
             </a:fld>
             <a:endParaRPr lang="en-US"/>
           </a:p>
@@ -1726,7 +1727,7 @@
           <a:p>
             <a:fld id="{E65E778F-C4EB-6749-96E0-A0E7AA333788}" type="datetimeFigureOut">
               <a:rPr lang="en-US" smtClean="0"/>
-              <a:t>9/27/18</a:t>
+              <a:t>10/5/18</a:t>
             </a:fld>
             <a:endParaRPr lang="en-US"/>
           </a:p>
@@ -1821,7 +1822,7 @@
           <a:p>
             <a:fld id="{E65E778F-C4EB-6749-96E0-A0E7AA333788}" type="datetimeFigureOut">
               <a:rPr lang="en-US" smtClean="0"/>
-              <a:t>9/27/18</a:t>
+              <a:t>10/5/18</a:t>
             </a:fld>
             <a:endParaRPr lang="en-US"/>
           </a:p>
@@ -2098,7 +2099,7 @@
           <a:p>
             <a:fld id="{E65E778F-C4EB-6749-96E0-A0E7AA333788}" type="datetimeFigureOut">
               <a:rPr lang="en-US" smtClean="0"/>
-              <a:t>9/27/18</a:t>
+              <a:t>10/5/18</a:t>
             </a:fld>
             <a:endParaRPr lang="en-US"/>
           </a:p>
@@ -2351,7 +2352,7 @@
           <a:p>
             <a:fld id="{E65E778F-C4EB-6749-96E0-A0E7AA333788}" type="datetimeFigureOut">
               <a:rPr lang="en-US" smtClean="0"/>
-              <a:t>9/27/18</a:t>
+              <a:t>10/5/18</a:t>
             </a:fld>
             <a:endParaRPr lang="en-US"/>
           </a:p>
@@ -2564,7 +2565,7 @@
           <a:p>
             <a:fld id="{E65E778F-C4EB-6749-96E0-A0E7AA333788}" type="datetimeFigureOut">
               <a:rPr lang="en-US" smtClean="0"/>
-              <a:t>9/27/18</a:t>
+              <a:t>10/5/18</a:t>
             </a:fld>
             <a:endParaRPr lang="en-US"/>
           </a:p>
@@ -2971,6 +2972,50 @@
       </p:grpSpPr>
       <p:sp>
         <p:nvSpPr>
+          <p:cNvPr id="37" name="Rectangle 36"/>
+          <p:cNvSpPr/>
+          <p:nvPr/>
+        </p:nvSpPr>
+        <p:spPr>
+          <a:xfrm>
+            <a:off x="3789599" y="2091600"/>
+            <a:ext cx="450000" cy="450000"/>
+          </a:xfrm>
+          <a:prstGeom prst="rect">
+            <a:avLst/>
+          </a:prstGeom>
+          <a:noFill/>
+          <a:ln>
+            <a:noFill/>
+          </a:ln>
+        </p:spPr>
+        <p:style>
+          <a:lnRef idx="2">
+            <a:schemeClr val="accent1">
+              <a:shade val="50000"/>
+            </a:schemeClr>
+          </a:lnRef>
+          <a:fillRef idx="1">
+            <a:schemeClr val="accent1"/>
+          </a:fillRef>
+          <a:effectRef idx="0">
+            <a:schemeClr val="accent1"/>
+          </a:effectRef>
+          <a:fontRef idx="minor">
+            <a:schemeClr val="lt1"/>
+          </a:fontRef>
+        </p:style>
+        <p:txBody>
+          <a:bodyPr rtlCol="0" anchor="ctr"/>
+          <a:lstStyle/>
+          <a:p>
+            <a:pPr algn="ctr"/>
+            <a:endParaRPr lang="en-US"/>
+          </a:p>
+        </p:txBody>
+      </p:sp>
+      <p:sp>
+        <p:nvSpPr>
           <p:cNvPr id="6" name="Oval 5"/>
           <p:cNvSpPr/>
           <p:nvPr/>
@@ -3271,7 +3316,7 @@
           </a:xfrm>
           <a:prstGeom prst="frame">
             <a:avLst>
-              <a:gd name="adj1" fmla="val 21923"/>
+              <a:gd name="adj1" fmla="val 13342"/>
             </a:avLst>
           </a:prstGeom>
           <a:ln>
@@ -3358,7 +3403,7 @@
         </p:nvSpPr>
         <p:spPr>
           <a:xfrm>
-            <a:off x="4922267" y="5058811"/>
+            <a:off x="4895643" y="5055483"/>
             <a:ext cx="180000" cy="180000"/>
           </a:xfrm>
           <a:prstGeom prst="rect">
@@ -4341,19 +4386,17 @@
       </p:sp>
       <p:sp>
         <p:nvSpPr>
-          <p:cNvPr id="42" name="Frame 41"/>
+          <p:cNvPr id="14" name="Rectangle 13"/>
           <p:cNvSpPr/>
           <p:nvPr/>
         </p:nvSpPr>
         <p:spPr>
           <a:xfrm>
-            <a:off x="5894162" y="3528811"/>
-            <a:ext cx="720000" cy="720000"/>
-          </a:xfrm>
-          <a:prstGeom prst="frame">
-            <a:avLst>
-              <a:gd name="adj1" fmla="val 21923"/>
-            </a:avLst>
+            <a:off x="7237927" y="1371600"/>
+            <a:ext cx="360000" cy="360000"/>
+          </a:xfrm>
+          <a:prstGeom prst="rect">
+            <a:avLst/>
           </a:prstGeom>
           <a:ln>
             <a:noFill/>
@@ -4380,29 +4423,23 @@
           <a:lstStyle/>
           <a:p>
             <a:pPr algn="ctr"/>
-            <a:endParaRPr lang="en-US">
-              <a:solidFill>
-                <a:schemeClr val="tx1"/>
-              </a:solidFill>
-            </a:endParaRPr>
-          </a:p>
-        </p:txBody>
-      </p:sp>
-      <p:sp>
-        <p:nvSpPr>
-          <p:cNvPr id="43" name="Frame 42"/>
+            <a:endParaRPr lang="en-US"/>
+          </a:p>
+        </p:txBody>
+      </p:sp>
+      <p:sp>
+        <p:nvSpPr>
+          <p:cNvPr id="44" name="Rectangle 43"/>
           <p:cNvSpPr/>
           <p:nvPr/>
         </p:nvSpPr>
         <p:spPr>
           <a:xfrm>
-            <a:off x="4652267" y="4788811"/>
-            <a:ext cx="720000" cy="720000"/>
-          </a:xfrm>
-          <a:prstGeom prst="frame">
-            <a:avLst>
-              <a:gd name="adj1" fmla="val 21923"/>
-            </a:avLst>
+            <a:off x="7237927" y="2088811"/>
+            <a:ext cx="360000" cy="360000"/>
+          </a:xfrm>
+          <a:prstGeom prst="rect">
+            <a:avLst/>
           </a:prstGeom>
           <a:ln>
             <a:noFill/>
@@ -4429,23 +4466,19 @@
           <a:lstStyle/>
           <a:p>
             <a:pPr algn="ctr"/>
-            <a:endParaRPr lang="en-US">
-              <a:solidFill>
-                <a:schemeClr val="tx1"/>
-              </a:solidFill>
-            </a:endParaRPr>
-          </a:p>
-        </p:txBody>
-      </p:sp>
-      <p:sp>
-        <p:nvSpPr>
-          <p:cNvPr id="14" name="Rectangle 13"/>
+            <a:endParaRPr lang="en-US"/>
+          </a:p>
+        </p:txBody>
+      </p:sp>
+      <p:sp>
+        <p:nvSpPr>
+          <p:cNvPr id="45" name="Rectangle 44"/>
           <p:cNvSpPr/>
           <p:nvPr/>
         </p:nvSpPr>
         <p:spPr>
           <a:xfrm>
-            <a:off x="7237927" y="1371600"/>
+            <a:off x="7237927" y="2811600"/>
             <a:ext cx="360000" cy="360000"/>
           </a:xfrm>
           <a:prstGeom prst="rect">
@@ -4482,14 +4515,14 @@
       </p:sp>
       <p:sp>
         <p:nvSpPr>
-          <p:cNvPr id="44" name="Rectangle 43"/>
+          <p:cNvPr id="47" name="Rectangle 46"/>
           <p:cNvSpPr/>
           <p:nvPr/>
         </p:nvSpPr>
         <p:spPr>
           <a:xfrm>
-            <a:off x="7250198" y="2091600"/>
-            <a:ext cx="360000" cy="360000"/>
+            <a:off x="7777927" y="1441318"/>
+            <a:ext cx="1404710" cy="216000"/>
           </a:xfrm>
           <a:prstGeom prst="rect">
             <a:avLst/>
@@ -4525,14 +4558,14 @@
       </p:sp>
       <p:sp>
         <p:nvSpPr>
-          <p:cNvPr id="45" name="Rectangle 44"/>
+          <p:cNvPr id="48" name="Rectangle 47"/>
           <p:cNvSpPr/>
           <p:nvPr/>
         </p:nvSpPr>
         <p:spPr>
           <a:xfrm>
-            <a:off x="7250198" y="2811600"/>
-            <a:ext cx="360000" cy="360000"/>
+            <a:off x="7777927" y="2163562"/>
+            <a:ext cx="1404710" cy="216000"/>
           </a:xfrm>
           <a:prstGeom prst="rect">
             <a:avLst/>
@@ -4568,100 +4601,14 @@
       </p:sp>
       <p:sp>
         <p:nvSpPr>
-          <p:cNvPr id="47" name="Rectangle 46"/>
-          <p:cNvSpPr/>
-          <p:nvPr/>
-        </p:nvSpPr>
-        <p:spPr>
-          <a:xfrm>
-            <a:off x="7777927" y="1407600"/>
-            <a:ext cx="1404710" cy="324000"/>
-          </a:xfrm>
-          <a:prstGeom prst="rect">
-            <a:avLst/>
-          </a:prstGeom>
-          <a:ln>
-            <a:noFill/>
-          </a:ln>
-        </p:spPr>
-        <p:style>
-          <a:lnRef idx="2">
-            <a:schemeClr val="accent1">
-              <a:shade val="50000"/>
-            </a:schemeClr>
-          </a:lnRef>
-          <a:fillRef idx="1">
-            <a:schemeClr val="accent1"/>
-          </a:fillRef>
-          <a:effectRef idx="0">
-            <a:schemeClr val="accent1"/>
-          </a:effectRef>
-          <a:fontRef idx="minor">
-            <a:schemeClr val="lt1"/>
-          </a:fontRef>
-        </p:style>
-        <p:txBody>
-          <a:bodyPr rtlCol="0" anchor="ctr"/>
-          <a:lstStyle/>
-          <a:p>
-            <a:pPr algn="ctr"/>
-            <a:endParaRPr lang="en-US"/>
-          </a:p>
-        </p:txBody>
-      </p:sp>
-      <p:sp>
-        <p:nvSpPr>
-          <p:cNvPr id="48" name="Rectangle 47"/>
-          <p:cNvSpPr/>
-          <p:nvPr/>
-        </p:nvSpPr>
-        <p:spPr>
-          <a:xfrm>
-            <a:off x="7777927" y="2127600"/>
-            <a:ext cx="1404710" cy="324000"/>
-          </a:xfrm>
-          <a:prstGeom prst="rect">
-            <a:avLst/>
-          </a:prstGeom>
-          <a:ln>
-            <a:noFill/>
-          </a:ln>
-        </p:spPr>
-        <p:style>
-          <a:lnRef idx="2">
-            <a:schemeClr val="accent1">
-              <a:shade val="50000"/>
-            </a:schemeClr>
-          </a:lnRef>
-          <a:fillRef idx="1">
-            <a:schemeClr val="accent1"/>
-          </a:fillRef>
-          <a:effectRef idx="0">
-            <a:schemeClr val="accent1"/>
-          </a:effectRef>
-          <a:fontRef idx="minor">
-            <a:schemeClr val="lt1"/>
-          </a:fontRef>
-        </p:style>
-        <p:txBody>
-          <a:bodyPr rtlCol="0" anchor="ctr"/>
-          <a:lstStyle/>
-          <a:p>
-            <a:pPr algn="ctr"/>
-            <a:endParaRPr lang="en-US"/>
-          </a:p>
-        </p:txBody>
-      </p:sp>
-      <p:sp>
-        <p:nvSpPr>
           <p:cNvPr id="49" name="Rectangle 48"/>
           <p:cNvSpPr/>
           <p:nvPr/>
         </p:nvSpPr>
         <p:spPr>
           <a:xfrm>
-            <a:off x="7777927" y="2847600"/>
-            <a:ext cx="1404710" cy="324000"/>
+            <a:off x="7777927" y="2878567"/>
+            <a:ext cx="1404710" cy="216000"/>
           </a:xfrm>
           <a:prstGeom prst="rect">
             <a:avLst/>
@@ -5035,10 +4982,1267 @@
           </a:p>
         </p:txBody>
       </p:sp>
+      <p:sp>
+        <p:nvSpPr>
+          <p:cNvPr id="51" name="Chevron 50"/>
+          <p:cNvSpPr/>
+          <p:nvPr/>
+        </p:nvSpPr>
+        <p:spPr>
+          <a:xfrm>
+            <a:off x="3912153" y="2091600"/>
+            <a:ext cx="274207" cy="450000"/>
+          </a:xfrm>
+          <a:prstGeom prst="chevron">
+            <a:avLst>
+              <a:gd name="adj" fmla="val 67047"/>
+            </a:avLst>
+          </a:prstGeom>
+          <a:solidFill>
+            <a:srgbClr val="C0C0C0"/>
+          </a:solidFill>
+          <a:ln>
+            <a:noFill/>
+          </a:ln>
+        </p:spPr>
+        <p:style>
+          <a:lnRef idx="2">
+            <a:schemeClr val="accent1">
+              <a:shade val="50000"/>
+            </a:schemeClr>
+          </a:lnRef>
+          <a:fillRef idx="1">
+            <a:schemeClr val="accent1"/>
+          </a:fillRef>
+          <a:effectRef idx="0">
+            <a:schemeClr val="accent1"/>
+          </a:effectRef>
+          <a:fontRef idx="minor">
+            <a:schemeClr val="lt1"/>
+          </a:fontRef>
+        </p:style>
+        <p:txBody>
+          <a:bodyPr rtlCol="0" anchor="ctr"/>
+          <a:lstStyle/>
+          <a:p>
+            <a:pPr algn="ctr"/>
+            <a:endParaRPr lang="en-US">
+              <a:solidFill>
+                <a:schemeClr val="tx1"/>
+              </a:solidFill>
+            </a:endParaRPr>
+          </a:p>
+        </p:txBody>
+      </p:sp>
+      <p:sp>
+        <p:nvSpPr>
+          <p:cNvPr id="52" name="Frame 51"/>
+          <p:cNvSpPr/>
+          <p:nvPr/>
+        </p:nvSpPr>
+        <p:spPr>
+          <a:xfrm>
+            <a:off x="4634162" y="4788811"/>
+            <a:ext cx="720000" cy="720000"/>
+          </a:xfrm>
+          <a:prstGeom prst="frame">
+            <a:avLst>
+              <a:gd name="adj1" fmla="val 13342"/>
+            </a:avLst>
+          </a:prstGeom>
+          <a:ln>
+            <a:noFill/>
+          </a:ln>
+        </p:spPr>
+        <p:style>
+          <a:lnRef idx="2">
+            <a:schemeClr val="accent1">
+              <a:shade val="50000"/>
+            </a:schemeClr>
+          </a:lnRef>
+          <a:fillRef idx="1">
+            <a:schemeClr val="accent1"/>
+          </a:fillRef>
+          <a:effectRef idx="0">
+            <a:schemeClr val="accent1"/>
+          </a:effectRef>
+          <a:fontRef idx="minor">
+            <a:schemeClr val="lt1"/>
+          </a:fontRef>
+        </p:style>
+        <p:txBody>
+          <a:bodyPr rtlCol="0" anchor="ctr"/>
+          <a:lstStyle/>
+          <a:p>
+            <a:pPr algn="ctr"/>
+            <a:endParaRPr lang="en-US">
+              <a:solidFill>
+                <a:schemeClr val="tx1"/>
+              </a:solidFill>
+            </a:endParaRPr>
+          </a:p>
+        </p:txBody>
+      </p:sp>
+      <p:sp>
+        <p:nvSpPr>
+          <p:cNvPr id="53" name="Frame 52"/>
+          <p:cNvSpPr/>
+          <p:nvPr/>
+        </p:nvSpPr>
+        <p:spPr>
+          <a:xfrm>
+            <a:off x="5894162" y="3528811"/>
+            <a:ext cx="720000" cy="720000"/>
+          </a:xfrm>
+          <a:prstGeom prst="frame">
+            <a:avLst>
+              <a:gd name="adj1" fmla="val 13342"/>
+            </a:avLst>
+          </a:prstGeom>
+          <a:ln>
+            <a:noFill/>
+          </a:ln>
+        </p:spPr>
+        <p:style>
+          <a:lnRef idx="2">
+            <a:schemeClr val="accent1">
+              <a:shade val="50000"/>
+            </a:schemeClr>
+          </a:lnRef>
+          <a:fillRef idx="1">
+            <a:schemeClr val="accent1"/>
+          </a:fillRef>
+          <a:effectRef idx="0">
+            <a:schemeClr val="accent1"/>
+          </a:effectRef>
+          <a:fontRef idx="minor">
+            <a:schemeClr val="lt1"/>
+          </a:fontRef>
+        </p:style>
+        <p:txBody>
+          <a:bodyPr rtlCol="0" anchor="ctr"/>
+          <a:lstStyle/>
+          <a:p>
+            <a:pPr algn="ctr"/>
+            <a:endParaRPr lang="en-US">
+              <a:solidFill>
+                <a:schemeClr val="tx1"/>
+              </a:solidFill>
+            </a:endParaRPr>
+          </a:p>
+        </p:txBody>
+      </p:sp>
     </p:spTree>
     <p:extLst>
       <p:ext uri="{BB962C8B-B14F-4D97-AF65-F5344CB8AC3E}">
         <p14:creationId xmlns:p14="http://schemas.microsoft.com/office/powerpoint/2010/main" val="1681692777"/>
+      </p:ext>
+    </p:extLst>
+  </p:cSld>
+  <p:clrMapOvr>
+    <a:masterClrMapping/>
+  </p:clrMapOvr>
+</p:sld>
+</file>
+
+<file path=ppt/slides/slide2.xml><?xml version="1.0" encoding="utf-8"?>
+<p:sld xmlns:a="http://schemas.openxmlformats.org/drawingml/2006/main" xmlns:r="http://schemas.openxmlformats.org/officeDocument/2006/relationships" xmlns:p="http://schemas.openxmlformats.org/presentationml/2006/main">
+  <p:cSld>
+    <p:spTree>
+      <p:nvGrpSpPr>
+        <p:cNvPr id="1" name=""/>
+        <p:cNvGrpSpPr/>
+        <p:nvPr/>
+      </p:nvGrpSpPr>
+      <p:grpSpPr>
+        <a:xfrm>
+          <a:off x="0" y="0"/>
+          <a:ext cx="0" cy="0"/>
+          <a:chOff x="0" y="0"/>
+          <a:chExt cx="0" cy="0"/>
+        </a:xfrm>
+      </p:grpSpPr>
+      <p:sp>
+        <p:nvSpPr>
+          <p:cNvPr id="5" name="Rectangle 4"/>
+          <p:cNvSpPr/>
+          <p:nvPr/>
+        </p:nvSpPr>
+        <p:spPr>
+          <a:xfrm>
+            <a:off x="5017392" y="866213"/>
+            <a:ext cx="3952068" cy="836909"/>
+          </a:xfrm>
+          <a:prstGeom prst="rect">
+            <a:avLst/>
+          </a:prstGeom>
+        </p:spPr>
+        <p:style>
+          <a:lnRef idx="2">
+            <a:schemeClr val="accent1">
+              <a:shade val="50000"/>
+            </a:schemeClr>
+          </a:lnRef>
+          <a:fillRef idx="1">
+            <a:schemeClr val="accent1"/>
+          </a:fillRef>
+          <a:effectRef idx="0">
+            <a:schemeClr val="accent1"/>
+          </a:effectRef>
+          <a:fontRef idx="minor">
+            <a:schemeClr val="lt1"/>
+          </a:fontRef>
+        </p:style>
+        <p:txBody>
+          <a:bodyPr rtlCol="0" anchor="ctr"/>
+          <a:lstStyle/>
+          <a:p>
+            <a:pPr algn="ctr"/>
+            <a:endParaRPr lang="en-US"/>
+          </a:p>
+        </p:txBody>
+      </p:sp>
+      <p:pic>
+        <p:nvPicPr>
+          <p:cNvPr id="2" name="Picture 1"/>
+          <p:cNvPicPr>
+            <a:picLocks noChangeAspect="1"/>
+          </p:cNvPicPr>
+          <p:nvPr/>
+        </p:nvPicPr>
+        <p:blipFill>
+          <a:blip r:embed="rId2">
+            <a:biLevel thresh="25000"/>
+            <a:extLst>
+              <a:ext uri="{28A0092B-C50C-407E-A947-70E740481C1C}">
+                <a14:useLocalDpi xmlns:a14="http://schemas.microsoft.com/office/drawing/2010/main" val="0"/>
+              </a:ext>
+            </a:extLst>
+          </a:blip>
+          <a:stretch>
+            <a:fillRect/>
+          </a:stretch>
+        </p:blipFill>
+        <p:spPr>
+          <a:xfrm>
+            <a:off x="5403791" y="1044444"/>
+            <a:ext cx="349920" cy="324000"/>
+          </a:xfrm>
+          <a:prstGeom prst="rect">
+            <a:avLst/>
+          </a:prstGeom>
+        </p:spPr>
+      </p:pic>
+      <p:pic>
+        <p:nvPicPr>
+          <p:cNvPr id="3" name="Picture 2"/>
+          <p:cNvPicPr>
+            <a:picLocks noChangeAspect="1"/>
+          </p:cNvPicPr>
+          <p:nvPr/>
+        </p:nvPicPr>
+        <p:blipFill>
+          <a:blip r:embed="rId3">
+            <a:biLevel thresh="25000"/>
+            <a:extLst>
+              <a:ext uri="{28A0092B-C50C-407E-A947-70E740481C1C}">
+                <a14:useLocalDpi xmlns:a14="http://schemas.microsoft.com/office/drawing/2010/main" val="0"/>
+              </a:ext>
+            </a:extLst>
+          </a:blip>
+          <a:stretch>
+            <a:fillRect/>
+          </a:stretch>
+        </p:blipFill>
+        <p:spPr>
+          <a:xfrm>
+            <a:off x="6774861" y="1044444"/>
+            <a:ext cx="324000" cy="324000"/>
+          </a:xfrm>
+          <a:prstGeom prst="rect">
+            <a:avLst/>
+          </a:prstGeom>
+        </p:spPr>
+      </p:pic>
+      <p:pic>
+        <p:nvPicPr>
+          <p:cNvPr id="4" name="Picture 3"/>
+          <p:cNvPicPr>
+            <a:picLocks noChangeAspect="1"/>
+          </p:cNvPicPr>
+          <p:nvPr/>
+        </p:nvPicPr>
+        <p:blipFill>
+          <a:blip r:embed="rId4">
+            <a:lum bright="70000" contrast="-70000"/>
+            <a:extLst>
+              <a:ext uri="{28A0092B-C50C-407E-A947-70E740481C1C}">
+                <a14:useLocalDpi xmlns:a14="http://schemas.microsoft.com/office/drawing/2010/main" val="0"/>
+              </a:ext>
+            </a:extLst>
+          </a:blip>
+          <a:stretch>
+            <a:fillRect/>
+          </a:stretch>
+        </p:blipFill>
+        <p:spPr>
+          <a:xfrm>
+            <a:off x="8120011" y="1026444"/>
+            <a:ext cx="360000" cy="360000"/>
+          </a:xfrm>
+          <a:prstGeom prst="rect">
+            <a:avLst/>
+          </a:prstGeom>
+        </p:spPr>
+      </p:pic>
+      <p:sp>
+        <p:nvSpPr>
+          <p:cNvPr id="6" name="Frame 5"/>
+          <p:cNvSpPr/>
+          <p:nvPr/>
+        </p:nvSpPr>
+        <p:spPr>
+          <a:xfrm>
+            <a:off x="8177460" y="3524400"/>
+            <a:ext cx="792000" cy="792000"/>
+          </a:xfrm>
+          <a:prstGeom prst="frame">
+            <a:avLst>
+              <a:gd name="adj1" fmla="val 13342"/>
+            </a:avLst>
+          </a:prstGeom>
+          <a:ln>
+            <a:noFill/>
+          </a:ln>
+        </p:spPr>
+        <p:style>
+          <a:lnRef idx="2">
+            <a:schemeClr val="accent1">
+              <a:shade val="50000"/>
+            </a:schemeClr>
+          </a:lnRef>
+          <a:fillRef idx="1">
+            <a:schemeClr val="accent1"/>
+          </a:fillRef>
+          <a:effectRef idx="0">
+            <a:schemeClr val="accent1"/>
+          </a:effectRef>
+          <a:fontRef idx="minor">
+            <a:schemeClr val="lt1"/>
+          </a:fontRef>
+        </p:style>
+        <p:txBody>
+          <a:bodyPr rtlCol="0" anchor="ctr"/>
+          <a:lstStyle/>
+          <a:p>
+            <a:pPr algn="ctr"/>
+            <a:endParaRPr lang="en-US">
+              <a:solidFill>
+                <a:schemeClr val="tx1"/>
+              </a:solidFill>
+            </a:endParaRPr>
+          </a:p>
+        </p:txBody>
+      </p:sp>
+      <p:sp>
+        <p:nvSpPr>
+          <p:cNvPr id="7" name="Rectangle 6"/>
+          <p:cNvSpPr/>
+          <p:nvPr/>
+        </p:nvSpPr>
+        <p:spPr>
+          <a:xfrm>
+            <a:off x="8465460" y="3812400"/>
+            <a:ext cx="216000" cy="216000"/>
+          </a:xfrm>
+          <a:prstGeom prst="rect">
+            <a:avLst/>
+          </a:prstGeom>
+          <a:ln>
+            <a:noFill/>
+          </a:ln>
+        </p:spPr>
+        <p:style>
+          <a:lnRef idx="2">
+            <a:schemeClr val="accent1">
+              <a:shade val="50000"/>
+            </a:schemeClr>
+          </a:lnRef>
+          <a:fillRef idx="1">
+            <a:schemeClr val="accent1"/>
+          </a:fillRef>
+          <a:effectRef idx="0">
+            <a:schemeClr val="accent1"/>
+          </a:effectRef>
+          <a:fontRef idx="minor">
+            <a:schemeClr val="lt1"/>
+          </a:fontRef>
+        </p:style>
+        <p:txBody>
+          <a:bodyPr rtlCol="0" anchor="ctr"/>
+          <a:lstStyle/>
+          <a:p>
+            <a:pPr algn="ctr"/>
+            <a:endParaRPr lang="en-US"/>
+          </a:p>
+        </p:txBody>
+      </p:sp>
+      <p:sp>
+        <p:nvSpPr>
+          <p:cNvPr id="10" name="Rectangle 9"/>
+          <p:cNvSpPr/>
+          <p:nvPr/>
+        </p:nvSpPr>
+        <p:spPr>
+          <a:xfrm>
+            <a:off x="9437462" y="1523122"/>
+            <a:ext cx="180000" cy="180000"/>
+          </a:xfrm>
+          <a:prstGeom prst="rect">
+            <a:avLst/>
+          </a:prstGeom>
+          <a:ln>
+            <a:noFill/>
+          </a:ln>
+        </p:spPr>
+        <p:style>
+          <a:lnRef idx="2">
+            <a:schemeClr val="accent1">
+              <a:shade val="50000"/>
+            </a:schemeClr>
+          </a:lnRef>
+          <a:fillRef idx="1">
+            <a:schemeClr val="accent1"/>
+          </a:fillRef>
+          <a:effectRef idx="0">
+            <a:schemeClr val="accent1"/>
+          </a:effectRef>
+          <a:fontRef idx="minor">
+            <a:schemeClr val="lt1"/>
+          </a:fontRef>
+        </p:style>
+        <p:txBody>
+          <a:bodyPr rtlCol="0" anchor="ctr"/>
+          <a:lstStyle/>
+          <a:p>
+            <a:pPr algn="ctr"/>
+            <a:endParaRPr lang="en-US"/>
+          </a:p>
+        </p:txBody>
+      </p:sp>
+      <p:sp>
+        <p:nvSpPr>
+          <p:cNvPr id="32" name="Frame 31"/>
+          <p:cNvSpPr/>
+          <p:nvPr/>
+        </p:nvSpPr>
+        <p:spPr>
+          <a:xfrm>
+            <a:off x="9167462" y="1253122"/>
+            <a:ext cx="720000" cy="720000"/>
+          </a:xfrm>
+          <a:prstGeom prst="frame">
+            <a:avLst>
+              <a:gd name="adj1" fmla="val 13342"/>
+            </a:avLst>
+          </a:prstGeom>
+          <a:ln>
+            <a:noFill/>
+          </a:ln>
+        </p:spPr>
+        <p:style>
+          <a:lnRef idx="2">
+            <a:schemeClr val="accent1">
+              <a:shade val="50000"/>
+            </a:schemeClr>
+          </a:lnRef>
+          <a:fillRef idx="1">
+            <a:schemeClr val="accent1"/>
+          </a:fillRef>
+          <a:effectRef idx="0">
+            <a:schemeClr val="accent1"/>
+          </a:effectRef>
+          <a:fontRef idx="minor">
+            <a:schemeClr val="lt1"/>
+          </a:fontRef>
+        </p:style>
+        <p:txBody>
+          <a:bodyPr rtlCol="0" anchor="ctr"/>
+          <a:lstStyle/>
+          <a:p>
+            <a:pPr algn="ctr"/>
+            <a:endParaRPr lang="en-US">
+              <a:solidFill>
+                <a:schemeClr val="tx1"/>
+              </a:solidFill>
+            </a:endParaRPr>
+          </a:p>
+        </p:txBody>
+      </p:sp>
+      <p:sp>
+        <p:nvSpPr>
+          <p:cNvPr id="33" name="Rectangle 32"/>
+          <p:cNvSpPr/>
+          <p:nvPr/>
+        </p:nvSpPr>
+        <p:spPr>
+          <a:xfrm>
+            <a:off x="1303663" y="2254529"/>
+            <a:ext cx="3330000" cy="3331742"/>
+          </a:xfrm>
+          <a:prstGeom prst="rect">
+            <a:avLst/>
+          </a:prstGeom>
+          <a:noFill/>
+        </p:spPr>
+        <p:style>
+          <a:lnRef idx="2">
+            <a:schemeClr val="accent1">
+              <a:shade val="50000"/>
+            </a:schemeClr>
+          </a:lnRef>
+          <a:fillRef idx="1">
+            <a:schemeClr val="accent1"/>
+          </a:fillRef>
+          <a:effectRef idx="0">
+            <a:schemeClr val="accent1"/>
+          </a:effectRef>
+          <a:fontRef idx="minor">
+            <a:schemeClr val="lt1"/>
+          </a:fontRef>
+        </p:style>
+        <p:txBody>
+          <a:bodyPr rtlCol="0" anchor="ctr"/>
+          <a:lstStyle/>
+          <a:p>
+            <a:pPr algn="ctr"/>
+            <a:endParaRPr lang="en-US" b="1"/>
+          </a:p>
+        </p:txBody>
+      </p:sp>
+      <p:sp>
+        <p:nvSpPr>
+          <p:cNvPr id="36" name="Frame 35"/>
+          <p:cNvSpPr/>
+          <p:nvPr/>
+        </p:nvSpPr>
+        <p:spPr>
+          <a:xfrm>
+            <a:off x="8177460" y="4532400"/>
+            <a:ext cx="792000" cy="792000"/>
+          </a:xfrm>
+          <a:prstGeom prst="frame">
+            <a:avLst>
+              <a:gd name="adj1" fmla="val 13342"/>
+            </a:avLst>
+          </a:prstGeom>
+          <a:ln>
+            <a:noFill/>
+          </a:ln>
+        </p:spPr>
+        <p:style>
+          <a:lnRef idx="2">
+            <a:schemeClr val="accent1">
+              <a:shade val="50000"/>
+            </a:schemeClr>
+          </a:lnRef>
+          <a:fillRef idx="1">
+            <a:schemeClr val="accent1"/>
+          </a:fillRef>
+          <a:effectRef idx="0">
+            <a:schemeClr val="accent1"/>
+          </a:effectRef>
+          <a:fontRef idx="minor">
+            <a:schemeClr val="lt1"/>
+          </a:fontRef>
+        </p:style>
+        <p:txBody>
+          <a:bodyPr rtlCol="0" anchor="ctr"/>
+          <a:lstStyle/>
+          <a:p>
+            <a:pPr algn="ctr"/>
+            <a:endParaRPr lang="en-US">
+              <a:solidFill>
+                <a:schemeClr val="tx1"/>
+              </a:solidFill>
+            </a:endParaRPr>
+          </a:p>
+        </p:txBody>
+      </p:sp>
+      <p:sp>
+        <p:nvSpPr>
+          <p:cNvPr id="37" name="Rectangle 36"/>
+          <p:cNvSpPr/>
+          <p:nvPr/>
+        </p:nvSpPr>
+        <p:spPr>
+          <a:xfrm>
+            <a:off x="8465460" y="4820400"/>
+            <a:ext cx="216000" cy="216000"/>
+          </a:xfrm>
+          <a:prstGeom prst="rect">
+            <a:avLst/>
+          </a:prstGeom>
+          <a:ln>
+            <a:noFill/>
+          </a:ln>
+        </p:spPr>
+        <p:style>
+          <a:lnRef idx="2">
+            <a:schemeClr val="accent1">
+              <a:shade val="50000"/>
+            </a:schemeClr>
+          </a:lnRef>
+          <a:fillRef idx="1">
+            <a:schemeClr val="accent1"/>
+          </a:fillRef>
+          <a:effectRef idx="0">
+            <a:schemeClr val="accent1"/>
+          </a:effectRef>
+          <a:fontRef idx="minor">
+            <a:schemeClr val="lt1"/>
+          </a:fontRef>
+        </p:style>
+        <p:txBody>
+          <a:bodyPr rtlCol="0" anchor="ctr"/>
+          <a:lstStyle/>
+          <a:p>
+            <a:pPr algn="ctr"/>
+            <a:endParaRPr lang="en-US"/>
+          </a:p>
+        </p:txBody>
+      </p:sp>
+      <p:sp>
+        <p:nvSpPr>
+          <p:cNvPr id="38" name="Frame 37"/>
+          <p:cNvSpPr/>
+          <p:nvPr/>
+        </p:nvSpPr>
+        <p:spPr>
+          <a:xfrm>
+            <a:off x="9185462" y="3524400"/>
+            <a:ext cx="792000" cy="792000"/>
+          </a:xfrm>
+          <a:prstGeom prst="frame">
+            <a:avLst>
+              <a:gd name="adj1" fmla="val 13342"/>
+            </a:avLst>
+          </a:prstGeom>
+          <a:ln>
+            <a:noFill/>
+          </a:ln>
+        </p:spPr>
+        <p:style>
+          <a:lnRef idx="2">
+            <a:schemeClr val="accent1">
+              <a:shade val="50000"/>
+            </a:schemeClr>
+          </a:lnRef>
+          <a:fillRef idx="1">
+            <a:schemeClr val="accent1"/>
+          </a:fillRef>
+          <a:effectRef idx="0">
+            <a:schemeClr val="accent1"/>
+          </a:effectRef>
+          <a:fontRef idx="minor">
+            <a:schemeClr val="lt1"/>
+          </a:fontRef>
+        </p:style>
+        <p:txBody>
+          <a:bodyPr rtlCol="0" anchor="ctr"/>
+          <a:lstStyle/>
+          <a:p>
+            <a:pPr algn="ctr"/>
+            <a:endParaRPr lang="en-US">
+              <a:solidFill>
+                <a:schemeClr val="tx1"/>
+              </a:solidFill>
+            </a:endParaRPr>
+          </a:p>
+        </p:txBody>
+      </p:sp>
+      <p:sp>
+        <p:nvSpPr>
+          <p:cNvPr id="39" name="Rectangle 38"/>
+          <p:cNvSpPr/>
+          <p:nvPr/>
+        </p:nvSpPr>
+        <p:spPr>
+          <a:xfrm>
+            <a:off x="9473462" y="3812400"/>
+            <a:ext cx="216000" cy="216000"/>
+          </a:xfrm>
+          <a:prstGeom prst="rect">
+            <a:avLst/>
+          </a:prstGeom>
+          <a:ln>
+            <a:noFill/>
+          </a:ln>
+        </p:spPr>
+        <p:style>
+          <a:lnRef idx="2">
+            <a:schemeClr val="accent1">
+              <a:shade val="50000"/>
+            </a:schemeClr>
+          </a:lnRef>
+          <a:fillRef idx="1">
+            <a:schemeClr val="accent1"/>
+          </a:fillRef>
+          <a:effectRef idx="0">
+            <a:schemeClr val="accent1"/>
+          </a:effectRef>
+          <a:fontRef idx="minor">
+            <a:schemeClr val="lt1"/>
+          </a:fontRef>
+        </p:style>
+        <p:txBody>
+          <a:bodyPr rtlCol="0" anchor="ctr"/>
+          <a:lstStyle/>
+          <a:p>
+            <a:pPr algn="ctr"/>
+            <a:endParaRPr lang="en-US"/>
+          </a:p>
+        </p:txBody>
+      </p:sp>
+      <p:sp>
+        <p:nvSpPr>
+          <p:cNvPr id="40" name="Rectangle 39"/>
+          <p:cNvSpPr/>
+          <p:nvPr/>
+        </p:nvSpPr>
+        <p:spPr>
+          <a:xfrm>
+            <a:off x="9185462" y="4532400"/>
+            <a:ext cx="504000" cy="107021"/>
+          </a:xfrm>
+          <a:prstGeom prst="rect">
+            <a:avLst/>
+          </a:prstGeom>
+          <a:ln>
+            <a:noFill/>
+          </a:ln>
+        </p:spPr>
+        <p:style>
+          <a:lnRef idx="2">
+            <a:schemeClr val="accent1">
+              <a:shade val="50000"/>
+            </a:schemeClr>
+          </a:lnRef>
+          <a:fillRef idx="1">
+            <a:schemeClr val="accent1"/>
+          </a:fillRef>
+          <a:effectRef idx="0">
+            <a:schemeClr val="accent1"/>
+          </a:effectRef>
+          <a:fontRef idx="minor">
+            <a:schemeClr val="lt1"/>
+          </a:fontRef>
+        </p:style>
+        <p:txBody>
+          <a:bodyPr rtlCol="0" anchor="ctr"/>
+          <a:lstStyle/>
+          <a:p>
+            <a:pPr algn="ctr"/>
+            <a:endParaRPr lang="en-US"/>
+          </a:p>
+        </p:txBody>
+      </p:sp>
+      <p:sp>
+        <p:nvSpPr>
+          <p:cNvPr id="41" name="Rectangle 40"/>
+          <p:cNvSpPr/>
+          <p:nvPr/>
+        </p:nvSpPr>
+        <p:spPr>
+          <a:xfrm rot="5400000">
+            <a:off x="9049983" y="4696105"/>
+            <a:ext cx="377975" cy="107021"/>
+          </a:xfrm>
+          <a:prstGeom prst="rect">
+            <a:avLst/>
+          </a:prstGeom>
+          <a:ln>
+            <a:noFill/>
+          </a:ln>
+        </p:spPr>
+        <p:style>
+          <a:lnRef idx="2">
+            <a:schemeClr val="accent1">
+              <a:shade val="50000"/>
+            </a:schemeClr>
+          </a:lnRef>
+          <a:fillRef idx="1">
+            <a:schemeClr val="accent1"/>
+          </a:fillRef>
+          <a:effectRef idx="0">
+            <a:schemeClr val="accent1"/>
+          </a:effectRef>
+          <a:fontRef idx="minor">
+            <a:schemeClr val="lt1"/>
+          </a:fontRef>
+        </p:style>
+        <p:txBody>
+          <a:bodyPr rtlCol="0" anchor="ctr"/>
+          <a:lstStyle/>
+          <a:p>
+            <a:pPr algn="ctr"/>
+            <a:endParaRPr lang="en-US"/>
+          </a:p>
+        </p:txBody>
+      </p:sp>
+      <p:sp>
+        <p:nvSpPr>
+          <p:cNvPr id="42" name="Rectangle 41"/>
+          <p:cNvSpPr/>
+          <p:nvPr/>
+        </p:nvSpPr>
+        <p:spPr>
+          <a:xfrm rot="5400000">
+            <a:off x="9532460" y="4597411"/>
+            <a:ext cx="206983" cy="107021"/>
+          </a:xfrm>
+          <a:prstGeom prst="rect">
+            <a:avLst/>
+          </a:prstGeom>
+          <a:ln>
+            <a:noFill/>
+          </a:ln>
+        </p:spPr>
+        <p:style>
+          <a:lnRef idx="2">
+            <a:schemeClr val="accent1">
+              <a:shade val="50000"/>
+            </a:schemeClr>
+          </a:lnRef>
+          <a:fillRef idx="1">
+            <a:schemeClr val="accent1"/>
+          </a:fillRef>
+          <a:effectRef idx="0">
+            <a:schemeClr val="accent1"/>
+          </a:effectRef>
+          <a:fontRef idx="minor">
+            <a:schemeClr val="lt1"/>
+          </a:fontRef>
+        </p:style>
+        <p:txBody>
+          <a:bodyPr rtlCol="0" anchor="ctr"/>
+          <a:lstStyle/>
+          <a:p>
+            <a:pPr algn="ctr"/>
+            <a:endParaRPr lang="en-US"/>
+          </a:p>
+        </p:txBody>
+      </p:sp>
+      <p:sp>
+        <p:nvSpPr>
+          <p:cNvPr id="43" name="Rectangle 42"/>
+          <p:cNvSpPr/>
+          <p:nvPr/>
+        </p:nvSpPr>
+        <p:spPr>
+          <a:xfrm>
+            <a:off x="9402319" y="4843373"/>
+            <a:ext cx="571003" cy="107021"/>
+          </a:xfrm>
+          <a:prstGeom prst="rect">
+            <a:avLst/>
+          </a:prstGeom>
+          <a:ln>
+            <a:noFill/>
+          </a:ln>
+        </p:spPr>
+        <p:style>
+          <a:lnRef idx="2">
+            <a:schemeClr val="accent1">
+              <a:shade val="50000"/>
+            </a:schemeClr>
+          </a:lnRef>
+          <a:fillRef idx="1">
+            <a:schemeClr val="accent1"/>
+          </a:fillRef>
+          <a:effectRef idx="0">
+            <a:schemeClr val="accent1"/>
+          </a:effectRef>
+          <a:fontRef idx="minor">
+            <a:schemeClr val="lt1"/>
+          </a:fontRef>
+        </p:style>
+        <p:txBody>
+          <a:bodyPr rtlCol="0" anchor="ctr"/>
+          <a:lstStyle/>
+          <a:p>
+            <a:pPr algn="ctr"/>
+            <a:endParaRPr lang="en-US"/>
+          </a:p>
+        </p:txBody>
+      </p:sp>
+      <p:sp>
+        <p:nvSpPr>
+          <p:cNvPr id="44" name="Rectangle 43"/>
+          <p:cNvSpPr/>
+          <p:nvPr/>
+        </p:nvSpPr>
+        <p:spPr>
+          <a:xfrm rot="5400000">
+            <a:off x="9791639" y="4718221"/>
+            <a:ext cx="264621" cy="107021"/>
+          </a:xfrm>
+          <a:prstGeom prst="rect">
+            <a:avLst/>
+          </a:prstGeom>
+          <a:ln>
+            <a:noFill/>
+          </a:ln>
+        </p:spPr>
+        <p:style>
+          <a:lnRef idx="2">
+            <a:schemeClr val="accent1">
+              <a:shade val="50000"/>
+            </a:schemeClr>
+          </a:lnRef>
+          <a:fillRef idx="1">
+            <a:schemeClr val="accent1"/>
+          </a:fillRef>
+          <a:effectRef idx="0">
+            <a:schemeClr val="accent1"/>
+          </a:effectRef>
+          <a:fontRef idx="minor">
+            <a:schemeClr val="lt1"/>
+          </a:fontRef>
+        </p:style>
+        <p:txBody>
+          <a:bodyPr rtlCol="0" anchor="ctr"/>
+          <a:lstStyle/>
+          <a:p>
+            <a:pPr algn="ctr"/>
+            <a:endParaRPr lang="en-US"/>
+          </a:p>
+        </p:txBody>
+      </p:sp>
+      <p:sp>
+        <p:nvSpPr>
+          <p:cNvPr id="46" name="Rectangle 45"/>
+          <p:cNvSpPr/>
+          <p:nvPr/>
+        </p:nvSpPr>
+        <p:spPr>
+          <a:xfrm>
+            <a:off x="9185460" y="5215614"/>
+            <a:ext cx="396981" cy="107021"/>
+          </a:xfrm>
+          <a:prstGeom prst="rect">
+            <a:avLst/>
+          </a:prstGeom>
+          <a:ln>
+            <a:noFill/>
+          </a:ln>
+        </p:spPr>
+        <p:style>
+          <a:lnRef idx="2">
+            <a:schemeClr val="accent1">
+              <a:shade val="50000"/>
+            </a:schemeClr>
+          </a:lnRef>
+          <a:fillRef idx="1">
+            <a:schemeClr val="accent1"/>
+          </a:fillRef>
+          <a:effectRef idx="0">
+            <a:schemeClr val="accent1"/>
+          </a:effectRef>
+          <a:fontRef idx="minor">
+            <a:schemeClr val="lt1"/>
+          </a:fontRef>
+        </p:style>
+        <p:txBody>
+          <a:bodyPr rtlCol="0" anchor="ctr"/>
+          <a:lstStyle/>
+          <a:p>
+            <a:pPr algn="ctr"/>
+            <a:endParaRPr lang="en-US"/>
+          </a:p>
+        </p:txBody>
+      </p:sp>
+      <p:sp>
+        <p:nvSpPr>
+          <p:cNvPr id="47" name="Rectangle 46"/>
+          <p:cNvSpPr/>
+          <p:nvPr/>
+        </p:nvSpPr>
+        <p:spPr>
+          <a:xfrm rot="5400000">
+            <a:off x="9135479" y="5166042"/>
+            <a:ext cx="206983" cy="107021"/>
+          </a:xfrm>
+          <a:prstGeom prst="rect">
+            <a:avLst/>
+          </a:prstGeom>
+          <a:ln>
+            <a:noFill/>
+          </a:ln>
+        </p:spPr>
+        <p:style>
+          <a:lnRef idx="2">
+            <a:schemeClr val="accent1">
+              <a:shade val="50000"/>
+            </a:schemeClr>
+          </a:lnRef>
+          <a:fillRef idx="1">
+            <a:schemeClr val="accent1"/>
+          </a:fillRef>
+          <a:effectRef idx="0">
+            <a:schemeClr val="accent1"/>
+          </a:effectRef>
+          <a:fontRef idx="minor">
+            <a:schemeClr val="lt1"/>
+          </a:fontRef>
+        </p:style>
+        <p:txBody>
+          <a:bodyPr rtlCol="0" anchor="ctr"/>
+          <a:lstStyle/>
+          <a:p>
+            <a:pPr algn="ctr"/>
+            <a:endParaRPr lang="en-US"/>
+          </a:p>
+        </p:txBody>
+      </p:sp>
+      <p:sp>
+        <p:nvSpPr>
+          <p:cNvPr id="48" name="Rectangle 47"/>
+          <p:cNvSpPr/>
+          <p:nvPr/>
+        </p:nvSpPr>
+        <p:spPr>
+          <a:xfrm rot="5400000">
+            <a:off x="9385249" y="5124612"/>
+            <a:ext cx="283445" cy="107021"/>
+          </a:xfrm>
+          <a:prstGeom prst="rect">
+            <a:avLst/>
+          </a:prstGeom>
+          <a:ln>
+            <a:noFill/>
+          </a:ln>
+        </p:spPr>
+        <p:style>
+          <a:lnRef idx="2">
+            <a:schemeClr val="accent1">
+              <a:shade val="50000"/>
+            </a:schemeClr>
+          </a:lnRef>
+          <a:fillRef idx="1">
+            <a:schemeClr val="accent1"/>
+          </a:fillRef>
+          <a:effectRef idx="0">
+            <a:schemeClr val="accent1"/>
+          </a:effectRef>
+          <a:fontRef idx="minor">
+            <a:schemeClr val="lt1"/>
+          </a:fontRef>
+        </p:style>
+        <p:txBody>
+          <a:bodyPr rtlCol="0" anchor="ctr"/>
+          <a:lstStyle/>
+          <a:p>
+            <a:pPr algn="ctr"/>
+            <a:endParaRPr lang="en-US"/>
+          </a:p>
+        </p:txBody>
+      </p:sp>
+      <p:sp>
+        <p:nvSpPr>
+          <p:cNvPr id="49" name="Rectangle 48"/>
+          <p:cNvSpPr/>
+          <p:nvPr/>
+        </p:nvSpPr>
+        <p:spPr>
+          <a:xfrm>
+            <a:off x="9485281" y="5033613"/>
+            <a:ext cx="488042" cy="107021"/>
+          </a:xfrm>
+          <a:prstGeom prst="rect">
+            <a:avLst/>
+          </a:prstGeom>
+          <a:ln>
+            <a:noFill/>
+          </a:ln>
+        </p:spPr>
+        <p:style>
+          <a:lnRef idx="2">
+            <a:schemeClr val="accent1">
+              <a:shade val="50000"/>
+            </a:schemeClr>
+          </a:lnRef>
+          <a:fillRef idx="1">
+            <a:schemeClr val="accent1"/>
+          </a:fillRef>
+          <a:effectRef idx="0">
+            <a:schemeClr val="accent1"/>
+          </a:effectRef>
+          <a:fontRef idx="minor">
+            <a:schemeClr val="lt1"/>
+          </a:fontRef>
+        </p:style>
+        <p:txBody>
+          <a:bodyPr rtlCol="0" anchor="ctr"/>
+          <a:lstStyle/>
+          <a:p>
+            <a:pPr algn="ctr"/>
+            <a:endParaRPr lang="en-US"/>
+          </a:p>
+        </p:txBody>
+      </p:sp>
+      <p:sp>
+        <p:nvSpPr>
+          <p:cNvPr id="50" name="Rectangle 49"/>
+          <p:cNvSpPr/>
+          <p:nvPr/>
+        </p:nvSpPr>
+        <p:spPr>
+          <a:xfrm>
+            <a:off x="9764509" y="5215613"/>
+            <a:ext cx="211860" cy="107021"/>
+          </a:xfrm>
+          <a:prstGeom prst="rect">
+            <a:avLst/>
+          </a:prstGeom>
+          <a:ln>
+            <a:noFill/>
+          </a:ln>
+        </p:spPr>
+        <p:style>
+          <a:lnRef idx="2">
+            <a:schemeClr val="accent1">
+              <a:shade val="50000"/>
+            </a:schemeClr>
+          </a:lnRef>
+          <a:fillRef idx="1">
+            <a:schemeClr val="accent1"/>
+          </a:fillRef>
+          <a:effectRef idx="0">
+            <a:schemeClr val="accent1"/>
+          </a:effectRef>
+          <a:fontRef idx="minor">
+            <a:schemeClr val="lt1"/>
+          </a:fontRef>
+        </p:style>
+        <p:txBody>
+          <a:bodyPr rtlCol="0" anchor="ctr"/>
+          <a:lstStyle/>
+          <a:p>
+            <a:pPr algn="ctr"/>
+            <a:endParaRPr lang="en-US"/>
+          </a:p>
+        </p:txBody>
+      </p:sp>
+      <p:grpSp>
+        <p:nvGrpSpPr>
+          <p:cNvPr id="60" name="Group 59"/>
+          <p:cNvGrpSpPr/>
+          <p:nvPr/>
+        </p:nvGrpSpPr>
+        <p:grpSpPr>
+          <a:xfrm>
+            <a:off x="2547023" y="2476270"/>
+            <a:ext cx="843280" cy="2888260"/>
+            <a:chOff x="732971" y="1992538"/>
+            <a:chExt cx="843280" cy="2888260"/>
+          </a:xfrm>
+        </p:grpSpPr>
+        <p:pic>
+          <p:nvPicPr>
+            <p:cNvPr id="52" name="Picture 51"/>
+            <p:cNvPicPr>
+              <a:picLocks noChangeAspect="1"/>
+            </p:cNvPicPr>
+            <p:nvPr/>
+          </p:nvPicPr>
+          <p:blipFill>
+            <a:blip r:embed="rId5">
+              <a:extLst>
+                <a:ext uri="{28A0092B-C50C-407E-A947-70E740481C1C}">
+                  <a14:useLocalDpi xmlns:a14="http://schemas.microsoft.com/office/drawing/2010/main" val="0"/>
+                </a:ext>
+              </a:extLst>
+            </a:blip>
+            <a:stretch>
+              <a:fillRect/>
+            </a:stretch>
+          </p:blipFill>
+          <p:spPr>
+            <a:xfrm>
+              <a:off x="732971" y="4037518"/>
+              <a:ext cx="843280" cy="843280"/>
+            </a:xfrm>
+            <a:prstGeom prst="rect">
+              <a:avLst/>
+            </a:prstGeom>
+          </p:spPr>
+        </p:pic>
+        <p:pic>
+          <p:nvPicPr>
+            <p:cNvPr id="53" name="Picture 52"/>
+            <p:cNvPicPr>
+              <a:picLocks noChangeAspect="1"/>
+            </p:cNvPicPr>
+            <p:nvPr/>
+          </p:nvPicPr>
+          <p:blipFill>
+            <a:blip r:embed="rId5">
+              <a:extLst>
+                <a:ext uri="{28A0092B-C50C-407E-A947-70E740481C1C}">
+                  <a14:useLocalDpi xmlns:a14="http://schemas.microsoft.com/office/drawing/2010/main" val="0"/>
+                </a:ext>
+              </a:extLst>
+            </a:blip>
+            <a:stretch>
+              <a:fillRect/>
+            </a:stretch>
+          </p:blipFill>
+          <p:spPr>
+            <a:xfrm>
+              <a:off x="732971" y="3015028"/>
+              <a:ext cx="843280" cy="843280"/>
+            </a:xfrm>
+            <a:prstGeom prst="rect">
+              <a:avLst/>
+            </a:prstGeom>
+          </p:spPr>
+        </p:pic>
+        <p:pic>
+          <p:nvPicPr>
+            <p:cNvPr id="54" name="Picture 53"/>
+            <p:cNvPicPr>
+              <a:picLocks noChangeAspect="1"/>
+            </p:cNvPicPr>
+            <p:nvPr/>
+          </p:nvPicPr>
+          <p:blipFill>
+            <a:blip r:embed="rId5">
+              <a:extLst>
+                <a:ext uri="{28A0092B-C50C-407E-A947-70E740481C1C}">
+                  <a14:useLocalDpi xmlns:a14="http://schemas.microsoft.com/office/drawing/2010/main" val="0"/>
+                </a:ext>
+              </a:extLst>
+            </a:blip>
+            <a:stretch>
+              <a:fillRect/>
+            </a:stretch>
+          </p:blipFill>
+          <p:spPr>
+            <a:xfrm>
+              <a:off x="732971" y="1992538"/>
+              <a:ext cx="843280" cy="843280"/>
+            </a:xfrm>
+            <a:prstGeom prst="rect">
+              <a:avLst/>
+            </a:prstGeom>
+          </p:spPr>
+        </p:pic>
+      </p:grpSp>
+    </p:spTree>
+    <p:extLst>
+      <p:ext uri="{BB962C8B-B14F-4D97-AF65-F5344CB8AC3E}">
+        <p14:creationId xmlns:p14="http://schemas.microsoft.com/office/powerpoint/2010/main" val="749241873"/>
       </p:ext>
     </p:extLst>
   </p:cSld>

--- a/pics/pics.pptx
+++ b/pics/pics.pptx
@@ -244,7 +244,7 @@
           <a:p>
             <a:fld id="{E65E778F-C4EB-6749-96E0-A0E7AA333788}" type="datetimeFigureOut">
               <a:rPr lang="en-US" smtClean="0"/>
-              <a:t>10/5/18</a:t>
+              <a:t>10/12/18</a:t>
             </a:fld>
             <a:endParaRPr lang="en-US"/>
           </a:p>
@@ -414,7 +414,7 @@
           <a:p>
             <a:fld id="{E65E778F-C4EB-6749-96E0-A0E7AA333788}" type="datetimeFigureOut">
               <a:rPr lang="en-US" smtClean="0"/>
-              <a:t>10/5/18</a:t>
+              <a:t>10/12/18</a:t>
             </a:fld>
             <a:endParaRPr lang="en-US"/>
           </a:p>
@@ -594,7 +594,7 @@
           <a:p>
             <a:fld id="{E65E778F-C4EB-6749-96E0-A0E7AA333788}" type="datetimeFigureOut">
               <a:rPr lang="en-US" smtClean="0"/>
-              <a:t>10/5/18</a:t>
+              <a:t>10/12/18</a:t>
             </a:fld>
             <a:endParaRPr lang="en-US"/>
           </a:p>
@@ -764,7 +764,7 @@
           <a:p>
             <a:fld id="{E65E778F-C4EB-6749-96E0-A0E7AA333788}" type="datetimeFigureOut">
               <a:rPr lang="en-US" smtClean="0"/>
-              <a:t>10/5/18</a:t>
+              <a:t>10/12/18</a:t>
             </a:fld>
             <a:endParaRPr lang="en-US"/>
           </a:p>
@@ -1010,7 +1010,7 @@
           <a:p>
             <a:fld id="{E65E778F-C4EB-6749-96E0-A0E7AA333788}" type="datetimeFigureOut">
               <a:rPr lang="en-US" smtClean="0"/>
-              <a:t>10/5/18</a:t>
+              <a:t>10/12/18</a:t>
             </a:fld>
             <a:endParaRPr lang="en-US"/>
           </a:p>
@@ -1242,7 +1242,7 @@
           <a:p>
             <a:fld id="{E65E778F-C4EB-6749-96E0-A0E7AA333788}" type="datetimeFigureOut">
               <a:rPr lang="en-US" smtClean="0"/>
-              <a:t>10/5/18</a:t>
+              <a:t>10/12/18</a:t>
             </a:fld>
             <a:endParaRPr lang="en-US"/>
           </a:p>
@@ -1609,7 +1609,7 @@
           <a:p>
             <a:fld id="{E65E778F-C4EB-6749-96E0-A0E7AA333788}" type="datetimeFigureOut">
               <a:rPr lang="en-US" smtClean="0"/>
-              <a:t>10/5/18</a:t>
+              <a:t>10/12/18</a:t>
             </a:fld>
             <a:endParaRPr lang="en-US"/>
           </a:p>
@@ -1727,7 +1727,7 @@
           <a:p>
             <a:fld id="{E65E778F-C4EB-6749-96E0-A0E7AA333788}" type="datetimeFigureOut">
               <a:rPr lang="en-US" smtClean="0"/>
-              <a:t>10/5/18</a:t>
+              <a:t>10/12/18</a:t>
             </a:fld>
             <a:endParaRPr lang="en-US"/>
           </a:p>
@@ -1822,7 +1822,7 @@
           <a:p>
             <a:fld id="{E65E778F-C4EB-6749-96E0-A0E7AA333788}" type="datetimeFigureOut">
               <a:rPr lang="en-US" smtClean="0"/>
-              <a:t>10/5/18</a:t>
+              <a:t>10/12/18</a:t>
             </a:fld>
             <a:endParaRPr lang="en-US"/>
           </a:p>
@@ -2099,7 +2099,7 @@
           <a:p>
             <a:fld id="{E65E778F-C4EB-6749-96E0-A0E7AA333788}" type="datetimeFigureOut">
               <a:rPr lang="en-US" smtClean="0"/>
-              <a:t>10/5/18</a:t>
+              <a:t>10/12/18</a:t>
             </a:fld>
             <a:endParaRPr lang="en-US"/>
           </a:p>
@@ -2352,7 +2352,7 @@
           <a:p>
             <a:fld id="{E65E778F-C4EB-6749-96E0-A0E7AA333788}" type="datetimeFigureOut">
               <a:rPr lang="en-US" smtClean="0"/>
-              <a:t>10/5/18</a:t>
+              <a:t>10/12/18</a:t>
             </a:fld>
             <a:endParaRPr lang="en-US"/>
           </a:p>
@@ -2565,7 +2565,7 @@
           <a:p>
             <a:fld id="{E65E778F-C4EB-6749-96E0-A0E7AA333788}" type="datetimeFigureOut">
               <a:rPr lang="en-US" smtClean="0"/>
-              <a:t>10/5/18</a:t>
+              <a:t>10/12/18</a:t>
             </a:fld>
             <a:endParaRPr lang="en-US"/>
           </a:p>
@@ -5164,6 +5164,52 @@
       </p:grpSpPr>
       <p:sp>
         <p:nvSpPr>
+          <p:cNvPr id="8" name="Rectangle 7"/>
+          <p:cNvSpPr/>
+          <p:nvPr/>
+        </p:nvSpPr>
+        <p:spPr>
+          <a:xfrm>
+            <a:off x="6700688" y="3383166"/>
+            <a:ext cx="1624174" cy="1620001"/>
+          </a:xfrm>
+          <a:prstGeom prst="rect">
+            <a:avLst/>
+          </a:prstGeom>
+          <a:noFill/>
+          <a:ln>
+            <a:solidFill>
+              <a:schemeClr val="accent4"/>
+            </a:solidFill>
+          </a:ln>
+        </p:spPr>
+        <p:style>
+          <a:lnRef idx="2">
+            <a:schemeClr val="accent1">
+              <a:shade val="50000"/>
+            </a:schemeClr>
+          </a:lnRef>
+          <a:fillRef idx="1">
+            <a:schemeClr val="accent1"/>
+          </a:fillRef>
+          <a:effectRef idx="0">
+            <a:schemeClr val="accent1"/>
+          </a:effectRef>
+          <a:fontRef idx="minor">
+            <a:schemeClr val="lt1"/>
+          </a:fontRef>
+        </p:style>
+        <p:txBody>
+          <a:bodyPr rtlCol="0" anchor="ctr"/>
+          <a:lstStyle/>
+          <a:p>
+            <a:pPr algn="ctr"/>
+            <a:endParaRPr lang="en-US"/>
+          </a:p>
+        </p:txBody>
+      </p:sp>
+      <p:sp>
+        <p:nvSpPr>
           <p:cNvPr id="5" name="Rectangle 4"/>
           <p:cNvSpPr/>
           <p:nvPr/>
@@ -5297,14 +5343,57 @@
       </p:pic>
       <p:sp>
         <p:nvSpPr>
-          <p:cNvPr id="6" name="Frame 5"/>
+          <p:cNvPr id="10" name="Rectangle 9"/>
           <p:cNvSpPr/>
           <p:nvPr/>
         </p:nvSpPr>
         <p:spPr>
           <a:xfrm>
-            <a:off x="8177460" y="3524400"/>
-            <a:ext cx="792000" cy="792000"/>
+            <a:off x="9437462" y="1523122"/>
+            <a:ext cx="180000" cy="180000"/>
+          </a:xfrm>
+          <a:prstGeom prst="rect">
+            <a:avLst/>
+          </a:prstGeom>
+          <a:ln>
+            <a:noFill/>
+          </a:ln>
+        </p:spPr>
+        <p:style>
+          <a:lnRef idx="2">
+            <a:schemeClr val="accent1">
+              <a:shade val="50000"/>
+            </a:schemeClr>
+          </a:lnRef>
+          <a:fillRef idx="1">
+            <a:schemeClr val="accent1"/>
+          </a:fillRef>
+          <a:effectRef idx="0">
+            <a:schemeClr val="accent1"/>
+          </a:effectRef>
+          <a:fontRef idx="minor">
+            <a:schemeClr val="lt1"/>
+          </a:fontRef>
+        </p:style>
+        <p:txBody>
+          <a:bodyPr rtlCol="0" anchor="ctr"/>
+          <a:lstStyle/>
+          <a:p>
+            <a:pPr algn="ctr"/>
+            <a:endParaRPr lang="en-US"/>
+          </a:p>
+        </p:txBody>
+      </p:sp>
+      <p:sp>
+        <p:nvSpPr>
+          <p:cNvPr id="32" name="Frame 31"/>
+          <p:cNvSpPr/>
+          <p:nvPr/>
+        </p:nvSpPr>
+        <p:spPr>
+          <a:xfrm>
+            <a:off x="9167462" y="1253122"/>
+            <a:ext cx="720000" cy="720000"/>
           </a:xfrm>
           <a:prstGeom prst="frame">
             <a:avLst>
@@ -5346,21 +5435,19 @@
       </p:sp>
       <p:sp>
         <p:nvSpPr>
-          <p:cNvPr id="7" name="Rectangle 6"/>
+          <p:cNvPr id="33" name="Rectangle 32"/>
           <p:cNvSpPr/>
           <p:nvPr/>
         </p:nvSpPr>
         <p:spPr>
           <a:xfrm>
-            <a:off x="8465460" y="3812400"/>
-            <a:ext cx="216000" cy="216000"/>
+            <a:off x="1303663" y="2254529"/>
+            <a:ext cx="3330000" cy="3331742"/>
           </a:xfrm>
           <a:prstGeom prst="rect">
             <a:avLst/>
           </a:prstGeom>
-          <a:ln>
-            <a:noFill/>
-          </a:ln>
+          <a:noFill/>
         </p:spPr>
         <p:style>
           <a:lnRef idx="2">
@@ -5383,757 +5470,117 @@
           <a:lstStyle/>
           <a:p>
             <a:pPr algn="ctr"/>
-            <a:endParaRPr lang="en-US"/>
-          </a:p>
-        </p:txBody>
-      </p:sp>
-      <p:sp>
-        <p:nvSpPr>
-          <p:cNvPr id="10" name="Rectangle 9"/>
-          <p:cNvSpPr/>
+            <a:endParaRPr lang="en-US" b="1"/>
+          </a:p>
+        </p:txBody>
+      </p:sp>
+      <p:grpSp>
+        <p:nvGrpSpPr>
+          <p:cNvPr id="9" name="Group 8"/>
+          <p:cNvGrpSpPr/>
           <p:nvPr/>
-        </p:nvSpPr>
-        <p:spPr>
-          <a:xfrm>
-            <a:off x="9437462" y="1523122"/>
-            <a:ext cx="180000" cy="180000"/>
-          </a:xfrm>
-          <a:prstGeom prst="rect">
-            <a:avLst/>
-          </a:prstGeom>
-          <a:ln>
-            <a:noFill/>
-          </a:ln>
-        </p:spPr>
-        <p:style>
-          <a:lnRef idx="2">
-            <a:schemeClr val="accent1">
-              <a:shade val="50000"/>
-            </a:schemeClr>
-          </a:lnRef>
-          <a:fillRef idx="1">
-            <a:schemeClr val="accent1"/>
-          </a:fillRef>
-          <a:effectRef idx="0">
-            <a:schemeClr val="accent1"/>
-          </a:effectRef>
-          <a:fontRef idx="minor">
-            <a:schemeClr val="lt1"/>
-          </a:fontRef>
-        </p:style>
-        <p:txBody>
-          <a:bodyPr rtlCol="0" anchor="ctr"/>
-          <a:lstStyle/>
-          <a:p>
-            <a:pPr algn="ctr"/>
-            <a:endParaRPr lang="en-US"/>
-          </a:p>
-        </p:txBody>
-      </p:sp>
-      <p:sp>
-        <p:nvSpPr>
-          <p:cNvPr id="32" name="Frame 31"/>
-          <p:cNvSpPr/>
-          <p:nvPr/>
-        </p:nvSpPr>
-        <p:spPr>
-          <a:xfrm>
-            <a:off x="9167462" y="1253122"/>
-            <a:ext cx="720000" cy="720000"/>
-          </a:xfrm>
-          <a:prstGeom prst="frame">
-            <a:avLst>
-              <a:gd name="adj1" fmla="val 13342"/>
-            </a:avLst>
-          </a:prstGeom>
-          <a:ln>
-            <a:noFill/>
-          </a:ln>
-        </p:spPr>
-        <p:style>
-          <a:lnRef idx="2">
-            <a:schemeClr val="accent1">
-              <a:shade val="50000"/>
-            </a:schemeClr>
-          </a:lnRef>
-          <a:fillRef idx="1">
-            <a:schemeClr val="accent1"/>
-          </a:fillRef>
-          <a:effectRef idx="0">
-            <a:schemeClr val="accent1"/>
-          </a:effectRef>
-          <a:fontRef idx="minor">
-            <a:schemeClr val="lt1"/>
-          </a:fontRef>
-        </p:style>
-        <p:txBody>
-          <a:bodyPr rtlCol="0" anchor="ctr"/>
-          <a:lstStyle/>
-          <a:p>
-            <a:pPr algn="ctr"/>
-            <a:endParaRPr lang="en-US">
-              <a:solidFill>
-                <a:schemeClr val="tx1"/>
-              </a:solidFill>
-            </a:endParaRPr>
-          </a:p>
-        </p:txBody>
-      </p:sp>
-      <p:sp>
-        <p:nvSpPr>
-          <p:cNvPr id="33" name="Rectangle 32"/>
-          <p:cNvSpPr/>
-          <p:nvPr/>
-        </p:nvSpPr>
-        <p:spPr>
-          <a:xfrm>
-            <a:off x="1303663" y="2254529"/>
-            <a:ext cx="3330000" cy="3331742"/>
-          </a:xfrm>
-          <a:prstGeom prst="rect">
-            <a:avLst/>
-          </a:prstGeom>
-          <a:noFill/>
-        </p:spPr>
-        <p:style>
-          <a:lnRef idx="2">
-            <a:schemeClr val="accent1">
-              <a:shade val="50000"/>
-            </a:schemeClr>
-          </a:lnRef>
-          <a:fillRef idx="1">
-            <a:schemeClr val="accent1"/>
-          </a:fillRef>
-          <a:effectRef idx="0">
-            <a:schemeClr val="accent1"/>
-          </a:effectRef>
-          <a:fontRef idx="minor">
-            <a:schemeClr val="lt1"/>
-          </a:fontRef>
-        </p:style>
-        <p:txBody>
-          <a:bodyPr rtlCol="0" anchor="ctr"/>
-          <a:lstStyle/>
-          <a:p>
-            <a:pPr algn="ctr"/>
-            <a:endParaRPr lang="en-US" b="1"/>
-          </a:p>
-        </p:txBody>
-      </p:sp>
-      <p:sp>
-        <p:nvSpPr>
-          <p:cNvPr id="36" name="Frame 35"/>
-          <p:cNvSpPr/>
-          <p:nvPr/>
-        </p:nvSpPr>
-        <p:spPr>
-          <a:xfrm>
-            <a:off x="8177460" y="4532400"/>
+        </p:nvGrpSpPr>
+        <p:grpSpPr>
+          <a:xfrm>
+            <a:off x="8173320" y="4527845"/>
             <a:ext cx="792000" cy="792000"/>
-          </a:xfrm>
-          <a:prstGeom prst="frame">
-            <a:avLst>
-              <a:gd name="adj1" fmla="val 13342"/>
-            </a:avLst>
-          </a:prstGeom>
-          <a:ln>
-            <a:noFill/>
-          </a:ln>
-        </p:spPr>
-        <p:style>
-          <a:lnRef idx="2">
-            <a:schemeClr val="accent1">
-              <a:shade val="50000"/>
-            </a:schemeClr>
-          </a:lnRef>
-          <a:fillRef idx="1">
-            <a:schemeClr val="accent1"/>
-          </a:fillRef>
-          <a:effectRef idx="0">
-            <a:schemeClr val="accent1"/>
-          </a:effectRef>
-          <a:fontRef idx="minor">
-            <a:schemeClr val="lt1"/>
-          </a:fontRef>
-        </p:style>
-        <p:txBody>
-          <a:bodyPr rtlCol="0" anchor="ctr"/>
-          <a:lstStyle/>
-          <a:p>
-            <a:pPr algn="ctr"/>
-            <a:endParaRPr lang="en-US">
-              <a:solidFill>
-                <a:schemeClr val="tx1"/>
-              </a:solidFill>
-            </a:endParaRPr>
-          </a:p>
-        </p:txBody>
-      </p:sp>
-      <p:sp>
-        <p:nvSpPr>
-          <p:cNvPr id="37" name="Rectangle 36"/>
-          <p:cNvSpPr/>
-          <p:nvPr/>
-        </p:nvSpPr>
-        <p:spPr>
-          <a:xfrm>
-            <a:off x="8465460" y="4820400"/>
-            <a:ext cx="216000" cy="216000"/>
-          </a:xfrm>
-          <a:prstGeom prst="rect">
-            <a:avLst/>
-          </a:prstGeom>
-          <a:ln>
-            <a:noFill/>
-          </a:ln>
-        </p:spPr>
-        <p:style>
-          <a:lnRef idx="2">
-            <a:schemeClr val="accent1">
-              <a:shade val="50000"/>
-            </a:schemeClr>
-          </a:lnRef>
-          <a:fillRef idx="1">
-            <a:schemeClr val="accent1"/>
-          </a:fillRef>
-          <a:effectRef idx="0">
-            <a:schemeClr val="accent1"/>
-          </a:effectRef>
-          <a:fontRef idx="minor">
-            <a:schemeClr val="lt1"/>
-          </a:fontRef>
-        </p:style>
-        <p:txBody>
-          <a:bodyPr rtlCol="0" anchor="ctr"/>
-          <a:lstStyle/>
-          <a:p>
-            <a:pPr algn="ctr"/>
-            <a:endParaRPr lang="en-US"/>
-          </a:p>
-        </p:txBody>
-      </p:sp>
-      <p:sp>
-        <p:nvSpPr>
-          <p:cNvPr id="38" name="Frame 37"/>
-          <p:cNvSpPr/>
-          <p:nvPr/>
-        </p:nvSpPr>
-        <p:spPr>
-          <a:xfrm>
-            <a:off x="9185462" y="3524400"/>
-            <a:ext cx="792000" cy="792000"/>
-          </a:xfrm>
-          <a:prstGeom prst="frame">
-            <a:avLst>
-              <a:gd name="adj1" fmla="val 13342"/>
-            </a:avLst>
-          </a:prstGeom>
-          <a:ln>
-            <a:noFill/>
-          </a:ln>
-        </p:spPr>
-        <p:style>
-          <a:lnRef idx="2">
-            <a:schemeClr val="accent1">
-              <a:shade val="50000"/>
-            </a:schemeClr>
-          </a:lnRef>
-          <a:fillRef idx="1">
-            <a:schemeClr val="accent1"/>
-          </a:fillRef>
-          <a:effectRef idx="0">
-            <a:schemeClr val="accent1"/>
-          </a:effectRef>
-          <a:fontRef idx="minor">
-            <a:schemeClr val="lt1"/>
-          </a:fontRef>
-        </p:style>
-        <p:txBody>
-          <a:bodyPr rtlCol="0" anchor="ctr"/>
-          <a:lstStyle/>
-          <a:p>
-            <a:pPr algn="ctr"/>
-            <a:endParaRPr lang="en-US">
-              <a:solidFill>
-                <a:schemeClr val="tx1"/>
-              </a:solidFill>
-            </a:endParaRPr>
-          </a:p>
-        </p:txBody>
-      </p:sp>
-      <p:sp>
-        <p:nvSpPr>
-          <p:cNvPr id="39" name="Rectangle 38"/>
-          <p:cNvSpPr/>
-          <p:nvPr/>
-        </p:nvSpPr>
-        <p:spPr>
-          <a:xfrm>
-            <a:off x="9473462" y="3812400"/>
-            <a:ext cx="216000" cy="216000"/>
-          </a:xfrm>
-          <a:prstGeom prst="rect">
-            <a:avLst/>
-          </a:prstGeom>
-          <a:ln>
-            <a:noFill/>
-          </a:ln>
-        </p:spPr>
-        <p:style>
-          <a:lnRef idx="2">
-            <a:schemeClr val="accent1">
-              <a:shade val="50000"/>
-            </a:schemeClr>
-          </a:lnRef>
-          <a:fillRef idx="1">
-            <a:schemeClr val="accent1"/>
-          </a:fillRef>
-          <a:effectRef idx="0">
-            <a:schemeClr val="accent1"/>
-          </a:effectRef>
-          <a:fontRef idx="minor">
-            <a:schemeClr val="lt1"/>
-          </a:fontRef>
-        </p:style>
-        <p:txBody>
-          <a:bodyPr rtlCol="0" anchor="ctr"/>
-          <a:lstStyle/>
-          <a:p>
-            <a:pPr algn="ctr"/>
-            <a:endParaRPr lang="en-US"/>
-          </a:p>
-        </p:txBody>
-      </p:sp>
-      <p:sp>
-        <p:nvSpPr>
-          <p:cNvPr id="40" name="Rectangle 39"/>
-          <p:cNvSpPr/>
-          <p:nvPr/>
-        </p:nvSpPr>
-        <p:spPr>
-          <a:xfrm>
-            <a:off x="9185462" y="4532400"/>
-            <a:ext cx="504000" cy="107021"/>
-          </a:xfrm>
-          <a:prstGeom prst="rect">
-            <a:avLst/>
-          </a:prstGeom>
-          <a:ln>
-            <a:noFill/>
-          </a:ln>
-        </p:spPr>
-        <p:style>
-          <a:lnRef idx="2">
-            <a:schemeClr val="accent1">
-              <a:shade val="50000"/>
-            </a:schemeClr>
-          </a:lnRef>
-          <a:fillRef idx="1">
-            <a:schemeClr val="accent1"/>
-          </a:fillRef>
-          <a:effectRef idx="0">
-            <a:schemeClr val="accent1"/>
-          </a:effectRef>
-          <a:fontRef idx="minor">
-            <a:schemeClr val="lt1"/>
-          </a:fontRef>
-        </p:style>
-        <p:txBody>
-          <a:bodyPr rtlCol="0" anchor="ctr"/>
-          <a:lstStyle/>
-          <a:p>
-            <a:pPr algn="ctr"/>
-            <a:endParaRPr lang="en-US"/>
-          </a:p>
-        </p:txBody>
-      </p:sp>
-      <p:sp>
-        <p:nvSpPr>
-          <p:cNvPr id="41" name="Rectangle 40"/>
-          <p:cNvSpPr/>
-          <p:nvPr/>
-        </p:nvSpPr>
-        <p:spPr>
-          <a:xfrm rot="5400000">
-            <a:off x="9049983" y="4696105"/>
-            <a:ext cx="377975" cy="107021"/>
-          </a:xfrm>
-          <a:prstGeom prst="rect">
-            <a:avLst/>
-          </a:prstGeom>
-          <a:ln>
-            <a:noFill/>
-          </a:ln>
-        </p:spPr>
-        <p:style>
-          <a:lnRef idx="2">
-            <a:schemeClr val="accent1">
-              <a:shade val="50000"/>
-            </a:schemeClr>
-          </a:lnRef>
-          <a:fillRef idx="1">
-            <a:schemeClr val="accent1"/>
-          </a:fillRef>
-          <a:effectRef idx="0">
-            <a:schemeClr val="accent1"/>
-          </a:effectRef>
-          <a:fontRef idx="minor">
-            <a:schemeClr val="lt1"/>
-          </a:fontRef>
-        </p:style>
-        <p:txBody>
-          <a:bodyPr rtlCol="0" anchor="ctr"/>
-          <a:lstStyle/>
-          <a:p>
-            <a:pPr algn="ctr"/>
-            <a:endParaRPr lang="en-US"/>
-          </a:p>
-        </p:txBody>
-      </p:sp>
-      <p:sp>
-        <p:nvSpPr>
-          <p:cNvPr id="42" name="Rectangle 41"/>
-          <p:cNvSpPr/>
-          <p:nvPr/>
-        </p:nvSpPr>
-        <p:spPr>
-          <a:xfrm rot="5400000">
-            <a:off x="9532460" y="4597411"/>
-            <a:ext cx="206983" cy="107021"/>
-          </a:xfrm>
-          <a:prstGeom prst="rect">
-            <a:avLst/>
-          </a:prstGeom>
-          <a:ln>
-            <a:noFill/>
-          </a:ln>
-        </p:spPr>
-        <p:style>
-          <a:lnRef idx="2">
-            <a:schemeClr val="accent1">
-              <a:shade val="50000"/>
-            </a:schemeClr>
-          </a:lnRef>
-          <a:fillRef idx="1">
-            <a:schemeClr val="accent1"/>
-          </a:fillRef>
-          <a:effectRef idx="0">
-            <a:schemeClr val="accent1"/>
-          </a:effectRef>
-          <a:fontRef idx="minor">
-            <a:schemeClr val="lt1"/>
-          </a:fontRef>
-        </p:style>
-        <p:txBody>
-          <a:bodyPr rtlCol="0" anchor="ctr"/>
-          <a:lstStyle/>
-          <a:p>
-            <a:pPr algn="ctr"/>
-            <a:endParaRPr lang="en-US"/>
-          </a:p>
-        </p:txBody>
-      </p:sp>
-      <p:sp>
-        <p:nvSpPr>
-          <p:cNvPr id="43" name="Rectangle 42"/>
-          <p:cNvSpPr/>
-          <p:nvPr/>
-        </p:nvSpPr>
-        <p:spPr>
-          <a:xfrm>
-            <a:off x="9402319" y="4843373"/>
-            <a:ext cx="571003" cy="107021"/>
-          </a:xfrm>
-          <a:prstGeom prst="rect">
-            <a:avLst/>
-          </a:prstGeom>
-          <a:ln>
-            <a:noFill/>
-          </a:ln>
-        </p:spPr>
-        <p:style>
-          <a:lnRef idx="2">
-            <a:schemeClr val="accent1">
-              <a:shade val="50000"/>
-            </a:schemeClr>
-          </a:lnRef>
-          <a:fillRef idx="1">
-            <a:schemeClr val="accent1"/>
-          </a:fillRef>
-          <a:effectRef idx="0">
-            <a:schemeClr val="accent1"/>
-          </a:effectRef>
-          <a:fontRef idx="minor">
-            <a:schemeClr val="lt1"/>
-          </a:fontRef>
-        </p:style>
-        <p:txBody>
-          <a:bodyPr rtlCol="0" anchor="ctr"/>
-          <a:lstStyle/>
-          <a:p>
-            <a:pPr algn="ctr"/>
-            <a:endParaRPr lang="en-US"/>
-          </a:p>
-        </p:txBody>
-      </p:sp>
-      <p:sp>
-        <p:nvSpPr>
-          <p:cNvPr id="44" name="Rectangle 43"/>
-          <p:cNvSpPr/>
-          <p:nvPr/>
-        </p:nvSpPr>
-        <p:spPr>
-          <a:xfrm rot="5400000">
-            <a:off x="9791639" y="4718221"/>
-            <a:ext cx="264621" cy="107021"/>
-          </a:xfrm>
-          <a:prstGeom prst="rect">
-            <a:avLst/>
-          </a:prstGeom>
-          <a:ln>
-            <a:noFill/>
-          </a:ln>
-        </p:spPr>
-        <p:style>
-          <a:lnRef idx="2">
-            <a:schemeClr val="accent1">
-              <a:shade val="50000"/>
-            </a:schemeClr>
-          </a:lnRef>
-          <a:fillRef idx="1">
-            <a:schemeClr val="accent1"/>
-          </a:fillRef>
-          <a:effectRef idx="0">
-            <a:schemeClr val="accent1"/>
-          </a:effectRef>
-          <a:fontRef idx="minor">
-            <a:schemeClr val="lt1"/>
-          </a:fontRef>
-        </p:style>
-        <p:txBody>
-          <a:bodyPr rtlCol="0" anchor="ctr"/>
-          <a:lstStyle/>
-          <a:p>
-            <a:pPr algn="ctr"/>
-            <a:endParaRPr lang="en-US"/>
-          </a:p>
-        </p:txBody>
-      </p:sp>
-      <p:sp>
-        <p:nvSpPr>
-          <p:cNvPr id="46" name="Rectangle 45"/>
-          <p:cNvSpPr/>
-          <p:nvPr/>
-        </p:nvSpPr>
-        <p:spPr>
-          <a:xfrm>
-            <a:off x="9185460" y="5215614"/>
-            <a:ext cx="396981" cy="107021"/>
-          </a:xfrm>
-          <a:prstGeom prst="rect">
-            <a:avLst/>
-          </a:prstGeom>
-          <a:ln>
-            <a:noFill/>
-          </a:ln>
-        </p:spPr>
-        <p:style>
-          <a:lnRef idx="2">
-            <a:schemeClr val="accent1">
-              <a:shade val="50000"/>
-            </a:schemeClr>
-          </a:lnRef>
-          <a:fillRef idx="1">
-            <a:schemeClr val="accent1"/>
-          </a:fillRef>
-          <a:effectRef idx="0">
-            <a:schemeClr val="accent1"/>
-          </a:effectRef>
-          <a:fontRef idx="minor">
-            <a:schemeClr val="lt1"/>
-          </a:fontRef>
-        </p:style>
-        <p:txBody>
-          <a:bodyPr rtlCol="0" anchor="ctr"/>
-          <a:lstStyle/>
-          <a:p>
-            <a:pPr algn="ctr"/>
-            <a:endParaRPr lang="en-US"/>
-          </a:p>
-        </p:txBody>
-      </p:sp>
-      <p:sp>
-        <p:nvSpPr>
-          <p:cNvPr id="47" name="Rectangle 46"/>
-          <p:cNvSpPr/>
-          <p:nvPr/>
-        </p:nvSpPr>
-        <p:spPr>
-          <a:xfrm rot="5400000">
-            <a:off x="9135479" y="5166042"/>
-            <a:ext cx="206983" cy="107021"/>
-          </a:xfrm>
-          <a:prstGeom prst="rect">
-            <a:avLst/>
-          </a:prstGeom>
-          <a:ln>
-            <a:noFill/>
-          </a:ln>
-        </p:spPr>
-        <p:style>
-          <a:lnRef idx="2">
-            <a:schemeClr val="accent1">
-              <a:shade val="50000"/>
-            </a:schemeClr>
-          </a:lnRef>
-          <a:fillRef idx="1">
-            <a:schemeClr val="accent1"/>
-          </a:fillRef>
-          <a:effectRef idx="0">
-            <a:schemeClr val="accent1"/>
-          </a:effectRef>
-          <a:fontRef idx="minor">
-            <a:schemeClr val="lt1"/>
-          </a:fontRef>
-        </p:style>
-        <p:txBody>
-          <a:bodyPr rtlCol="0" anchor="ctr"/>
-          <a:lstStyle/>
-          <a:p>
-            <a:pPr algn="ctr"/>
-            <a:endParaRPr lang="en-US"/>
-          </a:p>
-        </p:txBody>
-      </p:sp>
-      <p:sp>
-        <p:nvSpPr>
-          <p:cNvPr id="48" name="Rectangle 47"/>
-          <p:cNvSpPr/>
-          <p:nvPr/>
-        </p:nvSpPr>
-        <p:spPr>
-          <a:xfrm rot="5400000">
-            <a:off x="9385249" y="5124612"/>
-            <a:ext cx="283445" cy="107021"/>
-          </a:xfrm>
-          <a:prstGeom prst="rect">
-            <a:avLst/>
-          </a:prstGeom>
-          <a:ln>
-            <a:noFill/>
-          </a:ln>
-        </p:spPr>
-        <p:style>
-          <a:lnRef idx="2">
-            <a:schemeClr val="accent1">
-              <a:shade val="50000"/>
-            </a:schemeClr>
-          </a:lnRef>
-          <a:fillRef idx="1">
-            <a:schemeClr val="accent1"/>
-          </a:fillRef>
-          <a:effectRef idx="0">
-            <a:schemeClr val="accent1"/>
-          </a:effectRef>
-          <a:fontRef idx="minor">
-            <a:schemeClr val="lt1"/>
-          </a:fontRef>
-        </p:style>
-        <p:txBody>
-          <a:bodyPr rtlCol="0" anchor="ctr"/>
-          <a:lstStyle/>
-          <a:p>
-            <a:pPr algn="ctr"/>
-            <a:endParaRPr lang="en-US"/>
-          </a:p>
-        </p:txBody>
-      </p:sp>
-      <p:sp>
-        <p:nvSpPr>
-          <p:cNvPr id="49" name="Rectangle 48"/>
-          <p:cNvSpPr/>
-          <p:nvPr/>
-        </p:nvSpPr>
-        <p:spPr>
-          <a:xfrm>
-            <a:off x="9485281" y="5033613"/>
-            <a:ext cx="488042" cy="107021"/>
-          </a:xfrm>
-          <a:prstGeom prst="rect">
-            <a:avLst/>
-          </a:prstGeom>
-          <a:ln>
-            <a:noFill/>
-          </a:ln>
-        </p:spPr>
-        <p:style>
-          <a:lnRef idx="2">
-            <a:schemeClr val="accent1">
-              <a:shade val="50000"/>
-            </a:schemeClr>
-          </a:lnRef>
-          <a:fillRef idx="1">
-            <a:schemeClr val="accent1"/>
-          </a:fillRef>
-          <a:effectRef idx="0">
-            <a:schemeClr val="accent1"/>
-          </a:effectRef>
-          <a:fontRef idx="minor">
-            <a:schemeClr val="lt1"/>
-          </a:fontRef>
-        </p:style>
-        <p:txBody>
-          <a:bodyPr rtlCol="0" anchor="ctr"/>
-          <a:lstStyle/>
-          <a:p>
-            <a:pPr algn="ctr"/>
-            <a:endParaRPr lang="en-US"/>
-          </a:p>
-        </p:txBody>
-      </p:sp>
-      <p:sp>
-        <p:nvSpPr>
-          <p:cNvPr id="50" name="Rectangle 49"/>
-          <p:cNvSpPr/>
-          <p:nvPr/>
-        </p:nvSpPr>
-        <p:spPr>
-          <a:xfrm>
-            <a:off x="9764509" y="5215613"/>
-            <a:ext cx="211860" cy="107021"/>
-          </a:xfrm>
-          <a:prstGeom prst="rect">
-            <a:avLst/>
-          </a:prstGeom>
-          <a:ln>
-            <a:noFill/>
-          </a:ln>
-        </p:spPr>
-        <p:style>
-          <a:lnRef idx="2">
-            <a:schemeClr val="accent1">
-              <a:shade val="50000"/>
-            </a:schemeClr>
-          </a:lnRef>
-          <a:fillRef idx="1">
-            <a:schemeClr val="accent1"/>
-          </a:fillRef>
-          <a:effectRef idx="0">
-            <a:schemeClr val="accent1"/>
-          </a:effectRef>
-          <a:fontRef idx="minor">
-            <a:schemeClr val="lt1"/>
-          </a:fontRef>
-        </p:style>
-        <p:txBody>
-          <a:bodyPr rtlCol="0" anchor="ctr"/>
-          <a:lstStyle/>
-          <a:p>
-            <a:pPr algn="ctr"/>
-            <a:endParaRPr lang="en-US"/>
-          </a:p>
-        </p:txBody>
-      </p:sp>
+            <a:chOff x="9185462" y="3524400"/>
+            <a:chExt cx="792000" cy="792000"/>
+          </a:xfrm>
+        </p:grpSpPr>
+        <p:sp>
+          <p:nvSpPr>
+            <p:cNvPr id="38" name="Frame 37"/>
+            <p:cNvSpPr/>
+            <p:nvPr/>
+          </p:nvSpPr>
+          <p:spPr>
+            <a:xfrm>
+              <a:off x="9185462" y="3524400"/>
+              <a:ext cx="792000" cy="792000"/>
+            </a:xfrm>
+            <a:prstGeom prst="frame">
+              <a:avLst>
+                <a:gd name="adj1" fmla="val 13342"/>
+              </a:avLst>
+            </a:prstGeom>
+            <a:ln>
+              <a:noFill/>
+            </a:ln>
+          </p:spPr>
+          <p:style>
+            <a:lnRef idx="2">
+              <a:schemeClr val="accent1">
+                <a:shade val="50000"/>
+              </a:schemeClr>
+            </a:lnRef>
+            <a:fillRef idx="1">
+              <a:schemeClr val="accent1"/>
+            </a:fillRef>
+            <a:effectRef idx="0">
+              <a:schemeClr val="accent1"/>
+            </a:effectRef>
+            <a:fontRef idx="minor">
+              <a:schemeClr val="lt1"/>
+            </a:fontRef>
+          </p:style>
+          <p:txBody>
+            <a:bodyPr rtlCol="0" anchor="ctr"/>
+            <a:lstStyle/>
+            <a:p>
+              <a:pPr algn="ctr"/>
+              <a:endParaRPr lang="en-US">
+                <a:solidFill>
+                  <a:schemeClr val="tx1"/>
+                </a:solidFill>
+              </a:endParaRPr>
+            </a:p>
+          </p:txBody>
+        </p:sp>
+        <p:sp>
+          <p:nvSpPr>
+            <p:cNvPr id="39" name="Rectangle 38"/>
+            <p:cNvSpPr/>
+            <p:nvPr/>
+          </p:nvSpPr>
+          <p:spPr>
+            <a:xfrm>
+              <a:off x="9473462" y="3812400"/>
+              <a:ext cx="216000" cy="216000"/>
+            </a:xfrm>
+            <a:prstGeom prst="rect">
+              <a:avLst/>
+            </a:prstGeom>
+            <a:ln>
+              <a:noFill/>
+            </a:ln>
+          </p:spPr>
+          <p:style>
+            <a:lnRef idx="2">
+              <a:schemeClr val="accent1">
+                <a:shade val="50000"/>
+              </a:schemeClr>
+            </a:lnRef>
+            <a:fillRef idx="1">
+              <a:schemeClr val="accent1"/>
+            </a:fillRef>
+            <a:effectRef idx="0">
+              <a:schemeClr val="accent1"/>
+            </a:effectRef>
+            <a:fontRef idx="minor">
+              <a:schemeClr val="lt1"/>
+            </a:fontRef>
+          </p:style>
+          <p:txBody>
+            <a:bodyPr rtlCol="0" anchor="ctr"/>
+            <a:lstStyle/>
+            <a:p>
+              <a:pPr algn="ctr"/>
+              <a:endParaRPr lang="en-US"/>
+            </a:p>
+          </p:txBody>
+        </p:sp>
+      </p:grpSp>
       <p:grpSp>
         <p:nvGrpSpPr>
           <p:cNvPr id="60" name="Group 59"/>
@@ -6238,6 +5685,992 @@
             </a:prstGeom>
           </p:spPr>
         </p:pic>
+      </p:grpSp>
+      <p:grpSp>
+        <p:nvGrpSpPr>
+          <p:cNvPr id="31" name="Group 30"/>
+          <p:cNvGrpSpPr/>
+          <p:nvPr/>
+        </p:nvGrpSpPr>
+        <p:grpSpPr>
+          <a:xfrm>
+            <a:off x="8173802" y="3524400"/>
+            <a:ext cx="792000" cy="792000"/>
+            <a:chOff x="9185462" y="3524400"/>
+            <a:chExt cx="792000" cy="792000"/>
+          </a:xfrm>
+        </p:grpSpPr>
+        <p:sp>
+          <p:nvSpPr>
+            <p:cNvPr id="34" name="Frame 33"/>
+            <p:cNvSpPr/>
+            <p:nvPr/>
+          </p:nvSpPr>
+          <p:spPr>
+            <a:xfrm>
+              <a:off x="9185462" y="3524400"/>
+              <a:ext cx="792000" cy="792000"/>
+            </a:xfrm>
+            <a:prstGeom prst="frame">
+              <a:avLst>
+                <a:gd name="adj1" fmla="val 13342"/>
+              </a:avLst>
+            </a:prstGeom>
+            <a:ln>
+              <a:noFill/>
+            </a:ln>
+          </p:spPr>
+          <p:style>
+            <a:lnRef idx="2">
+              <a:schemeClr val="accent1">
+                <a:shade val="50000"/>
+              </a:schemeClr>
+            </a:lnRef>
+            <a:fillRef idx="1">
+              <a:schemeClr val="accent1"/>
+            </a:fillRef>
+            <a:effectRef idx="0">
+              <a:schemeClr val="accent1"/>
+            </a:effectRef>
+            <a:fontRef idx="minor">
+              <a:schemeClr val="lt1"/>
+            </a:fontRef>
+          </p:style>
+          <p:txBody>
+            <a:bodyPr rtlCol="0" anchor="ctr"/>
+            <a:lstStyle/>
+            <a:p>
+              <a:pPr algn="ctr"/>
+              <a:endParaRPr lang="en-US">
+                <a:solidFill>
+                  <a:schemeClr val="tx1"/>
+                </a:solidFill>
+              </a:endParaRPr>
+            </a:p>
+          </p:txBody>
+        </p:sp>
+        <p:sp>
+          <p:nvSpPr>
+            <p:cNvPr id="35" name="Rectangle 34"/>
+            <p:cNvSpPr/>
+            <p:nvPr/>
+          </p:nvSpPr>
+          <p:spPr>
+            <a:xfrm>
+              <a:off x="9473462" y="3812400"/>
+              <a:ext cx="216000" cy="216000"/>
+            </a:xfrm>
+            <a:prstGeom prst="rect">
+              <a:avLst/>
+            </a:prstGeom>
+            <a:ln>
+              <a:noFill/>
+            </a:ln>
+          </p:spPr>
+          <p:style>
+            <a:lnRef idx="2">
+              <a:schemeClr val="accent1">
+                <a:shade val="50000"/>
+              </a:schemeClr>
+            </a:lnRef>
+            <a:fillRef idx="1">
+              <a:schemeClr val="accent1"/>
+            </a:fillRef>
+            <a:effectRef idx="0">
+              <a:schemeClr val="accent1"/>
+            </a:effectRef>
+            <a:fontRef idx="minor">
+              <a:schemeClr val="lt1"/>
+            </a:fontRef>
+          </p:style>
+          <p:txBody>
+            <a:bodyPr rtlCol="0" anchor="ctr"/>
+            <a:lstStyle/>
+            <a:p>
+              <a:pPr algn="ctr"/>
+              <a:endParaRPr lang="en-US"/>
+            </a:p>
+          </p:txBody>
+        </p:sp>
+      </p:grpSp>
+      <p:grpSp>
+        <p:nvGrpSpPr>
+          <p:cNvPr id="45" name="Group 44"/>
+          <p:cNvGrpSpPr/>
+          <p:nvPr/>
+        </p:nvGrpSpPr>
+        <p:grpSpPr>
+          <a:xfrm>
+            <a:off x="9181322" y="4527845"/>
+            <a:ext cx="792000" cy="792000"/>
+            <a:chOff x="9185462" y="3524400"/>
+            <a:chExt cx="792000" cy="792000"/>
+          </a:xfrm>
+        </p:grpSpPr>
+        <p:sp>
+          <p:nvSpPr>
+            <p:cNvPr id="51" name="Frame 50"/>
+            <p:cNvSpPr/>
+            <p:nvPr/>
+          </p:nvSpPr>
+          <p:spPr>
+            <a:xfrm>
+              <a:off x="9185462" y="3524400"/>
+              <a:ext cx="792000" cy="792000"/>
+            </a:xfrm>
+            <a:prstGeom prst="frame">
+              <a:avLst>
+                <a:gd name="adj1" fmla="val 13342"/>
+              </a:avLst>
+            </a:prstGeom>
+            <a:ln>
+              <a:noFill/>
+            </a:ln>
+          </p:spPr>
+          <p:style>
+            <a:lnRef idx="2">
+              <a:schemeClr val="accent1">
+                <a:shade val="50000"/>
+              </a:schemeClr>
+            </a:lnRef>
+            <a:fillRef idx="1">
+              <a:schemeClr val="accent1"/>
+            </a:fillRef>
+            <a:effectRef idx="0">
+              <a:schemeClr val="accent1"/>
+            </a:effectRef>
+            <a:fontRef idx="minor">
+              <a:schemeClr val="lt1"/>
+            </a:fontRef>
+          </p:style>
+          <p:txBody>
+            <a:bodyPr rtlCol="0" anchor="ctr"/>
+            <a:lstStyle/>
+            <a:p>
+              <a:pPr algn="ctr"/>
+              <a:endParaRPr lang="en-US">
+                <a:solidFill>
+                  <a:schemeClr val="tx1"/>
+                </a:solidFill>
+              </a:endParaRPr>
+            </a:p>
+          </p:txBody>
+        </p:sp>
+        <p:sp>
+          <p:nvSpPr>
+            <p:cNvPr id="55" name="Rectangle 54"/>
+            <p:cNvSpPr/>
+            <p:nvPr/>
+          </p:nvSpPr>
+          <p:spPr>
+            <a:xfrm>
+              <a:off x="9473462" y="3812400"/>
+              <a:ext cx="216000" cy="216000"/>
+            </a:xfrm>
+            <a:prstGeom prst="rect">
+              <a:avLst/>
+            </a:prstGeom>
+            <a:ln>
+              <a:noFill/>
+            </a:ln>
+          </p:spPr>
+          <p:style>
+            <a:lnRef idx="2">
+              <a:schemeClr val="accent1">
+                <a:shade val="50000"/>
+              </a:schemeClr>
+            </a:lnRef>
+            <a:fillRef idx="1">
+              <a:schemeClr val="accent1"/>
+            </a:fillRef>
+            <a:effectRef idx="0">
+              <a:schemeClr val="accent1"/>
+            </a:effectRef>
+            <a:fontRef idx="minor">
+              <a:schemeClr val="lt1"/>
+            </a:fontRef>
+          </p:style>
+          <p:txBody>
+            <a:bodyPr rtlCol="0" anchor="ctr"/>
+            <a:lstStyle/>
+            <a:p>
+              <a:pPr algn="ctr"/>
+              <a:endParaRPr lang="en-US"/>
+            </a:p>
+          </p:txBody>
+        </p:sp>
+      </p:grpSp>
+      <p:grpSp>
+        <p:nvGrpSpPr>
+          <p:cNvPr id="56" name="Group 55"/>
+          <p:cNvGrpSpPr/>
+          <p:nvPr/>
+        </p:nvGrpSpPr>
+        <p:grpSpPr>
+          <a:xfrm>
+            <a:off x="9181322" y="3524400"/>
+            <a:ext cx="792000" cy="792000"/>
+            <a:chOff x="9185462" y="3524400"/>
+            <a:chExt cx="792000" cy="792000"/>
+          </a:xfrm>
+        </p:grpSpPr>
+        <p:sp>
+          <p:nvSpPr>
+            <p:cNvPr id="57" name="Frame 56"/>
+            <p:cNvSpPr/>
+            <p:nvPr/>
+          </p:nvSpPr>
+          <p:spPr>
+            <a:xfrm>
+              <a:off x="9185462" y="3524400"/>
+              <a:ext cx="792000" cy="792000"/>
+            </a:xfrm>
+            <a:prstGeom prst="frame">
+              <a:avLst>
+                <a:gd name="adj1" fmla="val 13342"/>
+              </a:avLst>
+            </a:prstGeom>
+            <a:ln>
+              <a:noFill/>
+            </a:ln>
+          </p:spPr>
+          <p:style>
+            <a:lnRef idx="2">
+              <a:schemeClr val="accent1">
+                <a:shade val="50000"/>
+              </a:schemeClr>
+            </a:lnRef>
+            <a:fillRef idx="1">
+              <a:schemeClr val="accent1"/>
+            </a:fillRef>
+            <a:effectRef idx="0">
+              <a:schemeClr val="accent1"/>
+            </a:effectRef>
+            <a:fontRef idx="minor">
+              <a:schemeClr val="lt1"/>
+            </a:fontRef>
+          </p:style>
+          <p:txBody>
+            <a:bodyPr rtlCol="0" anchor="ctr"/>
+            <a:lstStyle/>
+            <a:p>
+              <a:pPr algn="ctr"/>
+              <a:endParaRPr lang="en-US">
+                <a:solidFill>
+                  <a:schemeClr val="tx1"/>
+                </a:solidFill>
+              </a:endParaRPr>
+            </a:p>
+          </p:txBody>
+        </p:sp>
+        <p:sp>
+          <p:nvSpPr>
+            <p:cNvPr id="58" name="Rectangle 57"/>
+            <p:cNvSpPr/>
+            <p:nvPr/>
+          </p:nvSpPr>
+          <p:spPr>
+            <a:xfrm>
+              <a:off x="9473462" y="3812400"/>
+              <a:ext cx="216000" cy="216000"/>
+            </a:xfrm>
+            <a:prstGeom prst="rect">
+              <a:avLst/>
+            </a:prstGeom>
+            <a:ln>
+              <a:noFill/>
+            </a:ln>
+          </p:spPr>
+          <p:style>
+            <a:lnRef idx="2">
+              <a:schemeClr val="accent1">
+                <a:shade val="50000"/>
+              </a:schemeClr>
+            </a:lnRef>
+            <a:fillRef idx="1">
+              <a:schemeClr val="accent1"/>
+            </a:fillRef>
+            <a:effectRef idx="0">
+              <a:schemeClr val="accent1"/>
+            </a:effectRef>
+            <a:fontRef idx="minor">
+              <a:schemeClr val="lt1"/>
+            </a:fontRef>
+          </p:style>
+          <p:txBody>
+            <a:bodyPr rtlCol="0" anchor="ctr"/>
+            <a:lstStyle/>
+            <a:p>
+              <a:pPr algn="ctr"/>
+              <a:endParaRPr lang="en-US"/>
+            </a:p>
+          </p:txBody>
+        </p:sp>
+      </p:grpSp>
+      <p:sp>
+        <p:nvSpPr>
+          <p:cNvPr id="59" name="Frame 58"/>
+          <p:cNvSpPr/>
+          <p:nvPr/>
+        </p:nvSpPr>
+        <p:spPr>
+          <a:xfrm>
+            <a:off x="5353514" y="3452400"/>
+            <a:ext cx="720000" cy="720000"/>
+          </a:xfrm>
+          <a:prstGeom prst="frame">
+            <a:avLst>
+              <a:gd name="adj1" fmla="val 13342"/>
+            </a:avLst>
+          </a:prstGeom>
+          <a:ln>
+            <a:noFill/>
+          </a:ln>
+        </p:spPr>
+        <p:style>
+          <a:lnRef idx="2">
+            <a:schemeClr val="accent1">
+              <a:shade val="50000"/>
+            </a:schemeClr>
+          </a:lnRef>
+          <a:fillRef idx="1">
+            <a:schemeClr val="accent1"/>
+          </a:fillRef>
+          <a:effectRef idx="0">
+            <a:schemeClr val="accent1"/>
+          </a:effectRef>
+          <a:fontRef idx="minor">
+            <a:schemeClr val="lt1"/>
+          </a:fontRef>
+        </p:style>
+        <p:txBody>
+          <a:bodyPr rtlCol="0" anchor="ctr"/>
+          <a:lstStyle/>
+          <a:p>
+            <a:pPr algn="ctr"/>
+            <a:endParaRPr lang="en-US">
+              <a:solidFill>
+                <a:schemeClr val="tx1"/>
+              </a:solidFill>
+            </a:endParaRPr>
+          </a:p>
+        </p:txBody>
+      </p:sp>
+      <p:sp>
+        <p:nvSpPr>
+          <p:cNvPr id="61" name="Rectangle 60"/>
+          <p:cNvSpPr/>
+          <p:nvPr/>
+        </p:nvSpPr>
+        <p:spPr>
+          <a:xfrm>
+            <a:off x="5617320" y="3722400"/>
+            <a:ext cx="180000" cy="180000"/>
+          </a:xfrm>
+          <a:prstGeom prst="rect">
+            <a:avLst/>
+          </a:prstGeom>
+          <a:ln>
+            <a:noFill/>
+          </a:ln>
+        </p:spPr>
+        <p:style>
+          <a:lnRef idx="2">
+            <a:schemeClr val="accent1">
+              <a:shade val="50000"/>
+            </a:schemeClr>
+          </a:lnRef>
+          <a:fillRef idx="1">
+            <a:schemeClr val="accent1"/>
+          </a:fillRef>
+          <a:effectRef idx="0">
+            <a:schemeClr val="accent1"/>
+          </a:effectRef>
+          <a:fontRef idx="minor">
+            <a:schemeClr val="lt1"/>
+          </a:fontRef>
+        </p:style>
+        <p:txBody>
+          <a:bodyPr rtlCol="0" anchor="ctr"/>
+          <a:lstStyle/>
+          <a:p>
+            <a:pPr algn="ctr"/>
+            <a:endParaRPr lang="en-US"/>
+          </a:p>
+        </p:txBody>
+      </p:sp>
+      <p:grpSp>
+        <p:nvGrpSpPr>
+          <p:cNvPr id="14" name="Group 13"/>
+          <p:cNvGrpSpPr/>
+          <p:nvPr/>
+        </p:nvGrpSpPr>
+        <p:grpSpPr>
+          <a:xfrm>
+            <a:off x="5353514" y="4349072"/>
+            <a:ext cx="720000" cy="720000"/>
+            <a:chOff x="5347320" y="4712400"/>
+            <a:chExt cx="720000" cy="720000"/>
+          </a:xfrm>
+        </p:grpSpPr>
+        <p:sp>
+          <p:nvSpPr>
+            <p:cNvPr id="62" name="Rectangle 61"/>
+            <p:cNvSpPr/>
+            <p:nvPr/>
+          </p:nvSpPr>
+          <p:spPr>
+            <a:xfrm>
+              <a:off x="5608801" y="4979072"/>
+              <a:ext cx="180000" cy="180000"/>
+            </a:xfrm>
+            <a:prstGeom prst="rect">
+              <a:avLst/>
+            </a:prstGeom>
+            <a:ln>
+              <a:noFill/>
+            </a:ln>
+          </p:spPr>
+          <p:style>
+            <a:lnRef idx="2">
+              <a:schemeClr val="accent1">
+                <a:shade val="50000"/>
+              </a:schemeClr>
+            </a:lnRef>
+            <a:fillRef idx="1">
+              <a:schemeClr val="accent1"/>
+            </a:fillRef>
+            <a:effectRef idx="0">
+              <a:schemeClr val="accent1"/>
+            </a:effectRef>
+            <a:fontRef idx="minor">
+              <a:schemeClr val="lt1"/>
+            </a:fontRef>
+          </p:style>
+          <p:txBody>
+            <a:bodyPr rtlCol="0" anchor="ctr"/>
+            <a:lstStyle/>
+            <a:p>
+              <a:pPr algn="ctr"/>
+              <a:endParaRPr lang="en-US"/>
+            </a:p>
+          </p:txBody>
+        </p:sp>
+        <p:sp>
+          <p:nvSpPr>
+            <p:cNvPr id="85" name="Frame 84"/>
+            <p:cNvSpPr/>
+            <p:nvPr/>
+          </p:nvSpPr>
+          <p:spPr>
+            <a:xfrm>
+              <a:off x="5347320" y="4712400"/>
+              <a:ext cx="720000" cy="720000"/>
+            </a:xfrm>
+            <a:prstGeom prst="frame">
+              <a:avLst>
+                <a:gd name="adj1" fmla="val 13342"/>
+              </a:avLst>
+            </a:prstGeom>
+            <a:ln>
+              <a:noFill/>
+            </a:ln>
+          </p:spPr>
+          <p:style>
+            <a:lnRef idx="2">
+              <a:schemeClr val="accent1">
+                <a:shade val="50000"/>
+              </a:schemeClr>
+            </a:lnRef>
+            <a:fillRef idx="1">
+              <a:schemeClr val="accent1"/>
+            </a:fillRef>
+            <a:effectRef idx="0">
+              <a:schemeClr val="accent1"/>
+            </a:effectRef>
+            <a:fontRef idx="minor">
+              <a:schemeClr val="lt1"/>
+            </a:fontRef>
+          </p:style>
+          <p:txBody>
+            <a:bodyPr rtlCol="0" anchor="ctr"/>
+            <a:lstStyle/>
+            <a:p>
+              <a:pPr algn="ctr"/>
+              <a:endParaRPr lang="en-US">
+                <a:solidFill>
+                  <a:schemeClr val="tx1"/>
+                </a:solidFill>
+              </a:endParaRPr>
+            </a:p>
+          </p:txBody>
+        </p:sp>
+      </p:grpSp>
+      <p:grpSp>
+        <p:nvGrpSpPr>
+          <p:cNvPr id="16" name="Group 15"/>
+          <p:cNvGrpSpPr/>
+          <p:nvPr/>
+        </p:nvGrpSpPr>
+        <p:grpSpPr>
+          <a:xfrm>
+            <a:off x="6251494" y="3452400"/>
+            <a:ext cx="720000" cy="720000"/>
+            <a:chOff x="6607320" y="3452400"/>
+            <a:chExt cx="720000" cy="720000"/>
+          </a:xfrm>
+        </p:grpSpPr>
+        <p:sp>
+          <p:nvSpPr>
+            <p:cNvPr id="64" name="Rectangle 63"/>
+            <p:cNvSpPr/>
+            <p:nvPr/>
+          </p:nvSpPr>
+          <p:spPr>
+            <a:xfrm>
+              <a:off x="6877320" y="3722400"/>
+              <a:ext cx="180000" cy="180000"/>
+            </a:xfrm>
+            <a:prstGeom prst="rect">
+              <a:avLst/>
+            </a:prstGeom>
+            <a:ln>
+              <a:noFill/>
+            </a:ln>
+          </p:spPr>
+          <p:style>
+            <a:lnRef idx="2">
+              <a:schemeClr val="accent1">
+                <a:shade val="50000"/>
+              </a:schemeClr>
+            </a:lnRef>
+            <a:fillRef idx="1">
+              <a:schemeClr val="accent1"/>
+            </a:fillRef>
+            <a:effectRef idx="0">
+              <a:schemeClr val="accent1"/>
+            </a:effectRef>
+            <a:fontRef idx="minor">
+              <a:schemeClr val="lt1"/>
+            </a:fontRef>
+          </p:style>
+          <p:txBody>
+            <a:bodyPr rtlCol="0" anchor="ctr"/>
+            <a:lstStyle/>
+            <a:p>
+              <a:pPr algn="ctr"/>
+              <a:endParaRPr lang="en-US"/>
+            </a:p>
+          </p:txBody>
+        </p:sp>
+        <p:sp>
+          <p:nvSpPr>
+            <p:cNvPr id="86" name="Frame 85"/>
+            <p:cNvSpPr/>
+            <p:nvPr/>
+          </p:nvSpPr>
+          <p:spPr>
+            <a:xfrm>
+              <a:off x="6607320" y="3452400"/>
+              <a:ext cx="720000" cy="720000"/>
+            </a:xfrm>
+            <a:prstGeom prst="frame">
+              <a:avLst>
+                <a:gd name="adj1" fmla="val 13342"/>
+              </a:avLst>
+            </a:prstGeom>
+            <a:ln>
+              <a:noFill/>
+            </a:ln>
+          </p:spPr>
+          <p:style>
+            <a:lnRef idx="2">
+              <a:schemeClr val="accent1">
+                <a:shade val="50000"/>
+              </a:schemeClr>
+            </a:lnRef>
+            <a:fillRef idx="1">
+              <a:schemeClr val="accent1"/>
+            </a:fillRef>
+            <a:effectRef idx="0">
+              <a:schemeClr val="accent1"/>
+            </a:effectRef>
+            <a:fontRef idx="minor">
+              <a:schemeClr val="lt1"/>
+            </a:fontRef>
+          </p:style>
+          <p:txBody>
+            <a:bodyPr rtlCol="0" anchor="ctr"/>
+            <a:lstStyle/>
+            <a:p>
+              <a:pPr algn="ctr"/>
+              <a:endParaRPr lang="en-US">
+                <a:solidFill>
+                  <a:schemeClr val="tx1"/>
+                </a:solidFill>
+              </a:endParaRPr>
+            </a:p>
+          </p:txBody>
+        </p:sp>
+      </p:grpSp>
+      <p:grpSp>
+        <p:nvGrpSpPr>
+          <p:cNvPr id="6" name="Group 5"/>
+          <p:cNvGrpSpPr/>
+          <p:nvPr/>
+        </p:nvGrpSpPr>
+        <p:grpSpPr>
+          <a:xfrm>
+            <a:off x="6251494" y="4352400"/>
+            <a:ext cx="720000" cy="716672"/>
+            <a:chOff x="6251494" y="4352400"/>
+            <a:chExt cx="720000" cy="716672"/>
+          </a:xfrm>
+        </p:grpSpPr>
+        <p:sp>
+          <p:nvSpPr>
+            <p:cNvPr id="74" name="Rectangle 73"/>
+            <p:cNvSpPr/>
+            <p:nvPr/>
+          </p:nvSpPr>
+          <p:spPr>
+            <a:xfrm>
+              <a:off x="6791494" y="4352400"/>
+              <a:ext cx="180000" cy="180000"/>
+            </a:xfrm>
+            <a:prstGeom prst="rect">
+              <a:avLst/>
+            </a:prstGeom>
+            <a:ln>
+              <a:noFill/>
+            </a:ln>
+          </p:spPr>
+          <p:style>
+            <a:lnRef idx="2">
+              <a:schemeClr val="accent1">
+                <a:shade val="50000"/>
+              </a:schemeClr>
+            </a:lnRef>
+            <a:fillRef idx="1">
+              <a:schemeClr val="accent1"/>
+            </a:fillRef>
+            <a:effectRef idx="0">
+              <a:schemeClr val="accent1"/>
+            </a:effectRef>
+            <a:fontRef idx="minor">
+              <a:schemeClr val="lt1"/>
+            </a:fontRef>
+          </p:style>
+          <p:txBody>
+            <a:bodyPr rtlCol="0" anchor="ctr"/>
+            <a:lstStyle/>
+            <a:p>
+              <a:pPr algn="ctr"/>
+              <a:endParaRPr lang="en-US"/>
+            </a:p>
+          </p:txBody>
+        </p:sp>
+        <p:sp>
+          <p:nvSpPr>
+            <p:cNvPr id="75" name="Rectangle 74"/>
+            <p:cNvSpPr/>
+            <p:nvPr/>
+          </p:nvSpPr>
+          <p:spPr>
+            <a:xfrm>
+              <a:off x="6431494" y="4352400"/>
+              <a:ext cx="180000" cy="180000"/>
+            </a:xfrm>
+            <a:prstGeom prst="rect">
+              <a:avLst/>
+            </a:prstGeom>
+            <a:ln>
+              <a:noFill/>
+            </a:ln>
+          </p:spPr>
+          <p:style>
+            <a:lnRef idx="2">
+              <a:schemeClr val="accent1">
+                <a:shade val="50000"/>
+              </a:schemeClr>
+            </a:lnRef>
+            <a:fillRef idx="1">
+              <a:schemeClr val="accent1"/>
+            </a:fillRef>
+            <a:effectRef idx="0">
+              <a:schemeClr val="accent1"/>
+            </a:effectRef>
+            <a:fontRef idx="minor">
+              <a:schemeClr val="lt1"/>
+            </a:fontRef>
+          </p:style>
+          <p:txBody>
+            <a:bodyPr rtlCol="0" anchor="ctr"/>
+            <a:lstStyle/>
+            <a:p>
+              <a:pPr algn="ctr"/>
+              <a:endParaRPr lang="en-US"/>
+            </a:p>
+          </p:txBody>
+        </p:sp>
+        <p:sp>
+          <p:nvSpPr>
+            <p:cNvPr id="78" name="Rectangle 77"/>
+            <p:cNvSpPr/>
+            <p:nvPr/>
+          </p:nvSpPr>
+          <p:spPr>
+            <a:xfrm>
+              <a:off x="6251494" y="4532400"/>
+              <a:ext cx="180000" cy="180000"/>
+            </a:xfrm>
+            <a:prstGeom prst="rect">
+              <a:avLst/>
+            </a:prstGeom>
+            <a:ln>
+              <a:noFill/>
+            </a:ln>
+          </p:spPr>
+          <p:style>
+            <a:lnRef idx="2">
+              <a:schemeClr val="accent1">
+                <a:shade val="50000"/>
+              </a:schemeClr>
+            </a:lnRef>
+            <a:fillRef idx="1">
+              <a:schemeClr val="accent1"/>
+            </a:fillRef>
+            <a:effectRef idx="0">
+              <a:schemeClr val="accent1"/>
+            </a:effectRef>
+            <a:fontRef idx="minor">
+              <a:schemeClr val="lt1"/>
+            </a:fontRef>
+          </p:style>
+          <p:txBody>
+            <a:bodyPr rtlCol="0" anchor="ctr"/>
+            <a:lstStyle/>
+            <a:p>
+              <a:pPr algn="ctr"/>
+              <a:endParaRPr lang="en-US"/>
+            </a:p>
+          </p:txBody>
+        </p:sp>
+        <p:sp>
+          <p:nvSpPr>
+            <p:cNvPr id="79" name="Rectangle 78"/>
+            <p:cNvSpPr/>
+            <p:nvPr/>
+          </p:nvSpPr>
+          <p:spPr>
+            <a:xfrm>
+              <a:off x="6611494" y="4532400"/>
+              <a:ext cx="180000" cy="180000"/>
+            </a:xfrm>
+            <a:prstGeom prst="rect">
+              <a:avLst/>
+            </a:prstGeom>
+            <a:ln>
+              <a:noFill/>
+            </a:ln>
+          </p:spPr>
+          <p:style>
+            <a:lnRef idx="2">
+              <a:schemeClr val="accent1">
+                <a:shade val="50000"/>
+              </a:schemeClr>
+            </a:lnRef>
+            <a:fillRef idx="1">
+              <a:schemeClr val="accent1"/>
+            </a:fillRef>
+            <a:effectRef idx="0">
+              <a:schemeClr val="accent1"/>
+            </a:effectRef>
+            <a:fontRef idx="minor">
+              <a:schemeClr val="lt1"/>
+            </a:fontRef>
+          </p:style>
+          <p:txBody>
+            <a:bodyPr rtlCol="0" anchor="ctr"/>
+            <a:lstStyle/>
+            <a:p>
+              <a:pPr algn="ctr"/>
+              <a:endParaRPr lang="en-US"/>
+            </a:p>
+          </p:txBody>
+        </p:sp>
+        <p:sp>
+          <p:nvSpPr>
+            <p:cNvPr id="81" name="Rectangle 80"/>
+            <p:cNvSpPr/>
+            <p:nvPr/>
+          </p:nvSpPr>
+          <p:spPr>
+            <a:xfrm>
+              <a:off x="6431494" y="4712400"/>
+              <a:ext cx="180000" cy="180000"/>
+            </a:xfrm>
+            <a:prstGeom prst="rect">
+              <a:avLst/>
+            </a:prstGeom>
+            <a:ln>
+              <a:noFill/>
+            </a:ln>
+          </p:spPr>
+          <p:style>
+            <a:lnRef idx="2">
+              <a:schemeClr val="accent1">
+                <a:shade val="50000"/>
+              </a:schemeClr>
+            </a:lnRef>
+            <a:fillRef idx="1">
+              <a:schemeClr val="accent1"/>
+            </a:fillRef>
+            <a:effectRef idx="0">
+              <a:schemeClr val="accent1"/>
+            </a:effectRef>
+            <a:fontRef idx="minor">
+              <a:schemeClr val="lt1"/>
+            </a:fontRef>
+          </p:style>
+          <p:txBody>
+            <a:bodyPr rtlCol="0" anchor="ctr"/>
+            <a:lstStyle/>
+            <a:p>
+              <a:pPr algn="ctr"/>
+              <a:endParaRPr lang="en-US"/>
+            </a:p>
+          </p:txBody>
+        </p:sp>
+        <p:sp>
+          <p:nvSpPr>
+            <p:cNvPr id="94" name="Rectangle 93"/>
+            <p:cNvSpPr/>
+            <p:nvPr/>
+          </p:nvSpPr>
+          <p:spPr>
+            <a:xfrm>
+              <a:off x="6791494" y="4712400"/>
+              <a:ext cx="180000" cy="180000"/>
+            </a:xfrm>
+            <a:prstGeom prst="rect">
+              <a:avLst/>
+            </a:prstGeom>
+            <a:ln>
+              <a:noFill/>
+            </a:ln>
+          </p:spPr>
+          <p:style>
+            <a:lnRef idx="2">
+              <a:schemeClr val="accent1">
+                <a:shade val="50000"/>
+              </a:schemeClr>
+            </a:lnRef>
+            <a:fillRef idx="1">
+              <a:schemeClr val="accent1"/>
+            </a:fillRef>
+            <a:effectRef idx="0">
+              <a:schemeClr val="accent1"/>
+            </a:effectRef>
+            <a:fontRef idx="minor">
+              <a:schemeClr val="lt1"/>
+            </a:fontRef>
+          </p:style>
+          <p:txBody>
+            <a:bodyPr rtlCol="0" anchor="ctr"/>
+            <a:lstStyle/>
+            <a:p>
+              <a:pPr algn="ctr"/>
+              <a:endParaRPr lang="en-US"/>
+            </a:p>
+          </p:txBody>
+        </p:sp>
+        <p:sp>
+          <p:nvSpPr>
+            <p:cNvPr id="95" name="Rectangle 94"/>
+            <p:cNvSpPr/>
+            <p:nvPr/>
+          </p:nvSpPr>
+          <p:spPr>
+            <a:xfrm>
+              <a:off x="6611494" y="4889072"/>
+              <a:ext cx="180000" cy="180000"/>
+            </a:xfrm>
+            <a:prstGeom prst="rect">
+              <a:avLst/>
+            </a:prstGeom>
+            <a:ln>
+              <a:noFill/>
+            </a:ln>
+          </p:spPr>
+          <p:style>
+            <a:lnRef idx="2">
+              <a:schemeClr val="accent1">
+                <a:shade val="50000"/>
+              </a:schemeClr>
+            </a:lnRef>
+            <a:fillRef idx="1">
+              <a:schemeClr val="accent1"/>
+            </a:fillRef>
+            <a:effectRef idx="0">
+              <a:schemeClr val="accent1"/>
+            </a:effectRef>
+            <a:fontRef idx="minor">
+              <a:schemeClr val="lt1"/>
+            </a:fontRef>
+          </p:style>
+          <p:txBody>
+            <a:bodyPr rtlCol="0" anchor="ctr"/>
+            <a:lstStyle/>
+            <a:p>
+              <a:pPr algn="ctr"/>
+              <a:endParaRPr lang="en-US"/>
+            </a:p>
+          </p:txBody>
+        </p:sp>
+        <p:sp>
+          <p:nvSpPr>
+            <p:cNvPr id="96" name="Rectangle 95"/>
+            <p:cNvSpPr/>
+            <p:nvPr/>
+          </p:nvSpPr>
+          <p:spPr>
+            <a:xfrm>
+              <a:off x="6251494" y="4889072"/>
+              <a:ext cx="180000" cy="180000"/>
+            </a:xfrm>
+            <a:prstGeom prst="rect">
+              <a:avLst/>
+            </a:prstGeom>
+            <a:ln>
+              <a:noFill/>
+            </a:ln>
+          </p:spPr>
+          <p:style>
+            <a:lnRef idx="2">
+              <a:schemeClr val="accent1">
+                <a:shade val="50000"/>
+              </a:schemeClr>
+            </a:lnRef>
+            <a:fillRef idx="1">
+              <a:schemeClr val="accent1"/>
+            </a:fillRef>
+            <a:effectRef idx="0">
+              <a:schemeClr val="accent1"/>
+            </a:effectRef>
+            <a:fontRef idx="minor">
+              <a:schemeClr val="lt1"/>
+            </a:fontRef>
+          </p:style>
+          <p:txBody>
+            <a:bodyPr rtlCol="0" anchor="ctr"/>
+            <a:lstStyle/>
+            <a:p>
+              <a:pPr algn="ctr"/>
+              <a:endParaRPr lang="en-US"/>
+            </a:p>
+          </p:txBody>
+        </p:sp>
       </p:grpSp>
     </p:spTree>
     <p:extLst>

--- a/pics/pics.pptx
+++ b/pics/pics.pptx
@@ -6,7 +6,8 @@
   </p:sldMasterIdLst>
   <p:sldIdLst>
     <p:sldId id="256" r:id="rId2"/>
-    <p:sldId id="257" r:id="rId3"/>
+    <p:sldId id="258" r:id="rId3"/>
+    <p:sldId id="257" r:id="rId4"/>
   </p:sldIdLst>
   <p:sldSz cx="12192000" cy="6858000"/>
   <p:notesSz cx="6858000" cy="9144000"/>
@@ -244,7 +245,7 @@
           <a:p>
             <a:fld id="{E65E778F-C4EB-6749-96E0-A0E7AA333788}" type="datetimeFigureOut">
               <a:rPr lang="en-US" smtClean="0"/>
-              <a:t>10/12/18</a:t>
+              <a:t>10/19/18</a:t>
             </a:fld>
             <a:endParaRPr lang="en-US"/>
           </a:p>
@@ -414,7 +415,7 @@
           <a:p>
             <a:fld id="{E65E778F-C4EB-6749-96E0-A0E7AA333788}" type="datetimeFigureOut">
               <a:rPr lang="en-US" smtClean="0"/>
-              <a:t>10/12/18</a:t>
+              <a:t>10/19/18</a:t>
             </a:fld>
             <a:endParaRPr lang="en-US"/>
           </a:p>
@@ -594,7 +595,7 @@
           <a:p>
             <a:fld id="{E65E778F-C4EB-6749-96E0-A0E7AA333788}" type="datetimeFigureOut">
               <a:rPr lang="en-US" smtClean="0"/>
-              <a:t>10/12/18</a:t>
+              <a:t>10/19/18</a:t>
             </a:fld>
             <a:endParaRPr lang="en-US"/>
           </a:p>
@@ -764,7 +765,7 @@
           <a:p>
             <a:fld id="{E65E778F-C4EB-6749-96E0-A0E7AA333788}" type="datetimeFigureOut">
               <a:rPr lang="en-US" smtClean="0"/>
-              <a:t>10/12/18</a:t>
+              <a:t>10/19/18</a:t>
             </a:fld>
             <a:endParaRPr lang="en-US"/>
           </a:p>
@@ -1010,7 +1011,7 @@
           <a:p>
             <a:fld id="{E65E778F-C4EB-6749-96E0-A0E7AA333788}" type="datetimeFigureOut">
               <a:rPr lang="en-US" smtClean="0"/>
-              <a:t>10/12/18</a:t>
+              <a:t>10/19/18</a:t>
             </a:fld>
             <a:endParaRPr lang="en-US"/>
           </a:p>
@@ -1242,7 +1243,7 @@
           <a:p>
             <a:fld id="{E65E778F-C4EB-6749-96E0-A0E7AA333788}" type="datetimeFigureOut">
               <a:rPr lang="en-US" smtClean="0"/>
-              <a:t>10/12/18</a:t>
+              <a:t>10/19/18</a:t>
             </a:fld>
             <a:endParaRPr lang="en-US"/>
           </a:p>
@@ -1609,7 +1610,7 @@
           <a:p>
             <a:fld id="{E65E778F-C4EB-6749-96E0-A0E7AA333788}" type="datetimeFigureOut">
               <a:rPr lang="en-US" smtClean="0"/>
-              <a:t>10/12/18</a:t>
+              <a:t>10/19/18</a:t>
             </a:fld>
             <a:endParaRPr lang="en-US"/>
           </a:p>
@@ -1727,7 +1728,7 @@
           <a:p>
             <a:fld id="{E65E778F-C4EB-6749-96E0-A0E7AA333788}" type="datetimeFigureOut">
               <a:rPr lang="en-US" smtClean="0"/>
-              <a:t>10/12/18</a:t>
+              <a:t>10/19/18</a:t>
             </a:fld>
             <a:endParaRPr lang="en-US"/>
           </a:p>
@@ -1822,7 +1823,7 @@
           <a:p>
             <a:fld id="{E65E778F-C4EB-6749-96E0-A0E7AA333788}" type="datetimeFigureOut">
               <a:rPr lang="en-US" smtClean="0"/>
-              <a:t>10/12/18</a:t>
+              <a:t>10/19/18</a:t>
             </a:fld>
             <a:endParaRPr lang="en-US"/>
           </a:p>
@@ -2099,7 +2100,7 @@
           <a:p>
             <a:fld id="{E65E778F-C4EB-6749-96E0-A0E7AA333788}" type="datetimeFigureOut">
               <a:rPr lang="en-US" smtClean="0"/>
-              <a:t>10/12/18</a:t>
+              <a:t>10/19/18</a:t>
             </a:fld>
             <a:endParaRPr lang="en-US"/>
           </a:p>
@@ -2352,7 +2353,7 @@
           <a:p>
             <a:fld id="{E65E778F-C4EB-6749-96E0-A0E7AA333788}" type="datetimeFigureOut">
               <a:rPr lang="en-US" smtClean="0"/>
-              <a:t>10/12/18</a:t>
+              <a:t>10/19/18</a:t>
             </a:fld>
             <a:endParaRPr lang="en-US"/>
           </a:p>
@@ -2565,7 +2566,7 @@
           <a:p>
             <a:fld id="{E65E778F-C4EB-6749-96E0-A0E7AA333788}" type="datetimeFigureOut">
               <a:rPr lang="en-US" smtClean="0"/>
-              <a:t>10/12/18</a:t>
+              <a:t>10/19/18</a:t>
             </a:fld>
             <a:endParaRPr lang="en-US"/>
           </a:p>
@@ -2972,6 +2973,50 @@
       </p:grpSpPr>
       <p:sp>
         <p:nvSpPr>
+          <p:cNvPr id="41" name="Rectangle 40"/>
+          <p:cNvSpPr/>
+          <p:nvPr/>
+        </p:nvSpPr>
+        <p:spPr>
+          <a:xfrm>
+            <a:off x="3246842" y="583059"/>
+            <a:ext cx="900000" cy="900000"/>
+          </a:xfrm>
+          <a:prstGeom prst="rect">
+            <a:avLst/>
+          </a:prstGeom>
+          <a:noFill/>
+          <a:ln>
+            <a:noFill/>
+          </a:ln>
+        </p:spPr>
+        <p:style>
+          <a:lnRef idx="2">
+            <a:schemeClr val="accent1">
+              <a:shade val="50000"/>
+            </a:schemeClr>
+          </a:lnRef>
+          <a:fillRef idx="1">
+            <a:schemeClr val="accent1"/>
+          </a:fillRef>
+          <a:effectRef idx="0">
+            <a:schemeClr val="accent1"/>
+          </a:effectRef>
+          <a:fontRef idx="minor">
+            <a:schemeClr val="lt1"/>
+          </a:fontRef>
+        </p:style>
+        <p:txBody>
+          <a:bodyPr rtlCol="0" anchor="ctr"/>
+          <a:lstStyle/>
+          <a:p>
+            <a:pPr algn="ctr"/>
+            <a:endParaRPr lang="en-US"/>
+          </a:p>
+        </p:txBody>
+      </p:sp>
+      <p:sp>
+        <p:nvSpPr>
           <p:cNvPr id="37" name="Rectangle 36"/>
           <p:cNvSpPr/>
           <p:nvPr/>
@@ -3263,7 +3308,7 @@
         </p:nvSpPr>
         <p:spPr>
           <a:xfrm rot="2700000">
-            <a:off x="1834547" y="723733"/>
+            <a:off x="3336842" y="673059"/>
             <a:ext cx="720000" cy="720000"/>
           </a:xfrm>
           <a:prstGeom prst="plus">
@@ -5132,6 +5177,46 @@
           </a:p>
         </p:txBody>
       </p:sp>
+      <p:sp>
+        <p:nvSpPr>
+          <p:cNvPr id="43" name="Rounded Rectangle 42"/>
+          <p:cNvSpPr/>
+          <p:nvPr/>
+        </p:nvSpPr>
+        <p:spPr>
+          <a:xfrm>
+            <a:off x="9896066" y="2463884"/>
+            <a:ext cx="914400" cy="914400"/>
+          </a:xfrm>
+          <a:prstGeom prst="roundRect">
+            <a:avLst/>
+          </a:prstGeom>
+        </p:spPr>
+        <p:style>
+          <a:lnRef idx="2">
+            <a:schemeClr val="accent1">
+              <a:shade val="50000"/>
+            </a:schemeClr>
+          </a:lnRef>
+          <a:fillRef idx="1">
+            <a:schemeClr val="accent1"/>
+          </a:fillRef>
+          <a:effectRef idx="0">
+            <a:schemeClr val="accent1"/>
+          </a:effectRef>
+          <a:fontRef idx="minor">
+            <a:schemeClr val="lt1"/>
+          </a:fontRef>
+        </p:style>
+        <p:txBody>
+          <a:bodyPr rtlCol="0" anchor="ctr"/>
+          <a:lstStyle/>
+          <a:p>
+            <a:pPr algn="ctr"/>
+            <a:endParaRPr lang="en-US"/>
+          </a:p>
+        </p:txBody>
+      </p:sp>
     </p:spTree>
     <p:extLst>
       <p:ext uri="{BB962C8B-B14F-4D97-AF65-F5344CB8AC3E}">
@@ -5146,6 +5231,647 @@
 </file>
 
 <file path=ppt/slides/slide2.xml><?xml version="1.0" encoding="utf-8"?>
+<p:sld xmlns:a="http://schemas.openxmlformats.org/drawingml/2006/main" xmlns:r="http://schemas.openxmlformats.org/officeDocument/2006/relationships" xmlns:p="http://schemas.openxmlformats.org/presentationml/2006/main">
+  <p:cSld>
+    <p:spTree>
+      <p:nvGrpSpPr>
+        <p:cNvPr id="1" name=""/>
+        <p:cNvGrpSpPr/>
+        <p:nvPr/>
+      </p:nvGrpSpPr>
+      <p:grpSpPr>
+        <a:xfrm>
+          <a:off x="0" y="0"/>
+          <a:ext cx="0" cy="0"/>
+          <a:chOff x="0" y="0"/>
+          <a:chExt cx="0" cy="0"/>
+        </a:xfrm>
+      </p:grpSpPr>
+      <p:sp>
+        <p:nvSpPr>
+          <p:cNvPr id="20" name="Rounded Rectangle 19"/>
+          <p:cNvSpPr/>
+          <p:nvPr/>
+        </p:nvSpPr>
+        <p:spPr>
+          <a:xfrm>
+            <a:off x="6933628" y="3977214"/>
+            <a:ext cx="518400" cy="518400"/>
+          </a:xfrm>
+          <a:prstGeom prst="roundRect">
+            <a:avLst/>
+          </a:prstGeom>
+          <a:ln>
+            <a:noFill/>
+          </a:ln>
+        </p:spPr>
+        <p:style>
+          <a:lnRef idx="2">
+            <a:schemeClr val="accent1">
+              <a:shade val="50000"/>
+            </a:schemeClr>
+          </a:lnRef>
+          <a:fillRef idx="1">
+            <a:schemeClr val="accent1"/>
+          </a:fillRef>
+          <a:effectRef idx="0">
+            <a:schemeClr val="accent1"/>
+          </a:effectRef>
+          <a:fontRef idx="minor">
+            <a:schemeClr val="lt1"/>
+          </a:fontRef>
+        </p:style>
+        <p:txBody>
+          <a:bodyPr rtlCol="0" anchor="ctr"/>
+          <a:lstStyle/>
+          <a:p>
+            <a:pPr algn="ctr"/>
+            <a:endParaRPr lang="en-US"/>
+          </a:p>
+        </p:txBody>
+      </p:sp>
+      <p:grpSp>
+        <p:nvGrpSpPr>
+          <p:cNvPr id="46" name="Group 45"/>
+          <p:cNvGrpSpPr/>
+          <p:nvPr/>
+        </p:nvGrpSpPr>
+        <p:grpSpPr>
+          <a:xfrm>
+            <a:off x="8801533" y="4393680"/>
+            <a:ext cx="2046100" cy="2047067"/>
+            <a:chOff x="4069791" y="3780053"/>
+            <a:chExt cx="2046100" cy="2047067"/>
+          </a:xfrm>
+          <a:scene3d>
+            <a:camera prst="orthographicFront">
+              <a:rot lat="10800000" lon="0" rev="0"/>
+            </a:camera>
+            <a:lightRig rig="threePt" dir="t"/>
+          </a:scene3d>
+        </p:grpSpPr>
+        <p:sp>
+          <p:nvSpPr>
+            <p:cNvPr id="33" name="Rounded Rectangle 32"/>
+            <p:cNvSpPr/>
+            <p:nvPr/>
+          </p:nvSpPr>
+          <p:spPr>
+            <a:xfrm rot="16200000">
+              <a:off x="4069791" y="4963120"/>
+              <a:ext cx="864000" cy="864000"/>
+            </a:xfrm>
+            <a:prstGeom prst="roundRect">
+              <a:avLst>
+                <a:gd name="adj" fmla="val 8096"/>
+              </a:avLst>
+            </a:prstGeom>
+            <a:noFill/>
+            <a:ln w="114300"/>
+          </p:spPr>
+          <p:style>
+            <a:lnRef idx="2">
+              <a:schemeClr val="accent1">
+                <a:shade val="50000"/>
+              </a:schemeClr>
+            </a:lnRef>
+            <a:fillRef idx="1">
+              <a:schemeClr val="accent1"/>
+            </a:fillRef>
+            <a:effectRef idx="0">
+              <a:schemeClr val="accent1"/>
+            </a:effectRef>
+            <a:fontRef idx="minor">
+              <a:schemeClr val="lt1"/>
+            </a:fontRef>
+          </p:style>
+          <p:txBody>
+            <a:bodyPr rtlCol="0" anchor="ctr"/>
+            <a:lstStyle/>
+            <a:p>
+              <a:pPr algn="ctr"/>
+              <a:endParaRPr lang="en-US"/>
+            </a:p>
+          </p:txBody>
+        </p:sp>
+        <p:sp>
+          <p:nvSpPr>
+            <p:cNvPr id="34" name="Rounded Rectangle 33"/>
+            <p:cNvSpPr/>
+            <p:nvPr/>
+          </p:nvSpPr>
+          <p:spPr>
+            <a:xfrm rot="16200000">
+              <a:off x="4069791" y="3780053"/>
+              <a:ext cx="864000" cy="864000"/>
+            </a:xfrm>
+            <a:prstGeom prst="roundRect">
+              <a:avLst>
+                <a:gd name="adj" fmla="val 8096"/>
+              </a:avLst>
+            </a:prstGeom>
+            <a:noFill/>
+            <a:ln w="114300"/>
+          </p:spPr>
+          <p:style>
+            <a:lnRef idx="2">
+              <a:schemeClr val="accent1">
+                <a:shade val="50000"/>
+              </a:schemeClr>
+            </a:lnRef>
+            <a:fillRef idx="1">
+              <a:schemeClr val="accent1"/>
+            </a:fillRef>
+            <a:effectRef idx="0">
+              <a:schemeClr val="accent1"/>
+            </a:effectRef>
+            <a:fontRef idx="minor">
+              <a:schemeClr val="lt1"/>
+            </a:fontRef>
+          </p:style>
+          <p:txBody>
+            <a:bodyPr rtlCol="0" anchor="ctr"/>
+            <a:lstStyle/>
+            <a:p>
+              <a:pPr algn="ctr"/>
+              <a:endParaRPr lang="en-US"/>
+            </a:p>
+          </p:txBody>
+        </p:sp>
+        <p:sp>
+          <p:nvSpPr>
+            <p:cNvPr id="35" name="Rounded Rectangle 34"/>
+            <p:cNvSpPr/>
+            <p:nvPr/>
+          </p:nvSpPr>
+          <p:spPr>
+            <a:xfrm rot="16200000">
+              <a:off x="5251891" y="4961218"/>
+              <a:ext cx="864000" cy="864000"/>
+            </a:xfrm>
+            <a:prstGeom prst="roundRect">
+              <a:avLst>
+                <a:gd name="adj" fmla="val 8096"/>
+              </a:avLst>
+            </a:prstGeom>
+            <a:noFill/>
+            <a:ln w="114300"/>
+          </p:spPr>
+          <p:style>
+            <a:lnRef idx="2">
+              <a:schemeClr val="accent1">
+                <a:shade val="50000"/>
+              </a:schemeClr>
+            </a:lnRef>
+            <a:fillRef idx="1">
+              <a:schemeClr val="accent1"/>
+            </a:fillRef>
+            <a:effectRef idx="0">
+              <a:schemeClr val="accent1"/>
+            </a:effectRef>
+            <a:fontRef idx="minor">
+              <a:schemeClr val="lt1"/>
+            </a:fontRef>
+          </p:style>
+          <p:txBody>
+            <a:bodyPr rtlCol="0" anchor="ctr"/>
+            <a:lstStyle/>
+            <a:p>
+              <a:pPr algn="ctr"/>
+              <a:endParaRPr lang="en-US"/>
+            </a:p>
+          </p:txBody>
+        </p:sp>
+        <p:sp>
+          <p:nvSpPr>
+            <p:cNvPr id="36" name="Rounded Rectangle 35"/>
+            <p:cNvSpPr/>
+            <p:nvPr/>
+          </p:nvSpPr>
+          <p:spPr>
+            <a:xfrm rot="16200000">
+              <a:off x="4321791" y="5215120"/>
+              <a:ext cx="360000" cy="360000"/>
+            </a:xfrm>
+            <a:prstGeom prst="roundRect">
+              <a:avLst/>
+            </a:prstGeom>
+            <a:noFill/>
+            <a:ln w="114300"/>
+          </p:spPr>
+          <p:style>
+            <a:lnRef idx="2">
+              <a:schemeClr val="accent1">
+                <a:shade val="50000"/>
+              </a:schemeClr>
+            </a:lnRef>
+            <a:fillRef idx="1">
+              <a:schemeClr val="accent1"/>
+            </a:fillRef>
+            <a:effectRef idx="0">
+              <a:schemeClr val="accent1"/>
+            </a:effectRef>
+            <a:fontRef idx="minor">
+              <a:schemeClr val="lt1"/>
+            </a:fontRef>
+          </p:style>
+          <p:txBody>
+            <a:bodyPr rtlCol="0" anchor="ctr"/>
+            <a:lstStyle/>
+            <a:p>
+              <a:pPr algn="ctr"/>
+              <a:endParaRPr lang="en-US"/>
+            </a:p>
+          </p:txBody>
+        </p:sp>
+        <p:sp>
+          <p:nvSpPr>
+            <p:cNvPr id="37" name="Rounded Rectangle 36"/>
+            <p:cNvSpPr/>
+            <p:nvPr/>
+          </p:nvSpPr>
+          <p:spPr>
+            <a:xfrm rot="16200000">
+              <a:off x="5506344" y="5215119"/>
+              <a:ext cx="360000" cy="360000"/>
+            </a:xfrm>
+            <a:prstGeom prst="roundRect">
+              <a:avLst/>
+            </a:prstGeom>
+            <a:noFill/>
+            <a:ln w="114300"/>
+          </p:spPr>
+          <p:style>
+            <a:lnRef idx="2">
+              <a:schemeClr val="accent1">
+                <a:shade val="50000"/>
+              </a:schemeClr>
+            </a:lnRef>
+            <a:fillRef idx="1">
+              <a:schemeClr val="accent1"/>
+            </a:fillRef>
+            <a:effectRef idx="0">
+              <a:schemeClr val="accent1"/>
+            </a:effectRef>
+            <a:fontRef idx="minor">
+              <a:schemeClr val="lt1"/>
+            </a:fontRef>
+          </p:style>
+          <p:txBody>
+            <a:bodyPr rtlCol="0" anchor="ctr"/>
+            <a:lstStyle/>
+            <a:p>
+              <a:pPr algn="ctr"/>
+              <a:endParaRPr lang="en-US"/>
+            </a:p>
+          </p:txBody>
+        </p:sp>
+        <p:sp>
+          <p:nvSpPr>
+            <p:cNvPr id="38" name="Rounded Rectangle 37"/>
+            <p:cNvSpPr/>
+            <p:nvPr/>
+          </p:nvSpPr>
+          <p:spPr>
+            <a:xfrm rot="16200000">
+              <a:off x="4321791" y="4032053"/>
+              <a:ext cx="360000" cy="360000"/>
+            </a:xfrm>
+            <a:prstGeom prst="roundRect">
+              <a:avLst/>
+            </a:prstGeom>
+            <a:noFill/>
+            <a:ln w="114300"/>
+          </p:spPr>
+          <p:style>
+            <a:lnRef idx="2">
+              <a:schemeClr val="accent1">
+                <a:shade val="50000"/>
+              </a:schemeClr>
+            </a:lnRef>
+            <a:fillRef idx="1">
+              <a:schemeClr val="accent1"/>
+            </a:fillRef>
+            <a:effectRef idx="0">
+              <a:schemeClr val="accent1"/>
+            </a:effectRef>
+            <a:fontRef idx="minor">
+              <a:schemeClr val="lt1"/>
+            </a:fontRef>
+          </p:style>
+          <p:txBody>
+            <a:bodyPr rtlCol="0" anchor="ctr"/>
+            <a:lstStyle/>
+            <a:p>
+              <a:pPr algn="ctr"/>
+              <a:endParaRPr lang="en-US"/>
+            </a:p>
+          </p:txBody>
+        </p:sp>
+        <p:cxnSp>
+          <p:nvCxnSpPr>
+            <p:cNvPr id="40" name="Straight Connector 39"/>
+            <p:cNvCxnSpPr/>
+            <p:nvPr/>
+          </p:nvCxnSpPr>
+          <p:spPr>
+            <a:xfrm rot="16200000">
+              <a:off x="5683891" y="3376800"/>
+              <a:ext cx="0" cy="864000"/>
+            </a:xfrm>
+            <a:prstGeom prst="line">
+              <a:avLst/>
+            </a:prstGeom>
+            <a:ln w="114300" cap="rnd"/>
+          </p:spPr>
+          <p:style>
+            <a:lnRef idx="1">
+              <a:schemeClr val="accent1"/>
+            </a:lnRef>
+            <a:fillRef idx="0">
+              <a:schemeClr val="accent1"/>
+            </a:fillRef>
+            <a:effectRef idx="0">
+              <a:schemeClr val="accent1"/>
+            </a:effectRef>
+            <a:fontRef idx="minor">
+              <a:schemeClr val="tx1"/>
+            </a:fontRef>
+          </p:style>
+        </p:cxnSp>
+        <p:cxnSp>
+          <p:nvCxnSpPr>
+            <p:cNvPr id="41" name="Straight Connector 40"/>
+            <p:cNvCxnSpPr/>
+            <p:nvPr/>
+          </p:nvCxnSpPr>
+          <p:spPr>
+            <a:xfrm rot="16200000">
+              <a:off x="5683891" y="4179600"/>
+              <a:ext cx="0" cy="864000"/>
+            </a:xfrm>
+            <a:prstGeom prst="line">
+              <a:avLst/>
+            </a:prstGeom>
+            <a:ln w="114300" cap="rnd"/>
+          </p:spPr>
+          <p:style>
+            <a:lnRef idx="1">
+              <a:schemeClr val="accent1"/>
+            </a:lnRef>
+            <a:fillRef idx="0">
+              <a:schemeClr val="accent1"/>
+            </a:fillRef>
+            <a:effectRef idx="0">
+              <a:schemeClr val="accent1"/>
+            </a:effectRef>
+            <a:fontRef idx="minor">
+              <a:schemeClr val="tx1"/>
+            </a:fontRef>
+          </p:style>
+        </p:cxnSp>
+        <p:cxnSp>
+          <p:nvCxnSpPr>
+            <p:cNvPr id="42" name="Straight Connector 41"/>
+            <p:cNvCxnSpPr/>
+            <p:nvPr/>
+          </p:nvCxnSpPr>
+          <p:spPr>
+            <a:xfrm rot="16200000">
+              <a:off x="5683891" y="3780052"/>
+              <a:ext cx="0" cy="864000"/>
+            </a:xfrm>
+            <a:prstGeom prst="line">
+              <a:avLst/>
+            </a:prstGeom>
+            <a:ln w="114300" cap="rnd"/>
+          </p:spPr>
+          <p:style>
+            <a:lnRef idx="1">
+              <a:schemeClr val="accent1"/>
+            </a:lnRef>
+            <a:fillRef idx="0">
+              <a:schemeClr val="accent1"/>
+            </a:fillRef>
+            <a:effectRef idx="0">
+              <a:schemeClr val="accent1"/>
+            </a:effectRef>
+            <a:fontRef idx="minor">
+              <a:schemeClr val="tx1"/>
+            </a:fontRef>
+          </p:style>
+        </p:cxnSp>
+      </p:grpSp>
+      <p:sp>
+        <p:nvSpPr>
+          <p:cNvPr id="47" name="Rectangle 46"/>
+          <p:cNvSpPr/>
+          <p:nvPr/>
+        </p:nvSpPr>
+        <p:spPr>
+          <a:xfrm>
+            <a:off x="8384583" y="3977214"/>
+            <a:ext cx="2880000" cy="2880000"/>
+          </a:xfrm>
+          <a:prstGeom prst="rect">
+            <a:avLst/>
+          </a:prstGeom>
+          <a:noFill/>
+          <a:ln>
+            <a:solidFill>
+              <a:schemeClr val="accent1">
+                <a:shade val="50000"/>
+              </a:schemeClr>
+            </a:solidFill>
+          </a:ln>
+        </p:spPr>
+        <p:style>
+          <a:lnRef idx="2">
+            <a:schemeClr val="accent1">
+              <a:shade val="50000"/>
+            </a:schemeClr>
+          </a:lnRef>
+          <a:fillRef idx="1">
+            <a:schemeClr val="accent1"/>
+          </a:fillRef>
+          <a:effectRef idx="0">
+            <a:schemeClr val="accent1"/>
+          </a:effectRef>
+          <a:fontRef idx="minor">
+            <a:schemeClr val="lt1"/>
+          </a:fontRef>
+        </p:style>
+        <p:txBody>
+          <a:bodyPr rtlCol="0" anchor="ctr"/>
+          <a:lstStyle/>
+          <a:p>
+            <a:pPr algn="ctr"/>
+            <a:endParaRPr lang="en-US"/>
+          </a:p>
+        </p:txBody>
+      </p:sp>
+      <p:pic>
+        <p:nvPicPr>
+          <p:cNvPr id="48" name="Picture 47"/>
+          <p:cNvPicPr>
+            <a:picLocks noChangeAspect="1"/>
+          </p:cNvPicPr>
+          <p:nvPr/>
+        </p:nvPicPr>
+        <p:blipFill>
+          <a:blip r:embed="rId2">
+            <a:extLst>
+              <a:ext uri="{28A0092B-C50C-407E-A947-70E740481C1C}">
+                <a14:useLocalDpi xmlns:a14="http://schemas.microsoft.com/office/drawing/2010/main" val="0"/>
+              </a:ext>
+            </a:extLst>
+          </a:blip>
+          <a:stretch>
+            <a:fillRect/>
+          </a:stretch>
+        </p:blipFill>
+        <p:spPr>
+          <a:xfrm>
+            <a:off x="793713" y="4109227"/>
+            <a:ext cx="2455200" cy="2232000"/>
+          </a:xfrm>
+          <a:prstGeom prst="rect">
+            <a:avLst/>
+          </a:prstGeom>
+        </p:spPr>
+      </p:pic>
+      <p:sp>
+        <p:nvSpPr>
+          <p:cNvPr id="49" name="Rectangle 48"/>
+          <p:cNvSpPr/>
+          <p:nvPr/>
+        </p:nvSpPr>
+        <p:spPr>
+          <a:xfrm>
+            <a:off x="581313" y="3785227"/>
+            <a:ext cx="2880000" cy="2880000"/>
+          </a:xfrm>
+          <a:prstGeom prst="rect">
+            <a:avLst/>
+          </a:prstGeom>
+          <a:noFill/>
+          <a:ln>
+            <a:noFill/>
+          </a:ln>
+        </p:spPr>
+        <p:style>
+          <a:lnRef idx="2">
+            <a:schemeClr val="accent1">
+              <a:shade val="50000"/>
+            </a:schemeClr>
+          </a:lnRef>
+          <a:fillRef idx="1">
+            <a:schemeClr val="accent1"/>
+          </a:fillRef>
+          <a:effectRef idx="0">
+            <a:schemeClr val="accent1"/>
+          </a:effectRef>
+          <a:fontRef idx="minor">
+            <a:schemeClr val="lt1"/>
+          </a:fontRef>
+        </p:style>
+        <p:txBody>
+          <a:bodyPr rtlCol="0" anchor="ctr"/>
+          <a:lstStyle/>
+          <a:p>
+            <a:pPr algn="ctr"/>
+            <a:endParaRPr lang="en-US"/>
+          </a:p>
+        </p:txBody>
+      </p:sp>
+      <p:pic>
+        <p:nvPicPr>
+          <p:cNvPr id="50" name="Picture 49"/>
+          <p:cNvPicPr>
+            <a:picLocks noChangeAspect="1"/>
+          </p:cNvPicPr>
+          <p:nvPr/>
+        </p:nvPicPr>
+        <p:blipFill>
+          <a:blip r:embed="rId3">
+            <a:extLst>
+              <a:ext uri="{28A0092B-C50C-407E-A947-70E740481C1C}">
+                <a14:useLocalDpi xmlns:a14="http://schemas.microsoft.com/office/drawing/2010/main" val="0"/>
+              </a:ext>
+            </a:extLst>
+          </a:blip>
+          <a:stretch>
+            <a:fillRect/>
+          </a:stretch>
+        </p:blipFill>
+        <p:spPr>
+          <a:xfrm>
+            <a:off x="574424" y="635900"/>
+            <a:ext cx="2412000" cy="2412000"/>
+          </a:xfrm>
+          <a:prstGeom prst="rect">
+            <a:avLst/>
+          </a:prstGeom>
+        </p:spPr>
+      </p:pic>
+      <p:sp>
+        <p:nvSpPr>
+          <p:cNvPr id="51" name="Rectangle 50"/>
+          <p:cNvSpPr/>
+          <p:nvPr/>
+        </p:nvSpPr>
+        <p:spPr>
+          <a:xfrm>
+            <a:off x="340424" y="401900"/>
+            <a:ext cx="2880000" cy="2880000"/>
+          </a:xfrm>
+          <a:prstGeom prst="rect">
+            <a:avLst/>
+          </a:prstGeom>
+          <a:noFill/>
+          <a:ln>
+            <a:noFill/>
+          </a:ln>
+        </p:spPr>
+        <p:style>
+          <a:lnRef idx="2">
+            <a:schemeClr val="accent1">
+              <a:shade val="50000"/>
+            </a:schemeClr>
+          </a:lnRef>
+          <a:fillRef idx="1">
+            <a:schemeClr val="accent1"/>
+          </a:fillRef>
+          <a:effectRef idx="0">
+            <a:schemeClr val="accent1"/>
+          </a:effectRef>
+          <a:fontRef idx="minor">
+            <a:schemeClr val="lt1"/>
+          </a:fontRef>
+        </p:style>
+        <p:txBody>
+          <a:bodyPr rtlCol="0" anchor="ctr"/>
+          <a:lstStyle/>
+          <a:p>
+            <a:pPr algn="ctr"/>
+            <a:endParaRPr lang="en-US"/>
+          </a:p>
+        </p:txBody>
+      </p:sp>
+    </p:spTree>
+    <p:extLst>
+      <p:ext uri="{BB962C8B-B14F-4D97-AF65-F5344CB8AC3E}">
+        <p14:creationId xmlns:p14="http://schemas.microsoft.com/office/powerpoint/2010/main" val="2038664370"/>
+      </p:ext>
+    </p:extLst>
+  </p:cSld>
+  <p:clrMapOvr>
+    <a:masterClrMapping/>
+  </p:clrMapOvr>
+</p:sld>
+</file>
+
+<file path=ppt/slides/slide3.xml><?xml version="1.0" encoding="utf-8"?>
 <p:sld xmlns:a="http://schemas.openxmlformats.org/drawingml/2006/main" xmlns:r="http://schemas.openxmlformats.org/officeDocument/2006/relationships" xmlns:p="http://schemas.openxmlformats.org/presentationml/2006/main">
   <p:cSld>
     <p:spTree>

--- a/pics/pics.pptx
+++ b/pics/pics.pptx
@@ -245,7 +245,7 @@
           <a:p>
             <a:fld id="{E65E778F-C4EB-6749-96E0-A0E7AA333788}" type="datetimeFigureOut">
               <a:rPr lang="en-US" smtClean="0"/>
-              <a:t>10/19/18</a:t>
+              <a:t>10/25/18</a:t>
             </a:fld>
             <a:endParaRPr lang="en-US"/>
           </a:p>
@@ -415,7 +415,7 @@
           <a:p>
             <a:fld id="{E65E778F-C4EB-6749-96E0-A0E7AA333788}" type="datetimeFigureOut">
               <a:rPr lang="en-US" smtClean="0"/>
-              <a:t>10/19/18</a:t>
+              <a:t>10/25/18</a:t>
             </a:fld>
             <a:endParaRPr lang="en-US"/>
           </a:p>
@@ -595,7 +595,7 @@
           <a:p>
             <a:fld id="{E65E778F-C4EB-6749-96E0-A0E7AA333788}" type="datetimeFigureOut">
               <a:rPr lang="en-US" smtClean="0"/>
-              <a:t>10/19/18</a:t>
+              <a:t>10/25/18</a:t>
             </a:fld>
             <a:endParaRPr lang="en-US"/>
           </a:p>
@@ -765,7 +765,7 @@
           <a:p>
             <a:fld id="{E65E778F-C4EB-6749-96E0-A0E7AA333788}" type="datetimeFigureOut">
               <a:rPr lang="en-US" smtClean="0"/>
-              <a:t>10/19/18</a:t>
+              <a:t>10/25/18</a:t>
             </a:fld>
             <a:endParaRPr lang="en-US"/>
           </a:p>
@@ -1011,7 +1011,7 @@
           <a:p>
             <a:fld id="{E65E778F-C4EB-6749-96E0-A0E7AA333788}" type="datetimeFigureOut">
               <a:rPr lang="en-US" smtClean="0"/>
-              <a:t>10/19/18</a:t>
+              <a:t>10/25/18</a:t>
             </a:fld>
             <a:endParaRPr lang="en-US"/>
           </a:p>
@@ -1243,7 +1243,7 @@
           <a:p>
             <a:fld id="{E65E778F-C4EB-6749-96E0-A0E7AA333788}" type="datetimeFigureOut">
               <a:rPr lang="en-US" smtClean="0"/>
-              <a:t>10/19/18</a:t>
+              <a:t>10/25/18</a:t>
             </a:fld>
             <a:endParaRPr lang="en-US"/>
           </a:p>
@@ -1610,7 +1610,7 @@
           <a:p>
             <a:fld id="{E65E778F-C4EB-6749-96E0-A0E7AA333788}" type="datetimeFigureOut">
               <a:rPr lang="en-US" smtClean="0"/>
-              <a:t>10/19/18</a:t>
+              <a:t>10/25/18</a:t>
             </a:fld>
             <a:endParaRPr lang="en-US"/>
           </a:p>
@@ -1728,7 +1728,7 @@
           <a:p>
             <a:fld id="{E65E778F-C4EB-6749-96E0-A0E7AA333788}" type="datetimeFigureOut">
               <a:rPr lang="en-US" smtClean="0"/>
-              <a:t>10/19/18</a:t>
+              <a:t>10/25/18</a:t>
             </a:fld>
             <a:endParaRPr lang="en-US"/>
           </a:p>
@@ -1823,7 +1823,7 @@
           <a:p>
             <a:fld id="{E65E778F-C4EB-6749-96E0-A0E7AA333788}" type="datetimeFigureOut">
               <a:rPr lang="en-US" smtClean="0"/>
-              <a:t>10/19/18</a:t>
+              <a:t>10/25/18</a:t>
             </a:fld>
             <a:endParaRPr lang="en-US"/>
           </a:p>
@@ -2100,7 +2100,7 @@
           <a:p>
             <a:fld id="{E65E778F-C4EB-6749-96E0-A0E7AA333788}" type="datetimeFigureOut">
               <a:rPr lang="en-US" smtClean="0"/>
-              <a:t>10/19/18</a:t>
+              <a:t>10/25/18</a:t>
             </a:fld>
             <a:endParaRPr lang="en-US"/>
           </a:p>
@@ -2353,7 +2353,7 @@
           <a:p>
             <a:fld id="{E65E778F-C4EB-6749-96E0-A0E7AA333788}" type="datetimeFigureOut">
               <a:rPr lang="en-US" smtClean="0"/>
-              <a:t>10/19/18</a:t>
+              <a:t>10/25/18</a:t>
             </a:fld>
             <a:endParaRPr lang="en-US"/>
           </a:p>
@@ -2566,7 +2566,7 @@
           <a:p>
             <a:fld id="{E65E778F-C4EB-6749-96E0-A0E7AA333788}" type="datetimeFigureOut">
               <a:rPr lang="en-US" smtClean="0"/>
-              <a:t>10/19/18</a:t>
+              <a:t>10/25/18</a:t>
             </a:fld>
             <a:endParaRPr lang="en-US"/>
           </a:p>
@@ -5298,7 +5298,7 @@
         </p:nvGrpSpPr>
         <p:grpSpPr>
           <a:xfrm>
-            <a:off x="8801533" y="4393680"/>
+            <a:off x="8801533" y="1000833"/>
             <a:ext cx="2046100" cy="2047067"/>
             <a:chOff x="4069791" y="3780053"/>
             <a:chExt cx="2046100" cy="2047067"/>
@@ -5678,11 +5678,7 @@
           </a:prstGeom>
           <a:noFill/>
           <a:ln>
-            <a:solidFill>
-              <a:schemeClr val="accent1">
-                <a:shade val="50000"/>
-              </a:schemeClr>
-            </a:solidFill>
+            <a:noFill/>
           </a:ln>
         </p:spPr>
         <p:style>
@@ -5858,6 +5854,615 @@
           </a:p>
         </p:txBody>
       </p:sp>
+      <p:sp>
+        <p:nvSpPr>
+          <p:cNvPr id="18" name="Rounded Rectangle 17"/>
+          <p:cNvSpPr/>
+          <p:nvPr/>
+        </p:nvSpPr>
+        <p:spPr>
+          <a:xfrm rot="16200000">
+            <a:off x="8801533" y="5544028"/>
+            <a:ext cx="841905" cy="841906"/>
+          </a:xfrm>
+          <a:prstGeom prst="roundRect">
+            <a:avLst>
+              <a:gd name="adj" fmla="val 8096"/>
+            </a:avLst>
+          </a:prstGeom>
+          <a:noFill/>
+          <a:ln w="114300">
+            <a:solidFill>
+              <a:srgbClr val="B3E6D5"/>
+            </a:solidFill>
+          </a:ln>
+          <a:scene3d>
+            <a:camera prst="orthographicFront">
+              <a:rot lat="0" lon="0" rev="0"/>
+            </a:camera>
+            <a:lightRig rig="threePt" dir="t"/>
+          </a:scene3d>
+        </p:spPr>
+        <p:style>
+          <a:lnRef idx="2">
+            <a:schemeClr val="accent1">
+              <a:shade val="50000"/>
+            </a:schemeClr>
+          </a:lnRef>
+          <a:fillRef idx="1">
+            <a:schemeClr val="accent1"/>
+          </a:fillRef>
+          <a:effectRef idx="0">
+            <a:schemeClr val="accent1"/>
+          </a:effectRef>
+          <a:fontRef idx="minor">
+            <a:schemeClr val="lt1"/>
+          </a:fontRef>
+        </p:style>
+        <p:txBody>
+          <a:bodyPr rtlCol="0" anchor="ctr"/>
+          <a:lstStyle/>
+          <a:p>
+            <a:pPr algn="ctr"/>
+            <a:endParaRPr lang="en-US"/>
+          </a:p>
+        </p:txBody>
+      </p:sp>
+      <p:sp>
+        <p:nvSpPr>
+          <p:cNvPr id="19" name="Rounded Rectangle 18"/>
+          <p:cNvSpPr/>
+          <p:nvPr/>
+        </p:nvSpPr>
+        <p:spPr>
+          <a:xfrm rot="16200000">
+            <a:off x="8801533" y="4391214"/>
+            <a:ext cx="841905" cy="841906"/>
+          </a:xfrm>
+          <a:prstGeom prst="roundRect">
+            <a:avLst>
+              <a:gd name="adj" fmla="val 8096"/>
+            </a:avLst>
+          </a:prstGeom>
+          <a:noFill/>
+          <a:ln w="114300">
+            <a:solidFill>
+              <a:srgbClr val="B3E6D5"/>
+            </a:solidFill>
+          </a:ln>
+          <a:scene3d>
+            <a:camera prst="orthographicFront">
+              <a:rot lat="0" lon="0" rev="0"/>
+            </a:camera>
+            <a:lightRig rig="threePt" dir="t"/>
+          </a:scene3d>
+        </p:spPr>
+        <p:style>
+          <a:lnRef idx="2">
+            <a:schemeClr val="accent1">
+              <a:shade val="50000"/>
+            </a:schemeClr>
+          </a:lnRef>
+          <a:fillRef idx="1">
+            <a:schemeClr val="accent1"/>
+          </a:fillRef>
+          <a:effectRef idx="0">
+            <a:schemeClr val="accent1"/>
+          </a:effectRef>
+          <a:fontRef idx="minor">
+            <a:schemeClr val="lt1"/>
+          </a:fontRef>
+        </p:style>
+        <p:txBody>
+          <a:bodyPr rtlCol="0" anchor="ctr"/>
+          <a:lstStyle/>
+          <a:p>
+            <a:pPr algn="ctr"/>
+            <a:endParaRPr lang="en-US"/>
+          </a:p>
+        </p:txBody>
+      </p:sp>
+      <p:sp>
+        <p:nvSpPr>
+          <p:cNvPr id="21" name="Rounded Rectangle 20"/>
+          <p:cNvSpPr>
+            <a:spLocks noChangeAspect="1"/>
+          </p:cNvSpPr>
+          <p:nvPr/>
+        </p:nvSpPr>
+        <p:spPr>
+          <a:xfrm rot="16200000">
+            <a:off x="9057307" y="5799252"/>
+            <a:ext cx="328542" cy="328542"/>
+          </a:xfrm>
+          <a:prstGeom prst="roundRect">
+            <a:avLst/>
+          </a:prstGeom>
+          <a:solidFill>
+            <a:srgbClr val="B9EADA"/>
+          </a:solidFill>
+          <a:ln w="31750">
+            <a:noFill/>
+          </a:ln>
+          <a:scene3d>
+            <a:camera prst="orthographicFront">
+              <a:rot lat="0" lon="0" rev="0"/>
+            </a:camera>
+            <a:lightRig rig="threePt" dir="t"/>
+          </a:scene3d>
+        </p:spPr>
+        <p:style>
+          <a:lnRef idx="2">
+            <a:schemeClr val="accent1">
+              <a:shade val="50000"/>
+            </a:schemeClr>
+          </a:lnRef>
+          <a:fillRef idx="1">
+            <a:schemeClr val="accent1"/>
+          </a:fillRef>
+          <a:effectRef idx="0">
+            <a:schemeClr val="accent1"/>
+          </a:effectRef>
+          <a:fontRef idx="minor">
+            <a:schemeClr val="lt1"/>
+          </a:fontRef>
+        </p:style>
+        <p:txBody>
+          <a:bodyPr rtlCol="0" anchor="ctr"/>
+          <a:lstStyle/>
+          <a:p>
+            <a:pPr algn="ctr"/>
+            <a:endParaRPr lang="en-US"/>
+          </a:p>
+        </p:txBody>
+      </p:sp>
+      <p:sp>
+        <p:nvSpPr>
+          <p:cNvPr id="22" name="Rounded Rectangle 21"/>
+          <p:cNvSpPr>
+            <a:spLocks noChangeAspect="1"/>
+          </p:cNvSpPr>
+          <p:nvPr/>
+        </p:nvSpPr>
+        <p:spPr>
+          <a:xfrm rot="16200000">
+            <a:off x="9057307" y="4649354"/>
+            <a:ext cx="328542" cy="328542"/>
+          </a:xfrm>
+          <a:prstGeom prst="roundRect">
+            <a:avLst/>
+          </a:prstGeom>
+          <a:solidFill>
+            <a:srgbClr val="B9EADA"/>
+          </a:solidFill>
+          <a:ln w="31750">
+            <a:noFill/>
+          </a:ln>
+          <a:scene3d>
+            <a:camera prst="orthographicFront">
+              <a:rot lat="0" lon="0" rev="0"/>
+            </a:camera>
+            <a:lightRig rig="threePt" dir="t"/>
+          </a:scene3d>
+        </p:spPr>
+        <p:style>
+          <a:lnRef idx="2">
+            <a:schemeClr val="accent1">
+              <a:shade val="50000"/>
+            </a:schemeClr>
+          </a:lnRef>
+          <a:fillRef idx="1">
+            <a:schemeClr val="accent1"/>
+          </a:fillRef>
+          <a:effectRef idx="0">
+            <a:schemeClr val="accent1"/>
+          </a:effectRef>
+          <a:fontRef idx="minor">
+            <a:schemeClr val="lt1"/>
+          </a:fontRef>
+        </p:style>
+        <p:txBody>
+          <a:bodyPr rtlCol="0" anchor="ctr"/>
+          <a:lstStyle/>
+          <a:p>
+            <a:pPr algn="ctr"/>
+            <a:endParaRPr lang="en-US"/>
+          </a:p>
+        </p:txBody>
+      </p:sp>
+      <p:sp>
+        <p:nvSpPr>
+          <p:cNvPr id="23" name="Rounded Rectangle 22"/>
+          <p:cNvSpPr/>
+          <p:nvPr/>
+        </p:nvSpPr>
+        <p:spPr>
+          <a:xfrm rot="16200000">
+            <a:off x="9957881" y="4391214"/>
+            <a:ext cx="854702" cy="854702"/>
+          </a:xfrm>
+          <a:prstGeom prst="roundRect">
+            <a:avLst>
+              <a:gd name="adj" fmla="val 8096"/>
+            </a:avLst>
+          </a:prstGeom>
+          <a:noFill/>
+          <a:ln w="114300">
+            <a:solidFill>
+              <a:srgbClr val="B3E6D5"/>
+            </a:solidFill>
+          </a:ln>
+          <a:scene3d>
+            <a:camera prst="orthographicFront">
+              <a:rot lat="0" lon="0" rev="0"/>
+            </a:camera>
+            <a:lightRig rig="threePt" dir="t"/>
+          </a:scene3d>
+        </p:spPr>
+        <p:style>
+          <a:lnRef idx="2">
+            <a:schemeClr val="accent1">
+              <a:shade val="50000"/>
+            </a:schemeClr>
+          </a:lnRef>
+          <a:fillRef idx="1">
+            <a:schemeClr val="accent1"/>
+          </a:fillRef>
+          <a:effectRef idx="0">
+            <a:schemeClr val="accent1"/>
+          </a:effectRef>
+          <a:fontRef idx="minor">
+            <a:schemeClr val="lt1"/>
+          </a:fontRef>
+        </p:style>
+        <p:txBody>
+          <a:bodyPr rtlCol="0" anchor="ctr"/>
+          <a:lstStyle/>
+          <a:p>
+            <a:pPr algn="ctr"/>
+            <a:endParaRPr lang="en-US"/>
+          </a:p>
+        </p:txBody>
+      </p:sp>
+      <p:sp>
+        <p:nvSpPr>
+          <p:cNvPr id="24" name="Rounded Rectangle 23"/>
+          <p:cNvSpPr>
+            <a:spLocks noChangeAspect="1"/>
+          </p:cNvSpPr>
+          <p:nvPr/>
+        </p:nvSpPr>
+        <p:spPr>
+          <a:xfrm rot="16200000">
+            <a:off x="10216021" y="4649354"/>
+            <a:ext cx="328542" cy="328542"/>
+          </a:xfrm>
+          <a:prstGeom prst="roundRect">
+            <a:avLst/>
+          </a:prstGeom>
+          <a:solidFill>
+            <a:srgbClr val="B9EADA"/>
+          </a:solidFill>
+          <a:ln w="31750">
+            <a:noFill/>
+          </a:ln>
+          <a:scene3d>
+            <a:camera prst="orthographicFront">
+              <a:rot lat="0" lon="0" rev="0"/>
+            </a:camera>
+            <a:lightRig rig="threePt" dir="t"/>
+          </a:scene3d>
+        </p:spPr>
+        <p:style>
+          <a:lnRef idx="2">
+            <a:schemeClr val="accent1">
+              <a:shade val="50000"/>
+            </a:schemeClr>
+          </a:lnRef>
+          <a:fillRef idx="1">
+            <a:schemeClr val="accent1"/>
+          </a:fillRef>
+          <a:effectRef idx="0">
+            <a:schemeClr val="accent1"/>
+          </a:effectRef>
+          <a:fontRef idx="minor">
+            <a:schemeClr val="lt1"/>
+          </a:fontRef>
+        </p:style>
+        <p:txBody>
+          <a:bodyPr rtlCol="0" anchor="ctr"/>
+          <a:lstStyle/>
+          <a:p>
+            <a:pPr algn="ctr"/>
+            <a:endParaRPr lang="en-US"/>
+          </a:p>
+        </p:txBody>
+      </p:sp>
+      <p:grpSp>
+        <p:nvGrpSpPr>
+          <p:cNvPr id="4" name="Group 3"/>
+          <p:cNvGrpSpPr/>
+          <p:nvPr/>
+        </p:nvGrpSpPr>
+        <p:grpSpPr>
+          <a:xfrm>
+            <a:off x="9910946" y="5504522"/>
+            <a:ext cx="938692" cy="938692"/>
+            <a:chOff x="4989600" y="3970800"/>
+            <a:chExt cx="295200" cy="295200"/>
+          </a:xfrm>
+        </p:grpSpPr>
+        <p:sp>
+          <p:nvSpPr>
+            <p:cNvPr id="25" name="Rounded Rectangle 24"/>
+            <p:cNvSpPr>
+              <a:spLocks noChangeAspect="1"/>
+            </p:cNvSpPr>
+            <p:nvPr/>
+          </p:nvSpPr>
+          <p:spPr>
+            <a:xfrm rot="16200000">
+              <a:off x="5086800" y="4068000"/>
+              <a:ext cx="100800" cy="100800"/>
+            </a:xfrm>
+            <a:prstGeom prst="roundRect">
+              <a:avLst/>
+            </a:prstGeom>
+            <a:solidFill>
+              <a:srgbClr val="B9EADA"/>
+            </a:solidFill>
+            <a:ln w="31750">
+              <a:noFill/>
+            </a:ln>
+            <a:scene3d>
+              <a:camera prst="orthographicFront">
+                <a:rot lat="0" lon="0" rev="0"/>
+              </a:camera>
+              <a:lightRig rig="threePt" dir="t"/>
+            </a:scene3d>
+          </p:spPr>
+          <p:style>
+            <a:lnRef idx="2">
+              <a:schemeClr val="accent1">
+                <a:shade val="50000"/>
+              </a:schemeClr>
+            </a:lnRef>
+            <a:fillRef idx="1">
+              <a:schemeClr val="accent1"/>
+            </a:fillRef>
+            <a:effectRef idx="0">
+              <a:schemeClr val="accent1"/>
+            </a:effectRef>
+            <a:fontRef idx="minor">
+              <a:schemeClr val="lt1"/>
+            </a:fontRef>
+          </p:style>
+          <p:txBody>
+            <a:bodyPr rtlCol="0" anchor="ctr"/>
+            <a:lstStyle/>
+            <a:p>
+              <a:pPr algn="ctr"/>
+              <a:endParaRPr lang="en-US"/>
+            </a:p>
+          </p:txBody>
+        </p:sp>
+        <p:sp>
+          <p:nvSpPr>
+            <p:cNvPr id="26" name="Rounded Rectangle 25"/>
+            <p:cNvSpPr>
+              <a:spLocks noChangeAspect="1"/>
+            </p:cNvSpPr>
+            <p:nvPr/>
+          </p:nvSpPr>
+          <p:spPr>
+            <a:xfrm rot="16200000">
+              <a:off x="5184000" y="3970800"/>
+              <a:ext cx="100800" cy="100800"/>
+            </a:xfrm>
+            <a:prstGeom prst="roundRect">
+              <a:avLst/>
+            </a:prstGeom>
+            <a:solidFill>
+              <a:srgbClr val="B9EADA"/>
+            </a:solidFill>
+            <a:ln w="31750">
+              <a:noFill/>
+            </a:ln>
+            <a:scene3d>
+              <a:camera prst="orthographicFront">
+                <a:rot lat="0" lon="0" rev="0"/>
+              </a:camera>
+              <a:lightRig rig="threePt" dir="t"/>
+            </a:scene3d>
+          </p:spPr>
+          <p:style>
+            <a:lnRef idx="2">
+              <a:schemeClr val="accent1">
+                <a:shade val="50000"/>
+              </a:schemeClr>
+            </a:lnRef>
+            <a:fillRef idx="1">
+              <a:schemeClr val="accent1"/>
+            </a:fillRef>
+            <a:effectRef idx="0">
+              <a:schemeClr val="accent1"/>
+            </a:effectRef>
+            <a:fontRef idx="minor">
+              <a:schemeClr val="lt1"/>
+            </a:fontRef>
+          </p:style>
+          <p:txBody>
+            <a:bodyPr rtlCol="0" anchor="ctr"/>
+            <a:lstStyle/>
+            <a:p>
+              <a:pPr algn="ctr"/>
+              <a:endParaRPr lang="en-US"/>
+            </a:p>
+          </p:txBody>
+        </p:sp>
+        <p:sp>
+          <p:nvSpPr>
+            <p:cNvPr id="27" name="Rounded Rectangle 26"/>
+            <p:cNvSpPr>
+              <a:spLocks noChangeAspect="1"/>
+            </p:cNvSpPr>
+            <p:nvPr/>
+          </p:nvSpPr>
+          <p:spPr>
+            <a:xfrm rot="16200000">
+              <a:off x="4989600" y="3970800"/>
+              <a:ext cx="100800" cy="100800"/>
+            </a:xfrm>
+            <a:prstGeom prst="roundRect">
+              <a:avLst/>
+            </a:prstGeom>
+            <a:solidFill>
+              <a:srgbClr val="B9EADA"/>
+            </a:solidFill>
+            <a:ln w="31750">
+              <a:noFill/>
+            </a:ln>
+            <a:scene3d>
+              <a:camera prst="orthographicFront">
+                <a:rot lat="0" lon="0" rev="0"/>
+              </a:camera>
+              <a:lightRig rig="threePt" dir="t"/>
+            </a:scene3d>
+          </p:spPr>
+          <p:style>
+            <a:lnRef idx="2">
+              <a:schemeClr val="accent1">
+                <a:shade val="50000"/>
+              </a:schemeClr>
+            </a:lnRef>
+            <a:fillRef idx="1">
+              <a:schemeClr val="accent1"/>
+            </a:fillRef>
+            <a:effectRef idx="0">
+              <a:schemeClr val="accent1"/>
+            </a:effectRef>
+            <a:fontRef idx="minor">
+              <a:schemeClr val="lt1"/>
+            </a:fontRef>
+          </p:style>
+          <p:txBody>
+            <a:bodyPr rtlCol="0" anchor="ctr"/>
+            <a:lstStyle/>
+            <a:p>
+              <a:pPr algn="ctr"/>
+              <a:endParaRPr lang="en-US"/>
+            </a:p>
+          </p:txBody>
+        </p:sp>
+        <p:sp>
+          <p:nvSpPr>
+            <p:cNvPr id="28" name="Rounded Rectangle 27"/>
+            <p:cNvSpPr>
+              <a:spLocks noChangeAspect="1"/>
+            </p:cNvSpPr>
+            <p:nvPr/>
+          </p:nvSpPr>
+          <p:spPr>
+            <a:xfrm rot="16200000">
+              <a:off x="4989600" y="4165200"/>
+              <a:ext cx="100800" cy="100800"/>
+            </a:xfrm>
+            <a:prstGeom prst="roundRect">
+              <a:avLst/>
+            </a:prstGeom>
+            <a:solidFill>
+              <a:srgbClr val="B9EADA"/>
+            </a:solidFill>
+            <a:ln w="31750">
+              <a:noFill/>
+            </a:ln>
+            <a:scene3d>
+              <a:camera prst="orthographicFront">
+                <a:rot lat="0" lon="0" rev="0"/>
+              </a:camera>
+              <a:lightRig rig="threePt" dir="t"/>
+            </a:scene3d>
+          </p:spPr>
+          <p:style>
+            <a:lnRef idx="2">
+              <a:schemeClr val="accent1">
+                <a:shade val="50000"/>
+              </a:schemeClr>
+            </a:lnRef>
+            <a:fillRef idx="1">
+              <a:schemeClr val="accent1"/>
+            </a:fillRef>
+            <a:effectRef idx="0">
+              <a:schemeClr val="accent1"/>
+            </a:effectRef>
+            <a:fontRef idx="minor">
+              <a:schemeClr val="lt1"/>
+            </a:fontRef>
+          </p:style>
+          <p:txBody>
+            <a:bodyPr rtlCol="0" anchor="ctr"/>
+            <a:lstStyle/>
+            <a:p>
+              <a:pPr algn="ctr"/>
+              <a:endParaRPr lang="en-US"/>
+            </a:p>
+          </p:txBody>
+        </p:sp>
+        <p:sp>
+          <p:nvSpPr>
+            <p:cNvPr id="29" name="Rounded Rectangle 28"/>
+            <p:cNvSpPr>
+              <a:spLocks noChangeAspect="1"/>
+            </p:cNvSpPr>
+            <p:nvPr/>
+          </p:nvSpPr>
+          <p:spPr>
+            <a:xfrm rot="16200000">
+              <a:off x="5184000" y="4165200"/>
+              <a:ext cx="100800" cy="100800"/>
+            </a:xfrm>
+            <a:prstGeom prst="roundRect">
+              <a:avLst/>
+            </a:prstGeom>
+            <a:solidFill>
+              <a:srgbClr val="B9EADA"/>
+            </a:solidFill>
+            <a:ln w="31750">
+              <a:noFill/>
+            </a:ln>
+            <a:scene3d>
+              <a:camera prst="orthographicFront">
+                <a:rot lat="0" lon="0" rev="0"/>
+              </a:camera>
+              <a:lightRig rig="threePt" dir="t"/>
+            </a:scene3d>
+          </p:spPr>
+          <p:style>
+            <a:lnRef idx="2">
+              <a:schemeClr val="accent1">
+                <a:shade val="50000"/>
+              </a:schemeClr>
+            </a:lnRef>
+            <a:fillRef idx="1">
+              <a:schemeClr val="accent1"/>
+            </a:fillRef>
+            <a:effectRef idx="0">
+              <a:schemeClr val="accent1"/>
+            </a:effectRef>
+            <a:fontRef idx="minor">
+              <a:schemeClr val="lt1"/>
+            </a:fontRef>
+          </p:style>
+          <p:txBody>
+            <a:bodyPr rtlCol="0" anchor="ctr"/>
+            <a:lstStyle/>
+            <a:p>
+              <a:pPr algn="ctr"/>
+              <a:endParaRPr lang="en-US"/>
+            </a:p>
+          </p:txBody>
+        </p:sp>
+      </p:grpSp>
     </p:spTree>
     <p:extLst>
       <p:ext uri="{BB962C8B-B14F-4D97-AF65-F5344CB8AC3E}">

--- a/pics/pics.pptx
+++ b/pics/pics.pptx
@@ -245,7 +245,7 @@
           <a:p>
             <a:fld id="{E65E778F-C4EB-6749-96E0-A0E7AA333788}" type="datetimeFigureOut">
               <a:rPr lang="en-US" smtClean="0"/>
-              <a:t>10/25/18</a:t>
+              <a:t>10/30/18</a:t>
             </a:fld>
             <a:endParaRPr lang="en-US"/>
           </a:p>
@@ -415,7 +415,7 @@
           <a:p>
             <a:fld id="{E65E778F-C4EB-6749-96E0-A0E7AA333788}" type="datetimeFigureOut">
               <a:rPr lang="en-US" smtClean="0"/>
-              <a:t>10/25/18</a:t>
+              <a:t>10/30/18</a:t>
             </a:fld>
             <a:endParaRPr lang="en-US"/>
           </a:p>
@@ -595,7 +595,7 @@
           <a:p>
             <a:fld id="{E65E778F-C4EB-6749-96E0-A0E7AA333788}" type="datetimeFigureOut">
               <a:rPr lang="en-US" smtClean="0"/>
-              <a:t>10/25/18</a:t>
+              <a:t>10/30/18</a:t>
             </a:fld>
             <a:endParaRPr lang="en-US"/>
           </a:p>
@@ -765,7 +765,7 @@
           <a:p>
             <a:fld id="{E65E778F-C4EB-6749-96E0-A0E7AA333788}" type="datetimeFigureOut">
               <a:rPr lang="en-US" smtClean="0"/>
-              <a:t>10/25/18</a:t>
+              <a:t>10/30/18</a:t>
             </a:fld>
             <a:endParaRPr lang="en-US"/>
           </a:p>
@@ -1011,7 +1011,7 @@
           <a:p>
             <a:fld id="{E65E778F-C4EB-6749-96E0-A0E7AA333788}" type="datetimeFigureOut">
               <a:rPr lang="en-US" smtClean="0"/>
-              <a:t>10/25/18</a:t>
+              <a:t>10/30/18</a:t>
             </a:fld>
             <a:endParaRPr lang="en-US"/>
           </a:p>
@@ -1243,7 +1243,7 @@
           <a:p>
             <a:fld id="{E65E778F-C4EB-6749-96E0-A0E7AA333788}" type="datetimeFigureOut">
               <a:rPr lang="en-US" smtClean="0"/>
-              <a:t>10/25/18</a:t>
+              <a:t>10/30/18</a:t>
             </a:fld>
             <a:endParaRPr lang="en-US"/>
           </a:p>
@@ -1610,7 +1610,7 @@
           <a:p>
             <a:fld id="{E65E778F-C4EB-6749-96E0-A0E7AA333788}" type="datetimeFigureOut">
               <a:rPr lang="en-US" smtClean="0"/>
-              <a:t>10/25/18</a:t>
+              <a:t>10/30/18</a:t>
             </a:fld>
             <a:endParaRPr lang="en-US"/>
           </a:p>
@@ -1728,7 +1728,7 @@
           <a:p>
             <a:fld id="{E65E778F-C4EB-6749-96E0-A0E7AA333788}" type="datetimeFigureOut">
               <a:rPr lang="en-US" smtClean="0"/>
-              <a:t>10/25/18</a:t>
+              <a:t>10/30/18</a:t>
             </a:fld>
             <a:endParaRPr lang="en-US"/>
           </a:p>
@@ -1823,7 +1823,7 @@
           <a:p>
             <a:fld id="{E65E778F-C4EB-6749-96E0-A0E7AA333788}" type="datetimeFigureOut">
               <a:rPr lang="en-US" smtClean="0"/>
-              <a:t>10/25/18</a:t>
+              <a:t>10/30/18</a:t>
             </a:fld>
             <a:endParaRPr lang="en-US"/>
           </a:p>
@@ -2100,7 +2100,7 @@
           <a:p>
             <a:fld id="{E65E778F-C4EB-6749-96E0-A0E7AA333788}" type="datetimeFigureOut">
               <a:rPr lang="en-US" smtClean="0"/>
-              <a:t>10/25/18</a:t>
+              <a:t>10/30/18</a:t>
             </a:fld>
             <a:endParaRPr lang="en-US"/>
           </a:p>
@@ -2353,7 +2353,7 @@
           <a:p>
             <a:fld id="{E65E778F-C4EB-6749-96E0-A0E7AA333788}" type="datetimeFigureOut">
               <a:rPr lang="en-US" smtClean="0"/>
-              <a:t>10/25/18</a:t>
+              <a:t>10/30/18</a:t>
             </a:fld>
             <a:endParaRPr lang="en-US"/>
           </a:p>
@@ -2566,7 +2566,7 @@
           <a:p>
             <a:fld id="{E65E778F-C4EB-6749-96E0-A0E7AA333788}" type="datetimeFigureOut">
               <a:rPr lang="en-US" smtClean="0"/>
-              <a:t>10/25/18</a:t>
+              <a:t>10/30/18</a:t>
             </a:fld>
             <a:endParaRPr lang="en-US"/>
           </a:p>
@@ -5217,6 +5217,84 @@
           </a:p>
         </p:txBody>
       </p:sp>
+      <p:sp>
+        <p:nvSpPr>
+          <p:cNvPr id="54" name="Cross 53"/>
+          <p:cNvSpPr/>
+          <p:nvPr/>
+        </p:nvSpPr>
+        <p:spPr>
+          <a:xfrm>
+            <a:off x="7057927" y="5750163"/>
+            <a:ext cx="720000" cy="720000"/>
+          </a:xfrm>
+          <a:prstGeom prst="plus">
+            <a:avLst>
+              <a:gd name="adj" fmla="val 45282"/>
+            </a:avLst>
+          </a:prstGeom>
+          <a:solidFill>
+            <a:srgbClr val="73B09C"/>
+          </a:solidFill>
+          <a:ln>
+            <a:noFill/>
+          </a:ln>
+        </p:spPr>
+        <p:style>
+          <a:lnRef idx="2">
+            <a:schemeClr val="accent1">
+              <a:shade val="50000"/>
+            </a:schemeClr>
+          </a:lnRef>
+          <a:fillRef idx="1">
+            <a:schemeClr val="accent1"/>
+          </a:fillRef>
+          <a:effectRef idx="0">
+            <a:schemeClr val="accent1"/>
+          </a:effectRef>
+          <a:fontRef idx="minor">
+            <a:schemeClr val="lt1"/>
+          </a:fontRef>
+        </p:style>
+        <p:txBody>
+          <a:bodyPr rtlCol="0" anchor="ctr"/>
+          <a:lstStyle/>
+          <a:p>
+            <a:pPr algn="ctr"/>
+            <a:endParaRPr lang="en-US"/>
+          </a:p>
+        </p:txBody>
+      </p:sp>
+      <p:pic>
+        <p:nvPicPr>
+          <p:cNvPr id="42" name="Picture 41"/>
+          <p:cNvPicPr>
+            <a:picLocks noChangeAspect="1"/>
+          </p:cNvPicPr>
+          <p:nvPr/>
+        </p:nvPicPr>
+        <p:blipFill>
+          <a:blip r:embed="rId4">
+            <a:extLst>
+              <a:ext uri="{28A0092B-C50C-407E-A947-70E740481C1C}">
+                <a14:useLocalDpi xmlns:a14="http://schemas.microsoft.com/office/drawing/2010/main" val="0"/>
+              </a:ext>
+            </a:extLst>
+          </a:blip>
+          <a:stretch>
+            <a:fillRect/>
+          </a:stretch>
+        </p:blipFill>
+        <p:spPr>
+          <a:xfrm>
+            <a:off x="7815970" y="5349683"/>
+            <a:ext cx="1300480" cy="1300480"/>
+          </a:xfrm>
+          <a:prstGeom prst="rect">
+            <a:avLst/>
+          </a:prstGeom>
+        </p:spPr>
+      </p:pic>
     </p:spTree>
     <p:extLst>
       <p:ext uri="{BB962C8B-B14F-4D97-AF65-F5344CB8AC3E}">
@@ -5249,20 +5327,25 @@
       </p:grpSpPr>
       <p:sp>
         <p:nvSpPr>
-          <p:cNvPr id="20" name="Rounded Rectangle 19"/>
+          <p:cNvPr id="32" name="Rectangle 31"/>
           <p:cNvSpPr/>
           <p:nvPr/>
         </p:nvSpPr>
         <p:spPr>
           <a:xfrm>
-            <a:off x="6933628" y="3977214"/>
-            <a:ext cx="518400" cy="518400"/>
-          </a:xfrm>
-          <a:prstGeom prst="roundRect">
+            <a:off x="5103734" y="517266"/>
+            <a:ext cx="2880000" cy="1980000"/>
+          </a:xfrm>
+          <a:prstGeom prst="rect">
             <a:avLst/>
           </a:prstGeom>
+          <a:solidFill>
+            <a:schemeClr val="accent2"/>
+          </a:solidFill>
           <a:ln>
-            <a:noFill/>
+            <a:solidFill>
+              <a:schemeClr val="accent1"/>
+            </a:solidFill>
           </a:ln>
         </p:spPr>
         <p:style>
@@ -5290,6 +5373,49 @@
           </a:p>
         </p:txBody>
       </p:sp>
+      <p:sp>
+        <p:nvSpPr>
+          <p:cNvPr id="20" name="Rounded Rectangle 19"/>
+          <p:cNvSpPr/>
+          <p:nvPr/>
+        </p:nvSpPr>
+        <p:spPr>
+          <a:xfrm>
+            <a:off x="3566302" y="5565851"/>
+            <a:ext cx="518400" cy="518400"/>
+          </a:xfrm>
+          <a:prstGeom prst="roundRect">
+            <a:avLst/>
+          </a:prstGeom>
+          <a:ln>
+            <a:noFill/>
+          </a:ln>
+        </p:spPr>
+        <p:style>
+          <a:lnRef idx="2">
+            <a:schemeClr val="accent1">
+              <a:shade val="50000"/>
+            </a:schemeClr>
+          </a:lnRef>
+          <a:fillRef idx="1">
+            <a:schemeClr val="accent1"/>
+          </a:fillRef>
+          <a:effectRef idx="0">
+            <a:schemeClr val="accent1"/>
+          </a:effectRef>
+          <a:fontRef idx="minor">
+            <a:schemeClr val="lt1"/>
+          </a:fontRef>
+        </p:style>
+        <p:txBody>
+          <a:bodyPr rtlCol="0" anchor="ctr"/>
+          <a:lstStyle/>
+          <a:p>
+            <a:pPr algn="ctr"/>
+            <a:endParaRPr lang="en-US"/>
+          </a:p>
+        </p:txBody>
+      </p:sp>
       <p:grpSp>
         <p:nvGrpSpPr>
           <p:cNvPr id="46" name="Group 45"/>
@@ -5298,7 +5424,7 @@
         </p:nvGrpSpPr>
         <p:grpSpPr>
           <a:xfrm>
-            <a:off x="8801533" y="1000833"/>
+            <a:off x="8801533" y="2131007"/>
             <a:ext cx="2046100" cy="2047067"/>
             <a:chOff x="4069791" y="3780053"/>
             <a:chExt cx="2046100" cy="2047067"/>
@@ -6463,6 +6589,84 @@
           </p:txBody>
         </p:sp>
       </p:grpSp>
+      <p:sp>
+        <p:nvSpPr>
+          <p:cNvPr id="30" name="Cross 29"/>
+          <p:cNvSpPr/>
+          <p:nvPr/>
+        </p:nvSpPr>
+        <p:spPr>
+          <a:xfrm>
+            <a:off x="5446621" y="1147266"/>
+            <a:ext cx="720000" cy="720000"/>
+          </a:xfrm>
+          <a:prstGeom prst="plus">
+            <a:avLst>
+              <a:gd name="adj" fmla="val 45282"/>
+            </a:avLst>
+          </a:prstGeom>
+          <a:solidFill>
+            <a:srgbClr val="73B09C"/>
+          </a:solidFill>
+          <a:ln>
+            <a:noFill/>
+          </a:ln>
+        </p:spPr>
+        <p:style>
+          <a:lnRef idx="2">
+            <a:schemeClr val="accent1">
+              <a:shade val="50000"/>
+            </a:schemeClr>
+          </a:lnRef>
+          <a:fillRef idx="1">
+            <a:schemeClr val="accent1"/>
+          </a:fillRef>
+          <a:effectRef idx="0">
+            <a:schemeClr val="accent1"/>
+          </a:effectRef>
+          <a:fontRef idx="minor">
+            <a:schemeClr val="lt1"/>
+          </a:fontRef>
+        </p:style>
+        <p:txBody>
+          <a:bodyPr rtlCol="0" anchor="ctr"/>
+          <a:lstStyle/>
+          <a:p>
+            <a:pPr algn="ctr"/>
+            <a:endParaRPr lang="en-US"/>
+          </a:p>
+        </p:txBody>
+      </p:sp>
+      <p:pic>
+        <p:nvPicPr>
+          <p:cNvPr id="31" name="Picture 30"/>
+          <p:cNvPicPr>
+            <a:picLocks noChangeAspect="1"/>
+          </p:cNvPicPr>
+          <p:nvPr/>
+        </p:nvPicPr>
+        <p:blipFill>
+          <a:blip r:embed="rId4">
+            <a:extLst>
+              <a:ext uri="{28A0092B-C50C-407E-A947-70E740481C1C}">
+                <a14:useLocalDpi xmlns:a14="http://schemas.microsoft.com/office/drawing/2010/main" val="0"/>
+              </a:ext>
+            </a:extLst>
+          </a:blip>
+          <a:stretch>
+            <a:fillRect/>
+          </a:stretch>
+        </p:blipFill>
+        <p:spPr>
+          <a:xfrm>
+            <a:off x="6279022" y="830527"/>
+            <a:ext cx="1300480" cy="1300480"/>
+          </a:xfrm>
+          <a:prstGeom prst="rect">
+            <a:avLst/>
+          </a:prstGeom>
+        </p:spPr>
+      </p:pic>
     </p:spTree>
     <p:extLst>
       <p:ext uri="{BB962C8B-B14F-4D97-AF65-F5344CB8AC3E}">
